--- a/Week 4.2 ML-Clustering/Machine Learning - Clustering.pptx
+++ b/Week 4.2 ML-Clustering/Machine Learning - Clustering.pptx
@@ -11,6 +11,27 @@
     <p:sldId id="258" r:id="rId5"/>
     <p:sldId id="260" r:id="rId6"/>
     <p:sldId id="259" r:id="rId7"/>
+    <p:sldId id="262" r:id="rId8"/>
+    <p:sldId id="263" r:id="rId9"/>
+    <p:sldId id="264" r:id="rId10"/>
+    <p:sldId id="265" r:id="rId11"/>
+    <p:sldId id="266" r:id="rId12"/>
+    <p:sldId id="267" r:id="rId13"/>
+    <p:sldId id="268" r:id="rId14"/>
+    <p:sldId id="269" r:id="rId15"/>
+    <p:sldId id="270" r:id="rId16"/>
+    <p:sldId id="271" r:id="rId17"/>
+    <p:sldId id="272" r:id="rId18"/>
+    <p:sldId id="273" r:id="rId19"/>
+    <p:sldId id="274" r:id="rId20"/>
+    <p:sldId id="275" r:id="rId21"/>
+    <p:sldId id="276" r:id="rId22"/>
+    <p:sldId id="277" r:id="rId23"/>
+    <p:sldId id="278" r:id="rId24"/>
+    <p:sldId id="279" r:id="rId25"/>
+    <p:sldId id="280" r:id="rId26"/>
+    <p:sldId id="281" r:id="rId27"/>
+    <p:sldId id="282" r:id="rId28"/>
   </p:sldIdLst>
   <p:sldSz cx="12192000" cy="6858000"/>
   <p:notesSz cx="6858000" cy="9144000"/>
@@ -109,6 +130,11 @@
       </a:defRPr>
     </a:lvl9pPr>
   </p:defaultTextStyle>
+  <p:extLst>
+    <p:ext uri="{EFAFB233-063F-42B5-8137-9DF3F51BA10A}">
+      <p15:sldGuideLst xmlns:p15="http://schemas.microsoft.com/office/powerpoint/2012/main"/>
+    </p:ext>
+  </p:extLst>
 </p:presentation>
 </file>
 
@@ -162,7 +188,7 @@
           <a:noFill/>
           <a:extLst>
             <a:ext uri="{909E8E84-426E-40dd-AFC4-6F175D3DCCD1}">
-              <a14:hiddenFill xmlns:a14="http://schemas.microsoft.com/office/drawing/2010/main" xmlns="">
+              <a14:hiddenFill xmlns="" xmlns:a14="http://schemas.microsoft.com/office/drawing/2010/main">
                 <a:solidFill>
                   <a:srgbClr val="FFFFFF"/>
                 </a:solidFill>
@@ -222,7 +248,7 @@
             </a:ln>
             <a:extLst>
               <a:ext uri="{91240B29-F687-4f45-9708-019B960494DF}">
-                <a14:hiddenLine xmlns:a14="http://schemas.microsoft.com/office/drawing/2010/main" xmlns="" w="9525">
+                <a14:hiddenLine xmlns="" xmlns:a14="http://schemas.microsoft.com/office/drawing/2010/main" w="9525">
                   <a:solidFill>
                     <a:srgbClr val="000000"/>
                   </a:solidFill>
@@ -312,7 +338,7 @@
             </a:ln>
             <a:extLst>
               <a:ext uri="{91240B29-F687-4f45-9708-019B960494DF}">
-                <a14:hiddenLine xmlns:a14="http://schemas.microsoft.com/office/drawing/2010/main" xmlns="" w="9525">
+                <a14:hiddenLine xmlns="" xmlns:a14="http://schemas.microsoft.com/office/drawing/2010/main" w="9525">
                   <a:solidFill>
                     <a:srgbClr val="000000"/>
                   </a:solidFill>
@@ -402,7 +428,7 @@
             </a:ln>
             <a:extLst>
               <a:ext uri="{91240B29-F687-4f45-9708-019B960494DF}">
-                <a14:hiddenLine xmlns:a14="http://schemas.microsoft.com/office/drawing/2010/main" xmlns="" w="9525">
+                <a14:hiddenLine xmlns="" xmlns:a14="http://schemas.microsoft.com/office/drawing/2010/main" w="9525">
                   <a:solidFill>
                     <a:srgbClr val="000000"/>
                   </a:solidFill>
@@ -436,7 +462,7 @@
             </a:ln>
             <a:extLst>
               <a:ext uri="{91240B29-F687-4f45-9708-019B960494DF}">
-                <a14:hiddenLine xmlns:a14="http://schemas.microsoft.com/office/drawing/2010/main" xmlns="" w="9525">
+                <a14:hiddenLine xmlns="" xmlns:a14="http://schemas.microsoft.com/office/drawing/2010/main" w="9525">
                   <a:solidFill>
                     <a:srgbClr val="000000"/>
                   </a:solidFill>
@@ -526,7 +552,7 @@
             </a:ln>
             <a:extLst>
               <a:ext uri="{91240B29-F687-4f45-9708-019B960494DF}">
-                <a14:hiddenLine xmlns:a14="http://schemas.microsoft.com/office/drawing/2010/main" xmlns="" w="9525">
+                <a14:hiddenLine xmlns="" xmlns:a14="http://schemas.microsoft.com/office/drawing/2010/main" w="9525">
                   <a:solidFill>
                     <a:srgbClr val="000000"/>
                   </a:solidFill>
@@ -588,7 +614,7 @@
             </a:ln>
             <a:extLst>
               <a:ext uri="{91240B29-F687-4f45-9708-019B960494DF}">
-                <a14:hiddenLine xmlns:a14="http://schemas.microsoft.com/office/drawing/2010/main" xmlns="" w="9525">
+                <a14:hiddenLine xmlns="" xmlns:a14="http://schemas.microsoft.com/office/drawing/2010/main" w="9525">
                   <a:solidFill>
                     <a:srgbClr val="000000"/>
                   </a:solidFill>
@@ -650,7 +676,7 @@
             </a:ln>
             <a:extLst>
               <a:ext uri="{91240B29-F687-4f45-9708-019B960494DF}">
-                <a14:hiddenLine xmlns:a14="http://schemas.microsoft.com/office/drawing/2010/main" xmlns="" w="9525">
+                <a14:hiddenLine xmlns="" xmlns:a14="http://schemas.microsoft.com/office/drawing/2010/main" w="9525">
                   <a:solidFill>
                     <a:srgbClr val="000000"/>
                   </a:solidFill>
@@ -740,7 +766,7 @@
             </a:ln>
             <a:extLst>
               <a:ext uri="{91240B29-F687-4f45-9708-019B960494DF}">
-                <a14:hiddenLine xmlns:a14="http://schemas.microsoft.com/office/drawing/2010/main" xmlns="" w="9525">
+                <a14:hiddenLine xmlns="" xmlns:a14="http://schemas.microsoft.com/office/drawing/2010/main" w="9525">
                   <a:solidFill>
                     <a:srgbClr val="000000"/>
                   </a:solidFill>
@@ -802,7 +828,7 @@
             </a:ln>
             <a:extLst>
               <a:ext uri="{91240B29-F687-4f45-9708-019B960494DF}">
-                <a14:hiddenLine xmlns:a14="http://schemas.microsoft.com/office/drawing/2010/main" xmlns="" w="9525">
+                <a14:hiddenLine xmlns="" xmlns:a14="http://schemas.microsoft.com/office/drawing/2010/main" w="9525">
                   <a:solidFill>
                     <a:srgbClr val="000000"/>
                   </a:solidFill>
@@ -864,7 +890,7 @@
             </a:ln>
             <a:extLst>
               <a:ext uri="{91240B29-F687-4f45-9708-019B960494DF}">
-                <a14:hiddenLine xmlns:a14="http://schemas.microsoft.com/office/drawing/2010/main" xmlns="" w="9525">
+                <a14:hiddenLine xmlns="" xmlns:a14="http://schemas.microsoft.com/office/drawing/2010/main" w="9525">
                   <a:solidFill>
                     <a:srgbClr val="000000"/>
                   </a:solidFill>
@@ -954,7 +980,7 @@
             </a:ln>
             <a:extLst>
               <a:ext uri="{91240B29-F687-4f45-9708-019B960494DF}">
-                <a14:hiddenLine xmlns:a14="http://schemas.microsoft.com/office/drawing/2010/main" xmlns="" w="9525">
+                <a14:hiddenLine xmlns="" xmlns:a14="http://schemas.microsoft.com/office/drawing/2010/main" w="9525">
                   <a:solidFill>
                     <a:srgbClr val="000000"/>
                   </a:solidFill>
@@ -1044,7 +1070,7 @@
             </a:ln>
             <a:extLst>
               <a:ext uri="{91240B29-F687-4f45-9708-019B960494DF}">
-                <a14:hiddenLine xmlns:a14="http://schemas.microsoft.com/office/drawing/2010/main" xmlns="" w="9525">
+                <a14:hiddenLine xmlns="" xmlns:a14="http://schemas.microsoft.com/office/drawing/2010/main" w="9525">
                   <a:solidFill>
                     <a:srgbClr val="000000"/>
                   </a:solidFill>
@@ -1106,7 +1132,7 @@
             </a:ln>
             <a:extLst>
               <a:ext uri="{91240B29-F687-4f45-9708-019B960494DF}">
-                <a14:hiddenLine xmlns:a14="http://schemas.microsoft.com/office/drawing/2010/main" xmlns="" w="9525">
+                <a14:hiddenLine xmlns="" xmlns:a14="http://schemas.microsoft.com/office/drawing/2010/main" w="9525">
                   <a:solidFill>
                     <a:srgbClr val="000000"/>
                   </a:solidFill>
@@ -1216,7 +1242,7 @@
             </a:ln>
             <a:extLst>
               <a:ext uri="{91240B29-F687-4f45-9708-019B960494DF}">
-                <a14:hiddenLine xmlns:a14="http://schemas.microsoft.com/office/drawing/2010/main" xmlns="" w="9525">
+                <a14:hiddenLine xmlns="" xmlns:a14="http://schemas.microsoft.com/office/drawing/2010/main" w="9525">
                   <a:solidFill>
                     <a:srgbClr val="000000"/>
                   </a:solidFill>
@@ -1278,7 +1304,7 @@
             </a:ln>
             <a:extLst>
               <a:ext uri="{91240B29-F687-4f45-9708-019B960494DF}">
-                <a14:hiddenLine xmlns:a14="http://schemas.microsoft.com/office/drawing/2010/main" xmlns="" w="9525">
+                <a14:hiddenLine xmlns="" xmlns:a14="http://schemas.microsoft.com/office/drawing/2010/main" w="9525">
                   <a:solidFill>
                     <a:srgbClr val="000000"/>
                   </a:solidFill>
@@ -1368,7 +1394,7 @@
             </a:ln>
             <a:extLst>
               <a:ext uri="{91240B29-F687-4f45-9708-019B960494DF}">
-                <a14:hiddenLine xmlns:a14="http://schemas.microsoft.com/office/drawing/2010/main" xmlns="" w="9525">
+                <a14:hiddenLine xmlns="" xmlns:a14="http://schemas.microsoft.com/office/drawing/2010/main" w="9525">
                   <a:solidFill>
                     <a:srgbClr val="000000"/>
                   </a:solidFill>
@@ -1458,7 +1484,7 @@
             </a:ln>
             <a:extLst>
               <a:ext uri="{91240B29-F687-4f45-9708-019B960494DF}">
-                <a14:hiddenLine xmlns:a14="http://schemas.microsoft.com/office/drawing/2010/main" xmlns="" w="9525">
+                <a14:hiddenLine xmlns="" xmlns:a14="http://schemas.microsoft.com/office/drawing/2010/main" w="9525">
                   <a:solidFill>
                     <a:srgbClr val="000000"/>
                   </a:solidFill>
@@ -1520,7 +1546,7 @@
             </a:ln>
             <a:extLst>
               <a:ext uri="{91240B29-F687-4f45-9708-019B960494DF}">
-                <a14:hiddenLine xmlns:a14="http://schemas.microsoft.com/office/drawing/2010/main" xmlns="" w="9525">
+                <a14:hiddenLine xmlns="" xmlns:a14="http://schemas.microsoft.com/office/drawing/2010/main" w="9525">
                   <a:solidFill>
                     <a:srgbClr val="000000"/>
                   </a:solidFill>
@@ -1610,7 +1636,7 @@
             </a:ln>
             <a:extLst>
               <a:ext uri="{91240B29-F687-4f45-9708-019B960494DF}">
-                <a14:hiddenLine xmlns:a14="http://schemas.microsoft.com/office/drawing/2010/main" xmlns="" w="9525">
+                <a14:hiddenLine xmlns="" xmlns:a14="http://schemas.microsoft.com/office/drawing/2010/main" w="9525">
                   <a:solidFill>
                     <a:srgbClr val="000000"/>
                   </a:solidFill>
@@ -1700,7 +1726,7 @@
             </a:ln>
             <a:extLst>
               <a:ext uri="{91240B29-F687-4f45-9708-019B960494DF}">
-                <a14:hiddenLine xmlns:a14="http://schemas.microsoft.com/office/drawing/2010/main" xmlns="" w="9525">
+                <a14:hiddenLine xmlns="" xmlns:a14="http://schemas.microsoft.com/office/drawing/2010/main" w="9525">
                   <a:solidFill>
                     <a:srgbClr val="000000"/>
                   </a:solidFill>
@@ -1756,7 +1782,7 @@
             </a:ln>
             <a:extLst>
               <a:ext uri="{91240B29-F687-4f45-9708-019B960494DF}">
-                <a14:hiddenLine xmlns:a14="http://schemas.microsoft.com/office/drawing/2010/main" xmlns="" w="9525">
+                <a14:hiddenLine xmlns="" xmlns:a14="http://schemas.microsoft.com/office/drawing/2010/main" w="9525">
                   <a:solidFill>
                     <a:srgbClr val="000000"/>
                   </a:solidFill>
@@ -1846,7 +1872,7 @@
             </a:ln>
             <a:extLst>
               <a:ext uri="{91240B29-F687-4f45-9708-019B960494DF}">
-                <a14:hiddenLine xmlns:a14="http://schemas.microsoft.com/office/drawing/2010/main" xmlns="" w="9525">
+                <a14:hiddenLine xmlns="" xmlns:a14="http://schemas.microsoft.com/office/drawing/2010/main" w="9525">
                   <a:solidFill>
                     <a:srgbClr val="000000"/>
                   </a:solidFill>
@@ -1902,7 +1928,7 @@
             </a:ln>
             <a:extLst>
               <a:ext uri="{91240B29-F687-4f45-9708-019B960494DF}">
-                <a14:hiddenLine xmlns:a14="http://schemas.microsoft.com/office/drawing/2010/main" xmlns="" w="9525">
+                <a14:hiddenLine xmlns="" xmlns:a14="http://schemas.microsoft.com/office/drawing/2010/main" w="9525">
                   <a:solidFill>
                     <a:srgbClr val="000000"/>
                   </a:solidFill>
@@ -1992,7 +2018,7 @@
             </a:ln>
             <a:extLst>
               <a:ext uri="{91240B29-F687-4f45-9708-019B960494DF}">
-                <a14:hiddenLine xmlns:a14="http://schemas.microsoft.com/office/drawing/2010/main" xmlns="" w="9525">
+                <a14:hiddenLine xmlns="" xmlns:a14="http://schemas.microsoft.com/office/drawing/2010/main" w="9525">
                   <a:solidFill>
                     <a:srgbClr val="000000"/>
                   </a:solidFill>
@@ -2060,7 +2086,7 @@
             </a:ln>
             <a:extLst>
               <a:ext uri="{91240B29-F687-4f45-9708-019B960494DF}">
-                <a14:hiddenLine xmlns:a14="http://schemas.microsoft.com/office/drawing/2010/main" xmlns="" w="9525">
+                <a14:hiddenLine xmlns="" xmlns:a14="http://schemas.microsoft.com/office/drawing/2010/main" w="9525">
                   <a:solidFill>
                     <a:srgbClr val="000000"/>
                   </a:solidFill>
@@ -2150,7 +2176,7 @@
             </a:ln>
             <a:extLst>
               <a:ext uri="{91240B29-F687-4f45-9708-019B960494DF}">
-                <a14:hiddenLine xmlns:a14="http://schemas.microsoft.com/office/drawing/2010/main" xmlns="" w="9525">
+                <a14:hiddenLine xmlns="" xmlns:a14="http://schemas.microsoft.com/office/drawing/2010/main" w="9525">
                   <a:solidFill>
                     <a:srgbClr val="000000"/>
                   </a:solidFill>
@@ -2218,7 +2244,7 @@
             </a:ln>
             <a:extLst>
               <a:ext uri="{91240B29-F687-4f45-9708-019B960494DF}">
-                <a14:hiddenLine xmlns:a14="http://schemas.microsoft.com/office/drawing/2010/main" xmlns="" w="9525">
+                <a14:hiddenLine xmlns="" xmlns:a14="http://schemas.microsoft.com/office/drawing/2010/main" w="9525">
                   <a:solidFill>
                     <a:srgbClr val="000000"/>
                   </a:solidFill>
@@ -2308,7 +2334,7 @@
             </a:ln>
             <a:extLst>
               <a:ext uri="{91240B29-F687-4f45-9708-019B960494DF}">
-                <a14:hiddenLine xmlns:a14="http://schemas.microsoft.com/office/drawing/2010/main" xmlns="" w="9525">
+                <a14:hiddenLine xmlns="" xmlns:a14="http://schemas.microsoft.com/office/drawing/2010/main" w="9525">
                   <a:solidFill>
                     <a:srgbClr val="000000"/>
                   </a:solidFill>
@@ -2342,7 +2368,7 @@
             </a:ln>
             <a:extLst>
               <a:ext uri="{91240B29-F687-4f45-9708-019B960494DF}">
-                <a14:hiddenLine xmlns:a14="http://schemas.microsoft.com/office/drawing/2010/main" xmlns="" w="9525">
+                <a14:hiddenLine xmlns="" xmlns:a14="http://schemas.microsoft.com/office/drawing/2010/main" w="9525">
                   <a:solidFill>
                     <a:srgbClr val="000000"/>
                   </a:solidFill>
@@ -2432,7 +2458,7 @@
             </a:ln>
             <a:extLst>
               <a:ext uri="{91240B29-F687-4f45-9708-019B960494DF}">
-                <a14:hiddenLine xmlns:a14="http://schemas.microsoft.com/office/drawing/2010/main" xmlns="" w="9525">
+                <a14:hiddenLine xmlns="" xmlns:a14="http://schemas.microsoft.com/office/drawing/2010/main" w="9525">
                   <a:solidFill>
                     <a:srgbClr val="000000"/>
                   </a:solidFill>
@@ -2494,7 +2520,7 @@
             </a:ln>
             <a:extLst>
               <a:ext uri="{91240B29-F687-4f45-9708-019B960494DF}">
-                <a14:hiddenLine xmlns:a14="http://schemas.microsoft.com/office/drawing/2010/main" xmlns="" w="9525">
+                <a14:hiddenLine xmlns="" xmlns:a14="http://schemas.microsoft.com/office/drawing/2010/main" w="9525">
                   <a:solidFill>
                     <a:srgbClr val="000000"/>
                   </a:solidFill>
@@ -2556,7 +2582,7 @@
             </a:ln>
             <a:extLst>
               <a:ext uri="{91240B29-F687-4f45-9708-019B960494DF}">
-                <a14:hiddenLine xmlns:a14="http://schemas.microsoft.com/office/drawing/2010/main" xmlns="" w="9525">
+                <a14:hiddenLine xmlns="" xmlns:a14="http://schemas.microsoft.com/office/drawing/2010/main" w="9525">
                   <a:solidFill>
                     <a:srgbClr val="000000"/>
                   </a:solidFill>
@@ -2646,7 +2672,7 @@
             </a:ln>
             <a:extLst>
               <a:ext uri="{91240B29-F687-4f45-9708-019B960494DF}">
-                <a14:hiddenLine xmlns:a14="http://schemas.microsoft.com/office/drawing/2010/main" xmlns="" w="9525">
+                <a14:hiddenLine xmlns="" xmlns:a14="http://schemas.microsoft.com/office/drawing/2010/main" w="9525">
                   <a:solidFill>
                     <a:srgbClr val="000000"/>
                   </a:solidFill>
@@ -2714,7 +2740,7 @@
             </a:ln>
             <a:extLst>
               <a:ext uri="{91240B29-F687-4f45-9708-019B960494DF}">
-                <a14:hiddenLine xmlns:a14="http://schemas.microsoft.com/office/drawing/2010/main" xmlns="" w="9525">
+                <a14:hiddenLine xmlns="" xmlns:a14="http://schemas.microsoft.com/office/drawing/2010/main" w="9525">
                   <a:solidFill>
                     <a:srgbClr val="000000"/>
                   </a:solidFill>
@@ -2776,7 +2802,7 @@
             </a:ln>
             <a:extLst>
               <a:ext uri="{91240B29-F687-4f45-9708-019B960494DF}">
-                <a14:hiddenLine xmlns:a14="http://schemas.microsoft.com/office/drawing/2010/main" xmlns="" w="9525">
+                <a14:hiddenLine xmlns="" xmlns:a14="http://schemas.microsoft.com/office/drawing/2010/main" w="9525">
                   <a:solidFill>
                     <a:srgbClr val="000000"/>
                   </a:solidFill>
@@ -2866,7 +2892,7 @@
             </a:ln>
             <a:extLst>
               <a:ext uri="{91240B29-F687-4f45-9708-019B960494DF}">
-                <a14:hiddenLine xmlns:a14="http://schemas.microsoft.com/office/drawing/2010/main" xmlns="" w="9525">
+                <a14:hiddenLine xmlns="" xmlns:a14="http://schemas.microsoft.com/office/drawing/2010/main" w="9525">
                   <a:solidFill>
                     <a:srgbClr val="000000"/>
                   </a:solidFill>
@@ -2928,7 +2954,7 @@
             </a:ln>
             <a:extLst>
               <a:ext uri="{91240B29-F687-4f45-9708-019B960494DF}">
-                <a14:hiddenLine xmlns:a14="http://schemas.microsoft.com/office/drawing/2010/main" xmlns="" w="9525">
+                <a14:hiddenLine xmlns="" xmlns:a14="http://schemas.microsoft.com/office/drawing/2010/main" w="9525">
                   <a:solidFill>
                     <a:srgbClr val="000000"/>
                   </a:solidFill>
@@ -3018,7 +3044,7 @@
             </a:ln>
             <a:extLst>
               <a:ext uri="{91240B29-F687-4f45-9708-019B960494DF}">
-                <a14:hiddenLine xmlns:a14="http://schemas.microsoft.com/office/drawing/2010/main" xmlns="" w="9525">
+                <a14:hiddenLine xmlns="" xmlns:a14="http://schemas.microsoft.com/office/drawing/2010/main" w="9525">
                   <a:solidFill>
                     <a:srgbClr val="000000"/>
                   </a:solidFill>
@@ -3080,7 +3106,7 @@
             </a:ln>
             <a:extLst>
               <a:ext uri="{91240B29-F687-4f45-9708-019B960494DF}">
-                <a14:hiddenLine xmlns:a14="http://schemas.microsoft.com/office/drawing/2010/main" xmlns="" w="9525">
+                <a14:hiddenLine xmlns="" xmlns:a14="http://schemas.microsoft.com/office/drawing/2010/main" w="9525">
                   <a:solidFill>
                     <a:srgbClr val="000000"/>
                   </a:solidFill>
@@ -3170,7 +3196,7 @@
             </a:ln>
             <a:extLst>
               <a:ext uri="{91240B29-F687-4f45-9708-019B960494DF}">
-                <a14:hiddenLine xmlns:a14="http://schemas.microsoft.com/office/drawing/2010/main" xmlns="" w="9525">
+                <a14:hiddenLine xmlns="" xmlns:a14="http://schemas.microsoft.com/office/drawing/2010/main" w="9525">
                   <a:solidFill>
                     <a:srgbClr val="000000"/>
                   </a:solidFill>
@@ -3204,7 +3230,7 @@
             </a:ln>
             <a:extLst>
               <a:ext uri="{91240B29-F687-4f45-9708-019B960494DF}">
-                <a14:hiddenLine xmlns:a14="http://schemas.microsoft.com/office/drawing/2010/main" xmlns="" w="9525">
+                <a14:hiddenLine xmlns="" xmlns:a14="http://schemas.microsoft.com/office/drawing/2010/main" w="9525">
                   <a:solidFill>
                     <a:srgbClr val="000000"/>
                   </a:solidFill>
@@ -3269,7 +3295,7 @@
             </a:ln>
             <a:extLst>
               <a:ext uri="{91240B29-F687-4f45-9708-019B960494DF}">
-                <a14:hiddenLine xmlns:a14="http://schemas.microsoft.com/office/drawing/2010/main" xmlns="" w="9525">
+                <a14:hiddenLine xmlns="" xmlns:a14="http://schemas.microsoft.com/office/drawing/2010/main" w="9525">
                   <a:solidFill>
                     <a:srgbClr val="000000"/>
                   </a:solidFill>
@@ -3359,7 +3385,7 @@
             </a:ln>
             <a:extLst>
               <a:ext uri="{91240B29-F687-4f45-9708-019B960494DF}">
-                <a14:hiddenLine xmlns:a14="http://schemas.microsoft.com/office/drawing/2010/main" xmlns="" w="9525">
+                <a14:hiddenLine xmlns="" xmlns:a14="http://schemas.microsoft.com/office/drawing/2010/main" w="9525">
                   <a:solidFill>
                     <a:srgbClr val="000000"/>
                   </a:solidFill>
@@ -3421,7 +3447,7 @@
             </a:ln>
             <a:extLst>
               <a:ext uri="{91240B29-F687-4f45-9708-019B960494DF}">
-                <a14:hiddenLine xmlns:a14="http://schemas.microsoft.com/office/drawing/2010/main" xmlns="" w="9525">
+                <a14:hiddenLine xmlns="" xmlns:a14="http://schemas.microsoft.com/office/drawing/2010/main" w="9525">
                   <a:solidFill>
                     <a:srgbClr val="000000"/>
                   </a:solidFill>
@@ -3511,7 +3537,7 @@
             </a:ln>
             <a:extLst>
               <a:ext uri="{91240B29-F687-4f45-9708-019B960494DF}">
-                <a14:hiddenLine xmlns:a14="http://schemas.microsoft.com/office/drawing/2010/main" xmlns="" w="9525">
+                <a14:hiddenLine xmlns="" xmlns:a14="http://schemas.microsoft.com/office/drawing/2010/main" w="9525">
                   <a:solidFill>
                     <a:srgbClr val="000000"/>
                   </a:solidFill>
@@ -3601,7 +3627,7 @@
             </a:ln>
             <a:extLst>
               <a:ext uri="{91240B29-F687-4f45-9708-019B960494DF}">
-                <a14:hiddenLine xmlns:a14="http://schemas.microsoft.com/office/drawing/2010/main" xmlns="" w="9525">
+                <a14:hiddenLine xmlns="" xmlns:a14="http://schemas.microsoft.com/office/drawing/2010/main" w="9525">
                   <a:solidFill>
                     <a:srgbClr val="000000"/>
                   </a:solidFill>
@@ -3666,7 +3692,7 @@
             </a:ln>
             <a:extLst>
               <a:ext uri="{91240B29-F687-4f45-9708-019B960494DF}">
-                <a14:hiddenLine xmlns:a14="http://schemas.microsoft.com/office/drawing/2010/main" xmlns="" w="9525">
+                <a14:hiddenLine xmlns="" xmlns:a14="http://schemas.microsoft.com/office/drawing/2010/main" w="9525">
                   <a:solidFill>
                     <a:srgbClr val="000000"/>
                   </a:solidFill>
@@ -3728,7 +3754,7 @@
             </a:ln>
             <a:extLst>
               <a:ext uri="{91240B29-F687-4f45-9708-019B960494DF}">
-                <a14:hiddenLine xmlns:a14="http://schemas.microsoft.com/office/drawing/2010/main" xmlns="" w="9525">
+                <a14:hiddenLine xmlns="" xmlns:a14="http://schemas.microsoft.com/office/drawing/2010/main" w="9525">
                   <a:solidFill>
                     <a:srgbClr val="000000"/>
                   </a:solidFill>
@@ -3818,7 +3844,7 @@
             </a:ln>
             <a:extLst>
               <a:ext uri="{91240B29-F687-4f45-9708-019B960494DF}">
-                <a14:hiddenLine xmlns:a14="http://schemas.microsoft.com/office/drawing/2010/main" xmlns="" w="9525">
+                <a14:hiddenLine xmlns="" xmlns:a14="http://schemas.microsoft.com/office/drawing/2010/main" w="9525">
                   <a:solidFill>
                     <a:srgbClr val="000000"/>
                   </a:solidFill>
@@ -3908,7 +3934,7 @@
             </a:ln>
             <a:extLst>
               <a:ext uri="{91240B29-F687-4f45-9708-019B960494DF}">
-                <a14:hiddenLine xmlns:a14="http://schemas.microsoft.com/office/drawing/2010/main" xmlns="" w="9525">
+                <a14:hiddenLine xmlns="" xmlns:a14="http://schemas.microsoft.com/office/drawing/2010/main" w="9525">
                   <a:solidFill>
                     <a:srgbClr val="000000"/>
                   </a:solidFill>
@@ -3970,7 +3996,7 @@
             </a:ln>
             <a:extLst>
               <a:ext uri="{91240B29-F687-4f45-9708-019B960494DF}">
-                <a14:hiddenLine xmlns:a14="http://schemas.microsoft.com/office/drawing/2010/main" xmlns="" w="9525">
+                <a14:hiddenLine xmlns="" xmlns:a14="http://schemas.microsoft.com/office/drawing/2010/main" w="9525">
                   <a:solidFill>
                     <a:srgbClr val="000000"/>
                   </a:solidFill>
@@ -4090,7 +4116,7 @@
             </a:ln>
             <a:extLst>
               <a:ext uri="{91240B29-F687-4f45-9708-019B960494DF}">
-                <a14:hiddenLine xmlns:a14="http://schemas.microsoft.com/office/drawing/2010/main" xmlns="" w="9525">
+                <a14:hiddenLine xmlns="" xmlns:a14="http://schemas.microsoft.com/office/drawing/2010/main" w="9525">
                   <a:solidFill>
                     <a:srgbClr val="000000"/>
                   </a:solidFill>
@@ -4158,7 +4184,7 @@
             </a:ln>
             <a:extLst>
               <a:ext uri="{91240B29-F687-4f45-9708-019B960494DF}">
-                <a14:hiddenLine xmlns:a14="http://schemas.microsoft.com/office/drawing/2010/main" xmlns="" w="9525">
+                <a14:hiddenLine xmlns="" xmlns:a14="http://schemas.microsoft.com/office/drawing/2010/main" w="9525">
                   <a:solidFill>
                     <a:srgbClr val="000000"/>
                   </a:solidFill>
@@ -4248,7 +4274,7 @@
             </a:ln>
             <a:extLst>
               <a:ext uri="{91240B29-F687-4f45-9708-019B960494DF}">
-                <a14:hiddenLine xmlns:a14="http://schemas.microsoft.com/office/drawing/2010/main" xmlns="" w="9525">
+                <a14:hiddenLine xmlns="" xmlns:a14="http://schemas.microsoft.com/office/drawing/2010/main" w="9525">
                   <a:solidFill>
                     <a:srgbClr val="000000"/>
                   </a:solidFill>
@@ -4388,7 +4414,7 @@
           <a:p>
             <a:fld id="{48A87A34-81AB-432B-8DAE-1953F412C126}" type="datetimeFigureOut">
               <a:rPr lang="en-US" dirty="0"/>
-              <a:t>7/14/2025</a:t>
+              <a:t>7/15/2025</a:t>
             </a:fld>
             <a:endParaRPr lang="en-US" dirty="0"/>
           </a:p>
@@ -4650,7 +4676,7 @@
           <a:p>
             <a:fld id="{48A87A34-81AB-432B-8DAE-1953F412C126}" type="datetimeFigureOut">
               <a:rPr lang="en-US" dirty="0"/>
-              <a:t>7/14/2025</a:t>
+              <a:t>7/15/2025</a:t>
             </a:fld>
             <a:endParaRPr lang="en-US" dirty="0"/>
           </a:p>
@@ -4841,7 +4867,7 @@
           <a:p>
             <a:fld id="{48A87A34-81AB-432B-8DAE-1953F412C126}" type="datetimeFigureOut">
               <a:rPr lang="en-US" dirty="0"/>
-              <a:t>7/14/2025</a:t>
+              <a:t>7/15/2025</a:t>
             </a:fld>
             <a:endParaRPr lang="en-US" dirty="0"/>
           </a:p>
@@ -5099,7 +5125,7 @@
           <a:p>
             <a:fld id="{48A87A34-81AB-432B-8DAE-1953F412C126}" type="datetimeFigureOut">
               <a:rPr lang="en-US" dirty="0"/>
-              <a:t>7/14/2025</a:t>
+              <a:t>7/15/2025</a:t>
             </a:fld>
             <a:endParaRPr lang="en-US" dirty="0"/>
           </a:p>
@@ -5528,7 +5554,7 @@
           <a:p>
             <a:fld id="{48A87A34-81AB-432B-8DAE-1953F412C126}" type="datetimeFigureOut">
               <a:rPr lang="en-US" dirty="0"/>
-              <a:t>7/14/2025</a:t>
+              <a:t>7/15/2025</a:t>
             </a:fld>
             <a:endParaRPr lang="en-US" dirty="0"/>
           </a:p>
@@ -6069,7 +6095,7 @@
           <a:p>
             <a:fld id="{48A87A34-81AB-432B-8DAE-1953F412C126}" type="datetimeFigureOut">
               <a:rPr lang="en-US" dirty="0"/>
-              <a:t>7/14/2025</a:t>
+              <a:t>7/15/2025</a:t>
             </a:fld>
             <a:endParaRPr lang="en-US" dirty="0"/>
           </a:p>
@@ -6784,7 +6810,7 @@
           <a:p>
             <a:fld id="{48A87A34-81AB-432B-8DAE-1953F412C126}" type="datetimeFigureOut">
               <a:rPr lang="en-US" dirty="0"/>
-              <a:t>7/14/2025</a:t>
+              <a:t>7/15/2025</a:t>
             </a:fld>
             <a:endParaRPr lang="en-US" dirty="0"/>
           </a:p>
@@ -6949,7 +6975,7 @@
           <a:p>
             <a:fld id="{48A87A34-81AB-432B-8DAE-1953F412C126}" type="datetimeFigureOut">
               <a:rPr lang="en-US" dirty="0"/>
-              <a:t>7/14/2025</a:t>
+              <a:t>7/15/2025</a:t>
             </a:fld>
             <a:endParaRPr lang="en-US" dirty="0"/>
           </a:p>
@@ -7124,7 +7150,7 @@
           <a:p>
             <a:fld id="{48A87A34-81AB-432B-8DAE-1953F412C126}" type="datetimeFigureOut">
               <a:rPr lang="en-US" dirty="0"/>
-              <a:t>7/14/2025</a:t>
+              <a:t>7/15/2025</a:t>
             </a:fld>
             <a:endParaRPr lang="en-US" dirty="0"/>
           </a:p>
@@ -7289,7 +7315,7 @@
           <a:p>
             <a:fld id="{48A87A34-81AB-432B-8DAE-1953F412C126}" type="datetimeFigureOut">
               <a:rPr lang="en-US" dirty="0"/>
-              <a:t>7/14/2025</a:t>
+              <a:t>7/15/2025</a:t>
             </a:fld>
             <a:endParaRPr lang="en-US" dirty="0"/>
           </a:p>
@@ -7534,7 +7560,7 @@
           <a:p>
             <a:fld id="{48A87A34-81AB-432B-8DAE-1953F412C126}" type="datetimeFigureOut">
               <a:rPr lang="en-US" dirty="0"/>
-              <a:t>7/14/2025</a:t>
+              <a:t>7/15/2025</a:t>
             </a:fld>
             <a:endParaRPr lang="en-US" dirty="0"/>
           </a:p>
@@ -7761,7 +7787,7 @@
           <a:p>
             <a:fld id="{48A87A34-81AB-432B-8DAE-1953F412C126}" type="datetimeFigureOut">
               <a:rPr lang="en-US" dirty="0"/>
-              <a:t>7/14/2025</a:t>
+              <a:t>7/15/2025</a:t>
             </a:fld>
             <a:endParaRPr lang="en-US" dirty="0"/>
           </a:p>
@@ -8137,7 +8163,7 @@
           <a:p>
             <a:fld id="{48A87A34-81AB-432B-8DAE-1953F412C126}" type="datetimeFigureOut">
               <a:rPr lang="en-US" dirty="0"/>
-              <a:t>7/14/2025</a:t>
+              <a:t>7/15/2025</a:t>
             </a:fld>
             <a:endParaRPr lang="en-US" dirty="0"/>
           </a:p>
@@ -8250,7 +8276,7 @@
           <a:p>
             <a:fld id="{48A87A34-81AB-432B-8DAE-1953F412C126}" type="datetimeFigureOut">
               <a:rPr lang="en-US" dirty="0"/>
-              <a:t>7/14/2025</a:t>
+              <a:t>7/15/2025</a:t>
             </a:fld>
             <a:endParaRPr lang="en-US" dirty="0"/>
           </a:p>
@@ -8340,7 +8366,7 @@
           <a:p>
             <a:fld id="{48A87A34-81AB-432B-8DAE-1953F412C126}" type="datetimeFigureOut">
               <a:rPr lang="en-US" dirty="0"/>
-              <a:t>7/14/2025</a:t>
+              <a:t>7/15/2025</a:t>
             </a:fld>
             <a:endParaRPr lang="en-US" dirty="0"/>
           </a:p>
@@ -8584,7 +8610,7 @@
           <a:p>
             <a:fld id="{48A87A34-81AB-432B-8DAE-1953F412C126}" type="datetimeFigureOut">
               <a:rPr lang="en-US" dirty="0"/>
-              <a:t>7/14/2025</a:t>
+              <a:t>7/15/2025</a:t>
             </a:fld>
             <a:endParaRPr lang="en-US" dirty="0"/>
           </a:p>
@@ -8859,7 +8885,7 @@
           <a:p>
             <a:fld id="{48A87A34-81AB-432B-8DAE-1953F412C126}" type="datetimeFigureOut">
               <a:rPr lang="en-US" dirty="0"/>
-              <a:t>7/14/2025</a:t>
+              <a:t>7/15/2025</a:t>
             </a:fld>
             <a:endParaRPr lang="en-US" dirty="0"/>
           </a:p>
@@ -8970,7 +8996,7 @@
           <a:noFill/>
           <a:extLst>
             <a:ext uri="{909E8E84-426E-40dd-AFC4-6F175D3DCCD1}">
-              <a14:hiddenFill xmlns:a14="http://schemas.microsoft.com/office/drawing/2010/main" xmlns="">
+              <a14:hiddenFill xmlns="" xmlns:a14="http://schemas.microsoft.com/office/drawing/2010/main">
                 <a:solidFill>
                   <a:srgbClr val="FFFFFF"/>
                 </a:solidFill>
@@ -9044,7 +9070,7 @@
               </a:ln>
               <a:extLst>
                 <a:ext uri="{91240B29-F687-4f45-9708-019B960494DF}">
-                  <a14:hiddenLine xmlns:a14="http://schemas.microsoft.com/office/drawing/2010/main" xmlns="" w="9525">
+                  <a14:hiddenLine xmlns="" xmlns:a14="http://schemas.microsoft.com/office/drawing/2010/main" w="9525">
                     <a:solidFill>
                       <a:srgbClr val="000000"/>
                     </a:solidFill>
@@ -9134,7 +9160,7 @@
               </a:ln>
               <a:extLst>
                 <a:ext uri="{91240B29-F687-4f45-9708-019B960494DF}">
-                  <a14:hiddenLine xmlns:a14="http://schemas.microsoft.com/office/drawing/2010/main" xmlns="" w="9525">
+                  <a14:hiddenLine xmlns="" xmlns:a14="http://schemas.microsoft.com/office/drawing/2010/main" w="9525">
                     <a:solidFill>
                       <a:srgbClr val="000000"/>
                     </a:solidFill>
@@ -9224,7 +9250,7 @@
               </a:ln>
               <a:extLst>
                 <a:ext uri="{91240B29-F687-4f45-9708-019B960494DF}">
-                  <a14:hiddenLine xmlns:a14="http://schemas.microsoft.com/office/drawing/2010/main" xmlns="" w="9525">
+                  <a14:hiddenLine xmlns="" xmlns:a14="http://schemas.microsoft.com/office/drawing/2010/main" w="9525">
                     <a:solidFill>
                       <a:srgbClr val="000000"/>
                     </a:solidFill>
@@ -9286,7 +9312,7 @@
               </a:ln>
               <a:extLst>
                 <a:ext uri="{91240B29-F687-4f45-9708-019B960494DF}">
-                  <a14:hiddenLine xmlns:a14="http://schemas.microsoft.com/office/drawing/2010/main" xmlns="" w="9525">
+                  <a14:hiddenLine xmlns="" xmlns:a14="http://schemas.microsoft.com/office/drawing/2010/main" w="9525">
                     <a:solidFill>
                       <a:srgbClr val="000000"/>
                     </a:solidFill>
@@ -9376,7 +9402,7 @@
               </a:ln>
               <a:extLst>
                 <a:ext uri="{91240B29-F687-4f45-9708-019B960494DF}">
-                  <a14:hiddenLine xmlns:a14="http://schemas.microsoft.com/office/drawing/2010/main" xmlns="" w="9525">
+                  <a14:hiddenLine xmlns="" xmlns:a14="http://schemas.microsoft.com/office/drawing/2010/main" w="9525">
                     <a:solidFill>
                       <a:srgbClr val="000000"/>
                     </a:solidFill>
@@ -9438,7 +9464,7 @@
               </a:ln>
               <a:extLst>
                 <a:ext uri="{91240B29-F687-4f45-9708-019B960494DF}">
-                  <a14:hiddenLine xmlns:a14="http://schemas.microsoft.com/office/drawing/2010/main" xmlns="" w="9525">
+                  <a14:hiddenLine xmlns="" xmlns:a14="http://schemas.microsoft.com/office/drawing/2010/main" w="9525">
                     <a:solidFill>
                       <a:srgbClr val="000000"/>
                     </a:solidFill>
@@ -9500,7 +9526,7 @@
               </a:ln>
               <a:extLst>
                 <a:ext uri="{91240B29-F687-4f45-9708-019B960494DF}">
-                  <a14:hiddenLine xmlns:a14="http://schemas.microsoft.com/office/drawing/2010/main" xmlns="" w="9525">
+                  <a14:hiddenLine xmlns="" xmlns:a14="http://schemas.microsoft.com/office/drawing/2010/main" w="9525">
                     <a:solidFill>
                       <a:srgbClr val="000000"/>
                     </a:solidFill>
@@ -9590,7 +9616,7 @@
               </a:ln>
               <a:extLst>
                 <a:ext uri="{91240B29-F687-4f45-9708-019B960494DF}">
-                  <a14:hiddenLine xmlns:a14="http://schemas.microsoft.com/office/drawing/2010/main" xmlns="" w="9525">
+                  <a14:hiddenLine xmlns="" xmlns:a14="http://schemas.microsoft.com/office/drawing/2010/main" w="9525">
                     <a:solidFill>
                       <a:srgbClr val="000000"/>
                     </a:solidFill>
@@ -9680,7 +9706,7 @@
               </a:ln>
               <a:extLst>
                 <a:ext uri="{91240B29-F687-4f45-9708-019B960494DF}">
-                  <a14:hiddenLine xmlns:a14="http://schemas.microsoft.com/office/drawing/2010/main" xmlns="" w="9525">
+                  <a14:hiddenLine xmlns="" xmlns:a14="http://schemas.microsoft.com/office/drawing/2010/main" w="9525">
                     <a:solidFill>
                       <a:srgbClr val="000000"/>
                     </a:solidFill>
@@ -9742,7 +9768,7 @@
               </a:ln>
               <a:extLst>
                 <a:ext uri="{91240B29-F687-4f45-9708-019B960494DF}">
-                  <a14:hiddenLine xmlns:a14="http://schemas.microsoft.com/office/drawing/2010/main" xmlns="" w="9525">
+                  <a14:hiddenLine xmlns="" xmlns:a14="http://schemas.microsoft.com/office/drawing/2010/main" w="9525">
                     <a:solidFill>
                       <a:srgbClr val="000000"/>
                     </a:solidFill>
@@ -9852,7 +9878,7 @@
               </a:ln>
               <a:extLst>
                 <a:ext uri="{91240B29-F687-4f45-9708-019B960494DF}">
-                  <a14:hiddenLine xmlns:a14="http://schemas.microsoft.com/office/drawing/2010/main" xmlns="" w="9525">
+                  <a14:hiddenLine xmlns="" xmlns:a14="http://schemas.microsoft.com/office/drawing/2010/main" w="9525">
                     <a:solidFill>
                       <a:srgbClr val="000000"/>
                     </a:solidFill>
@@ -9936,7 +9962,7 @@
               </a:ln>
               <a:extLst>
                 <a:ext uri="{91240B29-F687-4f45-9708-019B960494DF}">
-                  <a14:hiddenLine xmlns:a14="http://schemas.microsoft.com/office/drawing/2010/main" xmlns="" w="9525">
+                  <a14:hiddenLine xmlns="" xmlns:a14="http://schemas.microsoft.com/office/drawing/2010/main" w="9525">
                     <a:solidFill>
                       <a:srgbClr val="000000"/>
                     </a:solidFill>
@@ -9998,7 +10024,7 @@
               </a:ln>
               <a:extLst>
                 <a:ext uri="{91240B29-F687-4f45-9708-019B960494DF}">
-                  <a14:hiddenLine xmlns:a14="http://schemas.microsoft.com/office/drawing/2010/main" xmlns="" w="9525">
+                  <a14:hiddenLine xmlns="" xmlns:a14="http://schemas.microsoft.com/office/drawing/2010/main" w="9525">
                     <a:solidFill>
                       <a:srgbClr val="000000"/>
                     </a:solidFill>
@@ -10060,7 +10086,7 @@
               </a:ln>
               <a:extLst>
                 <a:ext uri="{91240B29-F687-4f45-9708-019B960494DF}">
-                  <a14:hiddenLine xmlns:a14="http://schemas.microsoft.com/office/drawing/2010/main" xmlns="" w="9525">
+                  <a14:hiddenLine xmlns="" xmlns:a14="http://schemas.microsoft.com/office/drawing/2010/main" w="9525">
                     <a:solidFill>
                       <a:srgbClr val="000000"/>
                     </a:solidFill>
@@ -10150,7 +10176,7 @@
               </a:ln>
               <a:extLst>
                 <a:ext uri="{91240B29-F687-4f45-9708-019B960494DF}">
-                  <a14:hiddenLine xmlns:a14="http://schemas.microsoft.com/office/drawing/2010/main" xmlns="" w="9525">
+                  <a14:hiddenLine xmlns="" xmlns:a14="http://schemas.microsoft.com/office/drawing/2010/main" w="9525">
                     <a:solidFill>
                       <a:srgbClr val="000000"/>
                     </a:solidFill>
@@ -10184,7 +10210,7 @@
               </a:ln>
               <a:extLst>
                 <a:ext uri="{91240B29-F687-4f45-9708-019B960494DF}">
-                  <a14:hiddenLine xmlns:a14="http://schemas.microsoft.com/office/drawing/2010/main" xmlns="" w="9525">
+                  <a14:hiddenLine xmlns="" xmlns:a14="http://schemas.microsoft.com/office/drawing/2010/main" w="9525">
                     <a:solidFill>
                       <a:srgbClr val="000000"/>
                     </a:solidFill>
@@ -10249,7 +10275,7 @@
               </a:ln>
               <a:extLst>
                 <a:ext uri="{91240B29-F687-4f45-9708-019B960494DF}">
-                  <a14:hiddenLine xmlns:a14="http://schemas.microsoft.com/office/drawing/2010/main" xmlns="" w="9525">
+                  <a14:hiddenLine xmlns="" xmlns:a14="http://schemas.microsoft.com/office/drawing/2010/main" w="9525">
                     <a:solidFill>
                       <a:srgbClr val="000000"/>
                     </a:solidFill>
@@ -10339,7 +10365,7 @@
               </a:ln>
               <a:extLst>
                 <a:ext uri="{91240B29-F687-4f45-9708-019B960494DF}">
-                  <a14:hiddenLine xmlns:a14="http://schemas.microsoft.com/office/drawing/2010/main" xmlns="" w="9525">
+                  <a14:hiddenLine xmlns="" xmlns:a14="http://schemas.microsoft.com/office/drawing/2010/main" w="9525">
                     <a:solidFill>
                       <a:srgbClr val="000000"/>
                     </a:solidFill>
@@ -10401,7 +10427,7 @@
               </a:ln>
               <a:extLst>
                 <a:ext uri="{91240B29-F687-4f45-9708-019B960494DF}">
-                  <a14:hiddenLine xmlns:a14="http://schemas.microsoft.com/office/drawing/2010/main" xmlns="" w="9525">
+                  <a14:hiddenLine xmlns="" xmlns:a14="http://schemas.microsoft.com/office/drawing/2010/main" w="9525">
                     <a:solidFill>
                       <a:srgbClr val="000000"/>
                     </a:solidFill>
@@ -10491,7 +10517,7 @@
               </a:ln>
               <a:extLst>
                 <a:ext uri="{91240B29-F687-4f45-9708-019B960494DF}">
-                  <a14:hiddenLine xmlns:a14="http://schemas.microsoft.com/office/drawing/2010/main" xmlns="" w="9525">
+                  <a14:hiddenLine xmlns="" xmlns:a14="http://schemas.microsoft.com/office/drawing/2010/main" w="9525">
                     <a:solidFill>
                       <a:srgbClr val="000000"/>
                     </a:solidFill>
@@ -10556,7 +10582,7 @@
               </a:ln>
               <a:extLst>
                 <a:ext uri="{91240B29-F687-4f45-9708-019B960494DF}">
-                  <a14:hiddenLine xmlns:a14="http://schemas.microsoft.com/office/drawing/2010/main" xmlns="" w="9525">
+                  <a14:hiddenLine xmlns="" xmlns:a14="http://schemas.microsoft.com/office/drawing/2010/main" w="9525">
                     <a:solidFill>
                       <a:srgbClr val="000000"/>
                     </a:solidFill>
@@ -10618,7 +10644,7 @@
               </a:ln>
               <a:extLst>
                 <a:ext uri="{91240B29-F687-4f45-9708-019B960494DF}">
-                  <a14:hiddenLine xmlns:a14="http://schemas.microsoft.com/office/drawing/2010/main" xmlns="" w="9525">
+                  <a14:hiddenLine xmlns="" xmlns:a14="http://schemas.microsoft.com/office/drawing/2010/main" w="9525">
                     <a:solidFill>
                       <a:srgbClr val="000000"/>
                     </a:solidFill>
@@ -10708,7 +10734,7 @@
               </a:ln>
               <a:extLst>
                 <a:ext uri="{91240B29-F687-4f45-9708-019B960494DF}">
-                  <a14:hiddenLine xmlns:a14="http://schemas.microsoft.com/office/drawing/2010/main" xmlns="" w="9525">
+                  <a14:hiddenLine xmlns="" xmlns:a14="http://schemas.microsoft.com/office/drawing/2010/main" w="9525">
                     <a:solidFill>
                       <a:srgbClr val="000000"/>
                     </a:solidFill>
@@ -10798,7 +10824,7 @@
               </a:ln>
               <a:extLst>
                 <a:ext uri="{91240B29-F687-4f45-9708-019B960494DF}">
-                  <a14:hiddenLine xmlns:a14="http://schemas.microsoft.com/office/drawing/2010/main" xmlns="" w="9525">
+                  <a14:hiddenLine xmlns="" xmlns:a14="http://schemas.microsoft.com/office/drawing/2010/main" w="9525">
                     <a:solidFill>
                       <a:srgbClr val="000000"/>
                     </a:solidFill>
@@ -10863,7 +10889,7 @@
               </a:ln>
               <a:extLst>
                 <a:ext uri="{91240B29-F687-4f45-9708-019B960494DF}">
-                  <a14:hiddenLine xmlns:a14="http://schemas.microsoft.com/office/drawing/2010/main" xmlns="" w="9525">
+                  <a14:hiddenLine xmlns="" xmlns:a14="http://schemas.microsoft.com/office/drawing/2010/main" w="9525">
                     <a:solidFill>
                       <a:srgbClr val="000000"/>
                     </a:solidFill>
@@ -10983,7 +11009,7 @@
               </a:ln>
               <a:extLst>
                 <a:ext uri="{91240B29-F687-4f45-9708-019B960494DF}">
-                  <a14:hiddenLine xmlns:a14="http://schemas.microsoft.com/office/drawing/2010/main" xmlns="" w="9525">
+                  <a14:hiddenLine xmlns="" xmlns:a14="http://schemas.microsoft.com/office/drawing/2010/main" w="9525">
                     <a:solidFill>
                       <a:srgbClr val="000000"/>
                     </a:solidFill>
@@ -11081,7 +11107,7 @@
               </a:ln>
               <a:extLst>
                 <a:ext uri="{91240B29-F687-4f45-9708-019B960494DF}">
-                  <a14:hiddenLine xmlns:a14="http://schemas.microsoft.com/office/drawing/2010/main" xmlns="" w="9525">
+                  <a14:hiddenLine xmlns="" xmlns:a14="http://schemas.microsoft.com/office/drawing/2010/main" w="9525">
                     <a:solidFill>
                       <a:srgbClr val="000000"/>
                     </a:solidFill>
@@ -11196,7 +11222,7 @@
               </a:ln>
               <a:extLst>
                 <a:ext uri="{91240B29-F687-4f45-9708-019B960494DF}">
-                  <a14:hiddenLine xmlns:a14="http://schemas.microsoft.com/office/drawing/2010/main" xmlns="" w="9525">
+                  <a14:hiddenLine xmlns="" xmlns:a14="http://schemas.microsoft.com/office/drawing/2010/main" w="9525">
                     <a:solidFill>
                       <a:srgbClr val="000000"/>
                     </a:solidFill>
@@ -11286,7 +11312,7 @@
               </a:ln>
               <a:extLst>
                 <a:ext uri="{91240B29-F687-4f45-9708-019B960494DF}">
-                  <a14:hiddenLine xmlns:a14="http://schemas.microsoft.com/office/drawing/2010/main" xmlns="" w="9525">
+                  <a14:hiddenLine xmlns="" xmlns:a14="http://schemas.microsoft.com/office/drawing/2010/main" w="9525">
                     <a:solidFill>
                       <a:srgbClr val="000000"/>
                     </a:solidFill>
@@ -11351,7 +11377,7 @@
               </a:ln>
               <a:extLst>
                 <a:ext uri="{91240B29-F687-4f45-9708-019B960494DF}">
-                  <a14:hiddenLine xmlns:a14="http://schemas.microsoft.com/office/drawing/2010/main" xmlns="" w="9525">
+                  <a14:hiddenLine xmlns="" xmlns:a14="http://schemas.microsoft.com/office/drawing/2010/main" w="9525">
                     <a:solidFill>
                       <a:srgbClr val="000000"/>
                     </a:solidFill>
@@ -11441,7 +11467,7 @@
               </a:ln>
               <a:extLst>
                 <a:ext uri="{91240B29-F687-4f45-9708-019B960494DF}">
-                  <a14:hiddenLine xmlns:a14="http://schemas.microsoft.com/office/drawing/2010/main" xmlns="" w="9525">
+                  <a14:hiddenLine xmlns="" xmlns:a14="http://schemas.microsoft.com/office/drawing/2010/main" w="9525">
                     <a:solidFill>
                       <a:srgbClr val="000000"/>
                     </a:solidFill>
@@ -11509,7 +11535,7 @@
               </a:ln>
               <a:extLst>
                 <a:ext uri="{91240B29-F687-4f45-9708-019B960494DF}">
-                  <a14:hiddenLine xmlns:a14="http://schemas.microsoft.com/office/drawing/2010/main" xmlns="" w="9525">
+                  <a14:hiddenLine xmlns="" xmlns:a14="http://schemas.microsoft.com/office/drawing/2010/main" w="9525">
                     <a:solidFill>
                       <a:srgbClr val="000000"/>
                     </a:solidFill>
@@ -11599,7 +11625,7 @@
               </a:ln>
               <a:extLst>
                 <a:ext uri="{91240B29-F687-4f45-9708-019B960494DF}">
-                  <a14:hiddenLine xmlns:a14="http://schemas.microsoft.com/office/drawing/2010/main" xmlns="" w="9525">
+                  <a14:hiddenLine xmlns="" xmlns:a14="http://schemas.microsoft.com/office/drawing/2010/main" w="9525">
                     <a:solidFill>
                       <a:srgbClr val="000000"/>
                     </a:solidFill>
@@ -11667,7 +11693,7 @@
               </a:ln>
               <a:extLst>
                 <a:ext uri="{91240B29-F687-4f45-9708-019B960494DF}">
-                  <a14:hiddenLine xmlns:a14="http://schemas.microsoft.com/office/drawing/2010/main" xmlns="" w="9525">
+                  <a14:hiddenLine xmlns="" xmlns:a14="http://schemas.microsoft.com/office/drawing/2010/main" w="9525">
                     <a:solidFill>
                       <a:srgbClr val="000000"/>
                     </a:solidFill>
@@ -11757,7 +11783,7 @@
               </a:ln>
               <a:extLst>
                 <a:ext uri="{91240B29-F687-4f45-9708-019B960494DF}">
-                  <a14:hiddenLine xmlns:a14="http://schemas.microsoft.com/office/drawing/2010/main" xmlns="" w="9525">
+                  <a14:hiddenLine xmlns="" xmlns:a14="http://schemas.microsoft.com/office/drawing/2010/main" w="9525">
                     <a:solidFill>
                       <a:srgbClr val="000000"/>
                     </a:solidFill>
@@ -11791,7 +11817,7 @@
               </a:ln>
               <a:extLst>
                 <a:ext uri="{91240B29-F687-4f45-9708-019B960494DF}">
-                  <a14:hiddenLine xmlns:a14="http://schemas.microsoft.com/office/drawing/2010/main" xmlns="" w="9525">
+                  <a14:hiddenLine xmlns="" xmlns:a14="http://schemas.microsoft.com/office/drawing/2010/main" w="9525">
                     <a:solidFill>
                       <a:srgbClr val="000000"/>
                     </a:solidFill>
@@ -11932,7 +11958,7 @@
             <a:fld id="{48A87A34-81AB-432B-8DAE-1953F412C126}" type="datetimeFigureOut">
               <a:rPr lang="en-US" dirty="0"/>
               <a:pPr/>
-              <a:t>7/14/2025</a:t>
+              <a:t>7/15/2025</a:t>
             </a:fld>
             <a:endParaRPr lang="en-US" dirty="0"/>
           </a:p>
@@ -12560,6 +12586,2594 @@
 </p:sld>
 </file>
 
+<file path=ppt/slides/slide10.xml><?xml version="1.0" encoding="utf-8"?>
+<p:sld xmlns:a="http://schemas.openxmlformats.org/drawingml/2006/main" xmlns:r="http://schemas.openxmlformats.org/officeDocument/2006/relationships" xmlns:p="http://schemas.openxmlformats.org/presentationml/2006/main">
+  <p:cSld>
+    <p:spTree>
+      <p:nvGrpSpPr>
+        <p:cNvPr id="1" name="">
+          <a:extLst>
+            <a:ext uri="{FF2B5EF4-FFF2-40B4-BE49-F238E27FC236}">
+              <a16:creationId xmlns:a16="http://schemas.microsoft.com/office/drawing/2014/main" id="{1EB366CB-FDED-E7E9-88E6-7726F1E31FF8}"/>
+            </a:ext>
+          </a:extLst>
+        </p:cNvPr>
+        <p:cNvGrpSpPr/>
+        <p:nvPr/>
+      </p:nvGrpSpPr>
+      <p:grpSpPr>
+        <a:xfrm>
+          <a:off x="0" y="0"/>
+          <a:ext cx="0" cy="0"/>
+          <a:chOff x="0" y="0"/>
+          <a:chExt cx="0" cy="0"/>
+        </a:xfrm>
+      </p:grpSpPr>
+      <p:sp>
+        <p:nvSpPr>
+          <p:cNvPr id="2" name="Title 1">
+            <a:extLst>
+              <a:ext uri="{FF2B5EF4-FFF2-40B4-BE49-F238E27FC236}">
+                <a16:creationId xmlns:a16="http://schemas.microsoft.com/office/drawing/2014/main" id="{F29F5058-E326-3C62-D141-397E06244A19}"/>
+              </a:ext>
+            </a:extLst>
+          </p:cNvPr>
+          <p:cNvSpPr>
+            <a:spLocks noGrp="1"/>
+          </p:cNvSpPr>
+          <p:nvPr>
+            <p:ph type="ctrTitle"/>
+          </p:nvPr>
+        </p:nvSpPr>
+        <p:spPr>
+          <a:xfrm>
+            <a:off x="2138517" y="247122"/>
+            <a:ext cx="7064477" cy="990217"/>
+          </a:xfrm>
+        </p:spPr>
+        <p:txBody>
+          <a:bodyPr>
+            <a:normAutofit/>
+          </a:bodyPr>
+          <a:lstStyle/>
+          <a:p>
+            <a:r>
+              <a:rPr lang="en-US" dirty="0">
+                <a:solidFill>
+                  <a:srgbClr val="7030A0"/>
+                </a:solidFill>
+              </a:rPr>
+              <a:t>Mean shift </a:t>
+            </a:r>
+            <a:r>
+              <a:rPr lang="en-US" dirty="0" err="1">
+                <a:solidFill>
+                  <a:srgbClr val="7030A0"/>
+                </a:solidFill>
+              </a:rPr>
+              <a:t>CLustering</a:t>
+            </a:r>
+            <a:endParaRPr lang="en-IN" dirty="0">
+              <a:solidFill>
+                <a:srgbClr val="7030A0"/>
+              </a:solidFill>
+            </a:endParaRPr>
+          </a:p>
+        </p:txBody>
+      </p:sp>
+      <p:sp>
+        <p:nvSpPr>
+          <p:cNvPr id="8" name="TextBox 7">
+            <a:extLst>
+              <a:ext uri="{FF2B5EF4-FFF2-40B4-BE49-F238E27FC236}">
+                <a16:creationId xmlns:a16="http://schemas.microsoft.com/office/drawing/2014/main" id="{C665FFBC-AAC7-C6DD-7458-910810713A97}"/>
+              </a:ext>
+            </a:extLst>
+          </p:cNvPr>
+          <p:cNvSpPr txBox="1"/>
+          <p:nvPr/>
+        </p:nvSpPr>
+        <p:spPr>
+          <a:xfrm>
+            <a:off x="979497" y="1614695"/>
+            <a:ext cx="12076386" cy="4639860"/>
+          </a:xfrm>
+          <a:prstGeom prst="rect">
+            <a:avLst/>
+          </a:prstGeom>
+          <a:noFill/>
+        </p:spPr>
+        <p:txBody>
+          <a:bodyPr wrap="square" rtlCol="0">
+            <a:spAutoFit/>
+          </a:bodyPr>
+          <a:lstStyle/>
+          <a:p>
+            <a:pPr marL="342900" indent="-342900">
+              <a:lnSpc>
+                <a:spcPct val="150000"/>
+              </a:lnSpc>
+              <a:buFont typeface="Arial" panose="020B0604020202020204" pitchFamily="34" charset="0"/>
+              <a:buChar char="•"/>
+            </a:pPr>
+            <a:r>
+              <a:rPr lang="en-US" sz="2500" dirty="0">
+                <a:latin typeface="Times New Roman" panose="02020603050405020304" pitchFamily="18" charset="0"/>
+                <a:cs typeface="Times New Roman" panose="02020603050405020304" pitchFamily="18" charset="0"/>
+              </a:rPr>
+              <a:t>Centroid based Algorithm</a:t>
+            </a:r>
+          </a:p>
+          <a:p>
+            <a:pPr marL="342900" indent="-342900">
+              <a:lnSpc>
+                <a:spcPct val="150000"/>
+              </a:lnSpc>
+              <a:buFont typeface="Arial" panose="020B0604020202020204" pitchFamily="34" charset="0"/>
+              <a:buChar char="•"/>
+            </a:pPr>
+            <a:r>
+              <a:rPr lang="en-US" sz="2500" dirty="0">
+                <a:latin typeface="Times New Roman" panose="02020603050405020304" pitchFamily="18" charset="0"/>
+                <a:cs typeface="Times New Roman" panose="02020603050405020304" pitchFamily="18" charset="0"/>
+              </a:rPr>
+              <a:t>Datapoints will be located themselves with the centroid</a:t>
+            </a:r>
+          </a:p>
+          <a:p>
+            <a:pPr marL="342900" indent="-342900">
+              <a:lnSpc>
+                <a:spcPct val="150000"/>
+              </a:lnSpc>
+              <a:buFont typeface="Arial" panose="020B0604020202020204" pitchFamily="34" charset="0"/>
+              <a:buChar char="•"/>
+            </a:pPr>
+            <a:r>
+              <a:rPr lang="en-US" sz="2500" dirty="0">
+                <a:latin typeface="Times New Roman" panose="02020603050405020304" pitchFamily="18" charset="0"/>
+                <a:cs typeface="Times New Roman" panose="02020603050405020304" pitchFamily="18" charset="0"/>
+              </a:rPr>
+              <a:t>Iteration repeats for centroids and new centroids appears</a:t>
+            </a:r>
+          </a:p>
+          <a:p>
+            <a:pPr marL="342900" indent="-342900">
+              <a:lnSpc>
+                <a:spcPct val="150000"/>
+              </a:lnSpc>
+              <a:buFont typeface="Arial" panose="020B0604020202020204" pitchFamily="34" charset="0"/>
+              <a:buChar char="•"/>
+            </a:pPr>
+            <a:r>
+              <a:rPr lang="en-US" sz="2500" dirty="0">
+                <a:latin typeface="Times New Roman" panose="02020603050405020304" pitchFamily="18" charset="0"/>
+                <a:cs typeface="Times New Roman" panose="02020603050405020304" pitchFamily="18" charset="0"/>
+              </a:rPr>
+              <a:t>Those centroids moves to higher density region</a:t>
+            </a:r>
+          </a:p>
+          <a:p>
+            <a:pPr marL="342900" indent="-342900">
+              <a:lnSpc>
+                <a:spcPct val="150000"/>
+              </a:lnSpc>
+              <a:buFont typeface="Arial" panose="020B0604020202020204" pitchFamily="34" charset="0"/>
+              <a:buChar char="•"/>
+            </a:pPr>
+            <a:r>
+              <a:rPr lang="en-US" sz="2500" dirty="0">
+                <a:latin typeface="Times New Roman" panose="02020603050405020304" pitchFamily="18" charset="0"/>
+                <a:cs typeface="Times New Roman" panose="02020603050405020304" pitchFamily="18" charset="0"/>
+              </a:rPr>
+              <a:t>Iteration stops when change in centroids is small</a:t>
+            </a:r>
+          </a:p>
+          <a:p>
+            <a:pPr marL="342900" indent="-342900">
+              <a:lnSpc>
+                <a:spcPct val="150000"/>
+              </a:lnSpc>
+              <a:buFont typeface="Arial" panose="020B0604020202020204" pitchFamily="34" charset="0"/>
+              <a:buChar char="•"/>
+            </a:pPr>
+            <a:r>
+              <a:rPr lang="en-US" sz="2500" dirty="0">
+                <a:latin typeface="Times New Roman" panose="02020603050405020304" pitchFamily="18" charset="0"/>
+                <a:cs typeface="Times New Roman" panose="02020603050405020304" pitchFamily="18" charset="0"/>
+              </a:rPr>
+              <a:t>Number of clusters determines by Algorithm not in advance</a:t>
+            </a:r>
+          </a:p>
+          <a:p>
+            <a:pPr marL="342900" indent="-342900">
+              <a:lnSpc>
+                <a:spcPct val="150000"/>
+              </a:lnSpc>
+              <a:buFont typeface="Arial" panose="020B0604020202020204" pitchFamily="34" charset="0"/>
+              <a:buChar char="•"/>
+            </a:pPr>
+            <a:endParaRPr lang="en-US" sz="2500" dirty="0">
+              <a:latin typeface="Times New Roman" panose="02020603050405020304" pitchFamily="18" charset="0"/>
+              <a:cs typeface="Times New Roman" panose="02020603050405020304" pitchFamily="18" charset="0"/>
+            </a:endParaRPr>
+          </a:p>
+          <a:p>
+            <a:pPr marL="342900" indent="-342900">
+              <a:lnSpc>
+                <a:spcPct val="150000"/>
+              </a:lnSpc>
+              <a:buFont typeface="Arial" panose="020B0604020202020204" pitchFamily="34" charset="0"/>
+              <a:buChar char="•"/>
+            </a:pPr>
+            <a:endParaRPr lang="en-US" sz="2500" dirty="0">
+              <a:latin typeface="Times New Roman" panose="02020603050405020304" pitchFamily="18" charset="0"/>
+              <a:cs typeface="Times New Roman" panose="02020603050405020304" pitchFamily="18" charset="0"/>
+            </a:endParaRPr>
+          </a:p>
+        </p:txBody>
+      </p:sp>
+    </p:spTree>
+    <p:extLst>
+      <p:ext uri="{BB962C8B-B14F-4D97-AF65-F5344CB8AC3E}">
+        <p14:creationId xmlns:p14="http://schemas.microsoft.com/office/powerpoint/2010/main" val="2315998468"/>
+      </p:ext>
+    </p:extLst>
+  </p:cSld>
+  <p:clrMapOvr>
+    <a:masterClrMapping/>
+  </p:clrMapOvr>
+</p:sld>
+</file>
+
+<file path=ppt/slides/slide11.xml><?xml version="1.0" encoding="utf-8"?>
+<p:sld xmlns:a="http://schemas.openxmlformats.org/drawingml/2006/main" xmlns:r="http://schemas.openxmlformats.org/officeDocument/2006/relationships" xmlns:p="http://schemas.openxmlformats.org/presentationml/2006/main">
+  <p:cSld>
+    <p:spTree>
+      <p:nvGrpSpPr>
+        <p:cNvPr id="1" name="">
+          <a:extLst>
+            <a:ext uri="{FF2B5EF4-FFF2-40B4-BE49-F238E27FC236}">
+              <a16:creationId xmlns:a16="http://schemas.microsoft.com/office/drawing/2014/main" id="{4506484D-3F88-BCD2-704E-2D5C35549D27}"/>
+            </a:ext>
+          </a:extLst>
+        </p:cNvPr>
+        <p:cNvGrpSpPr/>
+        <p:nvPr/>
+      </p:nvGrpSpPr>
+      <p:grpSpPr>
+        <a:xfrm>
+          <a:off x="0" y="0"/>
+          <a:ext cx="0" cy="0"/>
+          <a:chOff x="0" y="0"/>
+          <a:chExt cx="0" cy="0"/>
+        </a:xfrm>
+      </p:grpSpPr>
+      <p:sp>
+        <p:nvSpPr>
+          <p:cNvPr id="2" name="Title 1">
+            <a:extLst>
+              <a:ext uri="{FF2B5EF4-FFF2-40B4-BE49-F238E27FC236}">
+                <a16:creationId xmlns:a16="http://schemas.microsoft.com/office/drawing/2014/main" id="{C0D1011F-C3A3-8BFA-EF16-945D33CF1412}"/>
+              </a:ext>
+            </a:extLst>
+          </p:cNvPr>
+          <p:cNvSpPr>
+            <a:spLocks noGrp="1"/>
+          </p:cNvSpPr>
+          <p:nvPr>
+            <p:ph type="ctrTitle"/>
+          </p:nvPr>
+        </p:nvSpPr>
+        <p:spPr>
+          <a:xfrm>
+            <a:off x="1902542" y="129135"/>
+            <a:ext cx="8589246" cy="990217"/>
+          </a:xfrm>
+        </p:spPr>
+        <p:txBody>
+          <a:bodyPr>
+            <a:normAutofit/>
+          </a:bodyPr>
+          <a:lstStyle/>
+          <a:p>
+            <a:r>
+              <a:rPr lang="en-US" dirty="0">
+                <a:solidFill>
+                  <a:srgbClr val="7030A0"/>
+                </a:solidFill>
+              </a:rPr>
+              <a:t>Mean shift </a:t>
+            </a:r>
+            <a:r>
+              <a:rPr lang="en-US" dirty="0" err="1">
+                <a:solidFill>
+                  <a:srgbClr val="7030A0"/>
+                </a:solidFill>
+              </a:rPr>
+              <a:t>CLustering</a:t>
+            </a:r>
+            <a:endParaRPr lang="en-IN" dirty="0">
+              <a:solidFill>
+                <a:srgbClr val="7030A0"/>
+              </a:solidFill>
+            </a:endParaRPr>
+          </a:p>
+        </p:txBody>
+      </p:sp>
+      <p:sp>
+        <p:nvSpPr>
+          <p:cNvPr id="7" name="TextBox 6">
+            <a:extLst>
+              <a:ext uri="{FF2B5EF4-FFF2-40B4-BE49-F238E27FC236}">
+                <a16:creationId xmlns:a16="http://schemas.microsoft.com/office/drawing/2014/main" id="{185CF08C-92B1-7A91-D64F-F1756A33BD52}"/>
+              </a:ext>
+            </a:extLst>
+          </p:cNvPr>
+          <p:cNvSpPr txBox="1"/>
+          <p:nvPr/>
+        </p:nvSpPr>
+        <p:spPr>
+          <a:xfrm>
+            <a:off x="1506333" y="1119352"/>
+            <a:ext cx="8985455" cy="3170099"/>
+          </a:xfrm>
+          <a:prstGeom prst="rect">
+            <a:avLst/>
+          </a:prstGeom>
+          <a:noFill/>
+        </p:spPr>
+        <p:txBody>
+          <a:bodyPr wrap="square">
+            <a:spAutoFit/>
+          </a:bodyPr>
+          <a:lstStyle/>
+          <a:p>
+            <a:r>
+              <a:rPr lang="en-IN" sz="2000" b="1" dirty="0">
+                <a:latin typeface="Times New Roman" panose="02020603050405020304" pitchFamily="18" charset="0"/>
+                <a:cs typeface="Times New Roman" panose="02020603050405020304" pitchFamily="18" charset="0"/>
+              </a:rPr>
+              <a:t>Advantages</a:t>
+            </a:r>
+            <a:r>
+              <a:rPr lang="en-IN" sz="2000" dirty="0">
+                <a:latin typeface="Times New Roman" panose="02020603050405020304" pitchFamily="18" charset="0"/>
+                <a:cs typeface="Times New Roman" panose="02020603050405020304" pitchFamily="18" charset="0"/>
+              </a:rPr>
+              <a:t>:</a:t>
+            </a:r>
+          </a:p>
+          <a:p>
+            <a:endParaRPr lang="en-IN" sz="2000" dirty="0">
+              <a:latin typeface="Times New Roman" panose="02020603050405020304" pitchFamily="18" charset="0"/>
+              <a:cs typeface="Times New Roman" panose="02020603050405020304" pitchFamily="18" charset="0"/>
+            </a:endParaRPr>
+          </a:p>
+          <a:p>
+            <a:pPr marL="285750" indent="-285750">
+              <a:buFont typeface="Arial" panose="020B0604020202020204" pitchFamily="34" charset="0"/>
+              <a:buChar char="•"/>
+            </a:pPr>
+            <a:r>
+              <a:rPr lang="en-US" sz="2000" dirty="0">
+                <a:latin typeface="Times New Roman" panose="02020603050405020304" pitchFamily="18" charset="0"/>
+                <a:cs typeface="Times New Roman" panose="02020603050405020304" pitchFamily="18" charset="0"/>
+              </a:rPr>
+              <a:t>Automatically determines the number of clusters.</a:t>
+            </a:r>
+          </a:p>
+          <a:p>
+            <a:pPr marL="285750" indent="-285750">
+              <a:buFont typeface="Arial" panose="020B0604020202020204" pitchFamily="34" charset="0"/>
+              <a:buChar char="•"/>
+            </a:pPr>
+            <a:r>
+              <a:rPr lang="en-US" sz="2000" dirty="0">
+                <a:latin typeface="Times New Roman" panose="02020603050405020304" pitchFamily="18" charset="0"/>
+                <a:cs typeface="Times New Roman" panose="02020603050405020304" pitchFamily="18" charset="0"/>
+              </a:rPr>
+              <a:t>Can be effective for datasets with varying densities.</a:t>
+            </a:r>
+          </a:p>
+          <a:p>
+            <a:pPr marL="285750" indent="-285750">
+              <a:buFont typeface="Arial" panose="020B0604020202020204" pitchFamily="34" charset="0"/>
+              <a:buChar char="•"/>
+            </a:pPr>
+            <a:endParaRPr lang="en-US" sz="2000" dirty="0">
+              <a:latin typeface="Times New Roman" panose="02020603050405020304" pitchFamily="18" charset="0"/>
+              <a:cs typeface="Times New Roman" panose="02020603050405020304" pitchFamily="18" charset="0"/>
+            </a:endParaRPr>
+          </a:p>
+          <a:p>
+            <a:r>
+              <a:rPr lang="en-US" sz="2000" b="1" dirty="0">
+                <a:latin typeface="Times New Roman" panose="02020603050405020304" pitchFamily="18" charset="0"/>
+                <a:cs typeface="Times New Roman" panose="02020603050405020304" pitchFamily="18" charset="0"/>
+              </a:rPr>
+              <a:t>Disadvantages</a:t>
+            </a:r>
+            <a:r>
+              <a:rPr lang="en-US" sz="2000" dirty="0">
+                <a:latin typeface="Times New Roman" panose="02020603050405020304" pitchFamily="18" charset="0"/>
+                <a:cs typeface="Times New Roman" panose="02020603050405020304" pitchFamily="18" charset="0"/>
+              </a:rPr>
+              <a:t>:</a:t>
+            </a:r>
+          </a:p>
+          <a:p>
+            <a:pPr marL="342900" indent="-342900">
+              <a:buFont typeface="Arial" panose="020B0604020202020204" pitchFamily="34" charset="0"/>
+              <a:buChar char="•"/>
+            </a:pPr>
+            <a:r>
+              <a:rPr lang="en-US" sz="2000" dirty="0">
+                <a:latin typeface="Times New Roman" panose="02020603050405020304" pitchFamily="18" charset="0"/>
+                <a:cs typeface="Times New Roman" panose="02020603050405020304" pitchFamily="18" charset="0"/>
+              </a:rPr>
+              <a:t>Complexity</a:t>
+            </a:r>
+          </a:p>
+          <a:p>
+            <a:pPr marL="285750" indent="-285750">
+              <a:buFont typeface="Arial" panose="020B0604020202020204" pitchFamily="34" charset="0"/>
+              <a:buChar char="•"/>
+            </a:pPr>
+            <a:r>
+              <a:rPr lang="en-US" sz="2000" dirty="0">
+                <a:latin typeface="Times New Roman" panose="02020603050405020304" pitchFamily="18" charset="0"/>
+                <a:cs typeface="Times New Roman" panose="02020603050405020304" pitchFamily="18" charset="0"/>
+              </a:rPr>
+              <a:t>Computationally expensive, especially for large datasets.</a:t>
+            </a:r>
+          </a:p>
+          <a:p>
+            <a:pPr marL="285750" indent="-285750">
+              <a:buFont typeface="Arial" panose="020B0604020202020204" pitchFamily="34" charset="0"/>
+              <a:buChar char="•"/>
+            </a:pPr>
+            <a:r>
+              <a:rPr lang="en-US" sz="2000" dirty="0">
+                <a:latin typeface="Times New Roman" panose="02020603050405020304" pitchFamily="18" charset="0"/>
+                <a:cs typeface="Times New Roman" panose="02020603050405020304" pitchFamily="18" charset="0"/>
+              </a:rPr>
+              <a:t>May produce many small clusters or have difficulty converging on some datasets. </a:t>
+            </a:r>
+            <a:r>
+              <a:rPr lang="en-IN" sz="2000" dirty="0">
+                <a:latin typeface="Times New Roman" panose="02020603050405020304" pitchFamily="18" charset="0"/>
+                <a:cs typeface="Times New Roman" panose="02020603050405020304" pitchFamily="18" charset="0"/>
+              </a:rPr>
+              <a:t> </a:t>
+            </a:r>
+          </a:p>
+          <a:p>
+            <a:endParaRPr lang="en-IN" sz="2000" dirty="0"/>
+          </a:p>
+        </p:txBody>
+      </p:sp>
+      <p:sp>
+        <p:nvSpPr>
+          <p:cNvPr id="8" name="Rectangle 1">
+            <a:extLst>
+              <a:ext uri="{FF2B5EF4-FFF2-40B4-BE49-F238E27FC236}">
+                <a16:creationId xmlns:a16="http://schemas.microsoft.com/office/drawing/2014/main" id="{3B3C1F2A-C348-531E-F6B5-6DC99174CEBF}"/>
+              </a:ext>
+            </a:extLst>
+          </p:cNvPr>
+          <p:cNvSpPr>
+            <a:spLocks noChangeArrowheads="1"/>
+          </p:cNvSpPr>
+          <p:nvPr/>
+        </p:nvSpPr>
+        <p:spPr bwMode="auto">
+          <a:xfrm>
+            <a:off x="0" y="-273910"/>
+            <a:ext cx="65" cy="547821"/>
+          </a:xfrm>
+          <a:prstGeom prst="rect">
+            <a:avLst/>
+          </a:prstGeom>
+          <a:solidFill>
+            <a:srgbClr val="FFFFFF"/>
+          </a:solidFill>
+          <a:ln>
+            <a:noFill/>
+          </a:ln>
+          <a:effectLst/>
+          <a:extLst>
+            <a:ext uri="{91240B29-F687-4F45-9708-019B960494DF}">
+              <a14:hiddenLine xmlns:a14="http://schemas.microsoft.com/office/drawing/2010/main" w="9525">
+                <a:solidFill>
+                  <a:schemeClr val="tx1"/>
+                </a:solidFill>
+                <a:miter lim="800000"/>
+                <a:headEnd/>
+                <a:tailEnd/>
+              </a14:hiddenLine>
+            </a:ext>
+            <a:ext uri="{AF507438-7753-43E0-B8FC-AC1667EBCBE1}">
+              <a14:hiddenEffects xmlns:a14="http://schemas.microsoft.com/office/drawing/2010/main">
+                <a:effectLst>
+                  <a:outerShdw dist="35921" dir="2700000" algn="ctr" rotWithShape="0">
+                    <a:schemeClr val="bg2"/>
+                  </a:outerShdw>
+                </a:effectLst>
+              </a14:hiddenEffects>
+            </a:ext>
+          </a:extLst>
+        </p:spPr>
+        <p:txBody>
+          <a:bodyPr vert="horz" wrap="none" lIns="0" tIns="88872" rIns="0" bIns="179331" numCol="1" anchor="ctr" anchorCtr="0" compatLnSpc="1">
+            <a:prstTxWarp prst="textNoShape">
+              <a:avLst/>
+            </a:prstTxWarp>
+            <a:spAutoFit/>
+          </a:bodyPr>
+          <a:lstStyle/>
+          <a:p>
+            <a:pPr marL="0" marR="0" lvl="0" indent="0" algn="l" defTabSz="914400" rtl="0" eaLnBrk="0" fontAlgn="base" latinLnBrk="0" hangingPunct="0">
+              <a:lnSpc>
+                <a:spcPct val="100000"/>
+              </a:lnSpc>
+              <a:spcBef>
+                <a:spcPct val="0"/>
+              </a:spcBef>
+              <a:spcAft>
+                <a:spcPct val="0"/>
+              </a:spcAft>
+              <a:buClrTx/>
+              <a:buSzTx/>
+              <a:buFontTx/>
+              <a:buNone/>
+              <a:tabLst/>
+            </a:pPr>
+            <a:endParaRPr kumimoji="0" lang="en-US" altLang="en-US" sz="1800" b="0" i="0" u="none" strike="noStrike" cap="none" normalizeH="0" baseline="0" dirty="0">
+              <a:ln>
+                <a:noFill/>
+              </a:ln>
+              <a:solidFill>
+                <a:schemeClr val="tx1"/>
+              </a:solidFill>
+              <a:effectLst/>
+              <a:latin typeface="Arial" panose="020B0604020202020204" pitchFamily="34" charset="0"/>
+            </a:endParaRPr>
+          </a:p>
+        </p:txBody>
+      </p:sp>
+      <p:pic>
+        <p:nvPicPr>
+          <p:cNvPr id="9" name="Picture 8">
+            <a:extLst>
+              <a:ext uri="{FF2B5EF4-FFF2-40B4-BE49-F238E27FC236}">
+                <a16:creationId xmlns:a16="http://schemas.microsoft.com/office/drawing/2014/main" id="{F1115EB4-3272-DD54-A5AE-3C50604BB4D1}"/>
+              </a:ext>
+            </a:extLst>
+          </p:cNvPr>
+          <p:cNvPicPr>
+            <a:picLocks noChangeAspect="1"/>
+          </p:cNvPicPr>
+          <p:nvPr/>
+        </p:nvPicPr>
+        <p:blipFill>
+          <a:blip r:embed="rId2"/>
+          <a:stretch>
+            <a:fillRect/>
+          </a:stretch>
+        </p:blipFill>
+        <p:spPr>
+          <a:xfrm>
+            <a:off x="2150192" y="4289452"/>
+            <a:ext cx="5710698" cy="1173750"/>
+          </a:xfrm>
+          <a:prstGeom prst="rect">
+            <a:avLst/>
+          </a:prstGeom>
+        </p:spPr>
+      </p:pic>
+    </p:spTree>
+    <p:extLst>
+      <p:ext uri="{BB962C8B-B14F-4D97-AF65-F5344CB8AC3E}">
+        <p14:creationId xmlns:p14="http://schemas.microsoft.com/office/powerpoint/2010/main" val="559156064"/>
+      </p:ext>
+    </p:extLst>
+  </p:cSld>
+  <p:clrMapOvr>
+    <a:masterClrMapping/>
+  </p:clrMapOvr>
+</p:sld>
+</file>
+
+<file path=ppt/slides/slide12.xml><?xml version="1.0" encoding="utf-8"?>
+<p:sld xmlns:a="http://schemas.openxmlformats.org/drawingml/2006/main" xmlns:r="http://schemas.openxmlformats.org/officeDocument/2006/relationships" xmlns:p="http://schemas.openxmlformats.org/presentationml/2006/main">
+  <p:cSld>
+    <p:spTree>
+      <p:nvGrpSpPr>
+        <p:cNvPr id="1" name="">
+          <a:extLst>
+            <a:ext uri="{FF2B5EF4-FFF2-40B4-BE49-F238E27FC236}">
+              <a16:creationId xmlns:a16="http://schemas.microsoft.com/office/drawing/2014/main" id="{93986646-98CC-8E6F-7DFC-1439FCB846E2}"/>
+            </a:ext>
+          </a:extLst>
+        </p:cNvPr>
+        <p:cNvGrpSpPr/>
+        <p:nvPr/>
+      </p:nvGrpSpPr>
+      <p:grpSpPr>
+        <a:xfrm>
+          <a:off x="0" y="0"/>
+          <a:ext cx="0" cy="0"/>
+          <a:chOff x="0" y="0"/>
+          <a:chExt cx="0" cy="0"/>
+        </a:xfrm>
+      </p:grpSpPr>
+      <p:sp>
+        <p:nvSpPr>
+          <p:cNvPr id="2" name="Title 1">
+            <a:extLst>
+              <a:ext uri="{FF2B5EF4-FFF2-40B4-BE49-F238E27FC236}">
+                <a16:creationId xmlns:a16="http://schemas.microsoft.com/office/drawing/2014/main" id="{AA66476A-03EA-C664-C2DD-7D20AE04CD7D}"/>
+              </a:ext>
+            </a:extLst>
+          </p:cNvPr>
+          <p:cNvSpPr>
+            <a:spLocks noGrp="1"/>
+          </p:cNvSpPr>
+          <p:nvPr>
+            <p:ph type="ctrTitle"/>
+          </p:nvPr>
+        </p:nvSpPr>
+        <p:spPr>
+          <a:xfrm>
+            <a:off x="2020529" y="0"/>
+            <a:ext cx="9105439" cy="990217"/>
+          </a:xfrm>
+        </p:spPr>
+        <p:txBody>
+          <a:bodyPr>
+            <a:normAutofit/>
+          </a:bodyPr>
+          <a:lstStyle/>
+          <a:p>
+            <a:r>
+              <a:rPr lang="en-US" dirty="0">
+                <a:solidFill>
+                  <a:srgbClr val="7030A0"/>
+                </a:solidFill>
+              </a:rPr>
+              <a:t>Mean shift </a:t>
+            </a:r>
+            <a:r>
+              <a:rPr lang="en-US" dirty="0" err="1">
+                <a:solidFill>
+                  <a:srgbClr val="7030A0"/>
+                </a:solidFill>
+              </a:rPr>
+              <a:t>CLustering</a:t>
+            </a:r>
+            <a:endParaRPr lang="en-IN" dirty="0">
+              <a:solidFill>
+                <a:srgbClr val="7030A0"/>
+              </a:solidFill>
+            </a:endParaRPr>
+          </a:p>
+        </p:txBody>
+      </p:sp>
+      <p:sp>
+        <p:nvSpPr>
+          <p:cNvPr id="5" name="TextBox 4">
+            <a:extLst>
+              <a:ext uri="{FF2B5EF4-FFF2-40B4-BE49-F238E27FC236}">
+                <a16:creationId xmlns:a16="http://schemas.microsoft.com/office/drawing/2014/main" id="{9C46C0EC-2A07-D7CA-1DD3-530986A3BEA3}"/>
+              </a:ext>
+            </a:extLst>
+          </p:cNvPr>
+          <p:cNvSpPr txBox="1"/>
+          <p:nvPr/>
+        </p:nvSpPr>
+        <p:spPr>
+          <a:xfrm>
+            <a:off x="861509" y="1358388"/>
+            <a:ext cx="5583536" cy="1754455"/>
+          </a:xfrm>
+          <a:prstGeom prst="rect">
+            <a:avLst/>
+          </a:prstGeom>
+          <a:noFill/>
+        </p:spPr>
+        <p:txBody>
+          <a:bodyPr wrap="square" rtlCol="0">
+            <a:spAutoFit/>
+          </a:bodyPr>
+          <a:lstStyle/>
+          <a:p>
+            <a:pPr marL="342900" indent="-342900">
+              <a:lnSpc>
+                <a:spcPct val="150000"/>
+              </a:lnSpc>
+              <a:buFont typeface="Arial" panose="020B0604020202020204" pitchFamily="34" charset="0"/>
+              <a:buChar char="•"/>
+            </a:pPr>
+            <a:endParaRPr lang="en-US" sz="2500" dirty="0">
+              <a:latin typeface="Times New Roman" panose="02020603050405020304" pitchFamily="18" charset="0"/>
+              <a:cs typeface="Times New Roman" panose="02020603050405020304" pitchFamily="18" charset="0"/>
+            </a:endParaRPr>
+          </a:p>
+          <a:p>
+            <a:pPr marL="342900" indent="-342900">
+              <a:lnSpc>
+                <a:spcPct val="150000"/>
+              </a:lnSpc>
+              <a:buFont typeface="Arial" panose="020B0604020202020204" pitchFamily="34" charset="0"/>
+              <a:buChar char="•"/>
+            </a:pPr>
+            <a:endParaRPr lang="en-US" sz="2500" dirty="0">
+              <a:latin typeface="Times New Roman" panose="02020603050405020304" pitchFamily="18" charset="0"/>
+              <a:cs typeface="Times New Roman" panose="02020603050405020304" pitchFamily="18" charset="0"/>
+            </a:endParaRPr>
+          </a:p>
+          <a:p>
+            <a:pPr>
+              <a:lnSpc>
+                <a:spcPct val="150000"/>
+              </a:lnSpc>
+            </a:pPr>
+            <a:endParaRPr lang="en-IN" sz="2500" dirty="0">
+              <a:latin typeface="Times New Roman" panose="02020603050405020304" pitchFamily="18" charset="0"/>
+              <a:cs typeface="Times New Roman" panose="02020603050405020304" pitchFamily="18" charset="0"/>
+            </a:endParaRPr>
+          </a:p>
+        </p:txBody>
+      </p:sp>
+      <p:pic>
+        <p:nvPicPr>
+          <p:cNvPr id="4" name="Picture 3">
+            <a:extLst>
+              <a:ext uri="{FF2B5EF4-FFF2-40B4-BE49-F238E27FC236}">
+                <a16:creationId xmlns:a16="http://schemas.microsoft.com/office/drawing/2014/main" id="{78FAABF2-6295-02A3-CD4C-7B2116B6EDF5}"/>
+              </a:ext>
+            </a:extLst>
+          </p:cNvPr>
+          <p:cNvPicPr>
+            <a:picLocks noChangeAspect="1"/>
+          </p:cNvPicPr>
+          <p:nvPr/>
+        </p:nvPicPr>
+        <p:blipFill>
+          <a:blip r:embed="rId2"/>
+          <a:stretch>
+            <a:fillRect/>
+          </a:stretch>
+        </p:blipFill>
+        <p:spPr>
+          <a:xfrm>
+            <a:off x="2949678" y="1631623"/>
+            <a:ext cx="4535436" cy="3594753"/>
+          </a:xfrm>
+          <a:prstGeom prst="rect">
+            <a:avLst/>
+          </a:prstGeom>
+        </p:spPr>
+      </p:pic>
+    </p:spTree>
+    <p:extLst>
+      <p:ext uri="{BB962C8B-B14F-4D97-AF65-F5344CB8AC3E}">
+        <p14:creationId xmlns:p14="http://schemas.microsoft.com/office/powerpoint/2010/main" val="91933607"/>
+      </p:ext>
+    </p:extLst>
+  </p:cSld>
+  <p:clrMapOvr>
+    <a:masterClrMapping/>
+  </p:clrMapOvr>
+</p:sld>
+</file>
+
+<file path=ppt/slides/slide13.xml><?xml version="1.0" encoding="utf-8"?>
+<p:sld xmlns:a="http://schemas.openxmlformats.org/drawingml/2006/main" xmlns:r="http://schemas.openxmlformats.org/officeDocument/2006/relationships" xmlns:p="http://schemas.openxmlformats.org/presentationml/2006/main">
+  <p:cSld>
+    <p:spTree>
+      <p:nvGrpSpPr>
+        <p:cNvPr id="1" name="">
+          <a:extLst>
+            <a:ext uri="{FF2B5EF4-FFF2-40B4-BE49-F238E27FC236}">
+              <a16:creationId xmlns:a16="http://schemas.microsoft.com/office/drawing/2014/main" id="{0669BAB9-E29F-AFEA-C516-F6455E9DFF2A}"/>
+            </a:ext>
+          </a:extLst>
+        </p:cNvPr>
+        <p:cNvGrpSpPr/>
+        <p:nvPr/>
+      </p:nvGrpSpPr>
+      <p:grpSpPr>
+        <a:xfrm>
+          <a:off x="0" y="0"/>
+          <a:ext cx="0" cy="0"/>
+          <a:chOff x="0" y="0"/>
+          <a:chExt cx="0" cy="0"/>
+        </a:xfrm>
+      </p:grpSpPr>
+      <p:sp>
+        <p:nvSpPr>
+          <p:cNvPr id="2" name="Title 1">
+            <a:extLst>
+              <a:ext uri="{FF2B5EF4-FFF2-40B4-BE49-F238E27FC236}">
+                <a16:creationId xmlns:a16="http://schemas.microsoft.com/office/drawing/2014/main" id="{0CF3B127-2BD7-A8A1-B72F-EF2D30990208}"/>
+              </a:ext>
+            </a:extLst>
+          </p:cNvPr>
+          <p:cNvSpPr>
+            <a:spLocks noGrp="1"/>
+          </p:cNvSpPr>
+          <p:nvPr>
+            <p:ph type="ctrTitle"/>
+          </p:nvPr>
+        </p:nvSpPr>
+        <p:spPr>
+          <a:xfrm>
+            <a:off x="2138517" y="247122"/>
+            <a:ext cx="7064477" cy="990217"/>
+          </a:xfrm>
+        </p:spPr>
+        <p:txBody>
+          <a:bodyPr>
+            <a:normAutofit/>
+          </a:bodyPr>
+          <a:lstStyle/>
+          <a:p>
+            <a:r>
+              <a:rPr lang="en-IN" dirty="0">
+                <a:solidFill>
+                  <a:srgbClr val="0070C0"/>
+                </a:solidFill>
+              </a:rPr>
+              <a:t>Spectral clustering</a:t>
+            </a:r>
+          </a:p>
+        </p:txBody>
+      </p:sp>
+      <p:sp>
+        <p:nvSpPr>
+          <p:cNvPr id="8" name="TextBox 7">
+            <a:extLst>
+              <a:ext uri="{FF2B5EF4-FFF2-40B4-BE49-F238E27FC236}">
+                <a16:creationId xmlns:a16="http://schemas.microsoft.com/office/drawing/2014/main" id="{22A3A286-35D6-3514-F400-59C60DC852DA}"/>
+              </a:ext>
+            </a:extLst>
+          </p:cNvPr>
+          <p:cNvSpPr txBox="1"/>
+          <p:nvPr/>
+        </p:nvSpPr>
+        <p:spPr>
+          <a:xfrm>
+            <a:off x="979497" y="1614695"/>
+            <a:ext cx="12076386" cy="5794022"/>
+          </a:xfrm>
+          <a:prstGeom prst="rect">
+            <a:avLst/>
+          </a:prstGeom>
+          <a:noFill/>
+        </p:spPr>
+        <p:txBody>
+          <a:bodyPr wrap="square" rtlCol="0">
+            <a:spAutoFit/>
+          </a:bodyPr>
+          <a:lstStyle/>
+          <a:p>
+            <a:pPr marL="342900" indent="-342900">
+              <a:lnSpc>
+                <a:spcPct val="150000"/>
+              </a:lnSpc>
+              <a:buFont typeface="Arial" panose="020B0604020202020204" pitchFamily="34" charset="0"/>
+              <a:buChar char="•"/>
+            </a:pPr>
+            <a:r>
+              <a:rPr lang="en-US" sz="2500" dirty="0">
+                <a:latin typeface="Times New Roman" panose="02020603050405020304" pitchFamily="18" charset="0"/>
+                <a:cs typeface="Times New Roman" panose="02020603050405020304" pitchFamily="18" charset="0"/>
+              </a:rPr>
+              <a:t>Groups datapoints based on similarity into clusters</a:t>
+            </a:r>
+          </a:p>
+          <a:p>
+            <a:pPr marL="342900" indent="-342900">
+              <a:lnSpc>
+                <a:spcPct val="150000"/>
+              </a:lnSpc>
+              <a:buFont typeface="Arial" panose="020B0604020202020204" pitchFamily="34" charset="0"/>
+              <a:buChar char="•"/>
+            </a:pPr>
+            <a:r>
+              <a:rPr lang="en-US" sz="2500" dirty="0">
+                <a:latin typeface="Times New Roman" panose="02020603050405020304" pitchFamily="18" charset="0"/>
+                <a:cs typeface="Times New Roman" panose="02020603050405020304" pitchFamily="18" charset="0"/>
+              </a:rPr>
+              <a:t>Eigenvalues and Eigenvectors used to forecast low dimensions space for clustering</a:t>
+            </a:r>
+          </a:p>
+          <a:p>
+            <a:pPr marL="342900" indent="-342900">
+              <a:lnSpc>
+                <a:spcPct val="150000"/>
+              </a:lnSpc>
+              <a:buFont typeface="Arial" panose="020B0604020202020204" pitchFamily="34" charset="0"/>
+              <a:buChar char="•"/>
+            </a:pPr>
+            <a:r>
+              <a:rPr lang="en-US" sz="2500" dirty="0">
+                <a:latin typeface="Times New Roman" panose="02020603050405020304" pitchFamily="18" charset="0"/>
+                <a:cs typeface="Times New Roman" panose="02020603050405020304" pitchFamily="18" charset="0"/>
+              </a:rPr>
+              <a:t>Datapoints are represented as nodes</a:t>
+            </a:r>
+          </a:p>
+          <a:p>
+            <a:pPr marL="342900" indent="-342900">
+              <a:lnSpc>
+                <a:spcPct val="150000"/>
+              </a:lnSpc>
+              <a:buFont typeface="Arial" panose="020B0604020202020204" pitchFamily="34" charset="0"/>
+              <a:buChar char="•"/>
+            </a:pPr>
+            <a:r>
+              <a:rPr lang="en-US" sz="2500" dirty="0">
+                <a:latin typeface="Times New Roman" panose="02020603050405020304" pitchFamily="18" charset="0"/>
+                <a:cs typeface="Times New Roman" panose="02020603050405020304" pitchFamily="18" charset="0"/>
+              </a:rPr>
+              <a:t>Similarity represented as edge</a:t>
+            </a:r>
+          </a:p>
+          <a:p>
+            <a:pPr marL="342900" indent="-342900">
+              <a:lnSpc>
+                <a:spcPct val="150000"/>
+              </a:lnSpc>
+              <a:buFont typeface="Arial" panose="020B0604020202020204" pitchFamily="34" charset="0"/>
+              <a:buChar char="•"/>
+            </a:pPr>
+            <a:endParaRPr lang="en-US" sz="2500" dirty="0">
+              <a:latin typeface="Times New Roman" panose="02020603050405020304" pitchFamily="18" charset="0"/>
+              <a:cs typeface="Times New Roman" panose="02020603050405020304" pitchFamily="18" charset="0"/>
+            </a:endParaRPr>
+          </a:p>
+          <a:p>
+            <a:pPr marL="342900" indent="-342900">
+              <a:lnSpc>
+                <a:spcPct val="150000"/>
+              </a:lnSpc>
+              <a:buFont typeface="Arial" panose="020B0604020202020204" pitchFamily="34" charset="0"/>
+              <a:buChar char="•"/>
+            </a:pPr>
+            <a:endParaRPr lang="en-US" sz="2500" dirty="0">
+              <a:latin typeface="Times New Roman" panose="02020603050405020304" pitchFamily="18" charset="0"/>
+              <a:cs typeface="Times New Roman" panose="02020603050405020304" pitchFamily="18" charset="0"/>
+            </a:endParaRPr>
+          </a:p>
+          <a:p>
+            <a:pPr marL="342900" indent="-342900">
+              <a:lnSpc>
+                <a:spcPct val="150000"/>
+              </a:lnSpc>
+              <a:buFont typeface="Arial" panose="020B0604020202020204" pitchFamily="34" charset="0"/>
+              <a:buChar char="•"/>
+            </a:pPr>
+            <a:endParaRPr lang="en-US" sz="2500" dirty="0">
+              <a:latin typeface="Times New Roman" panose="02020603050405020304" pitchFamily="18" charset="0"/>
+              <a:cs typeface="Times New Roman" panose="02020603050405020304" pitchFamily="18" charset="0"/>
+            </a:endParaRPr>
+          </a:p>
+          <a:p>
+            <a:pPr marL="342900" indent="-342900">
+              <a:lnSpc>
+                <a:spcPct val="150000"/>
+              </a:lnSpc>
+              <a:buFont typeface="Arial" panose="020B0604020202020204" pitchFamily="34" charset="0"/>
+              <a:buChar char="•"/>
+            </a:pPr>
+            <a:endParaRPr lang="en-US" sz="2500" dirty="0">
+              <a:latin typeface="Times New Roman" panose="02020603050405020304" pitchFamily="18" charset="0"/>
+              <a:cs typeface="Times New Roman" panose="02020603050405020304" pitchFamily="18" charset="0"/>
+            </a:endParaRPr>
+          </a:p>
+          <a:p>
+            <a:pPr marL="342900" indent="-342900">
+              <a:lnSpc>
+                <a:spcPct val="150000"/>
+              </a:lnSpc>
+              <a:buFont typeface="Arial" panose="020B0604020202020204" pitchFamily="34" charset="0"/>
+              <a:buChar char="•"/>
+            </a:pPr>
+            <a:endParaRPr lang="en-US" sz="2500" dirty="0">
+              <a:latin typeface="Times New Roman" panose="02020603050405020304" pitchFamily="18" charset="0"/>
+              <a:cs typeface="Times New Roman" panose="02020603050405020304" pitchFamily="18" charset="0"/>
+            </a:endParaRPr>
+          </a:p>
+          <a:p>
+            <a:pPr marL="342900" indent="-342900">
+              <a:lnSpc>
+                <a:spcPct val="150000"/>
+              </a:lnSpc>
+              <a:buFont typeface="Arial" panose="020B0604020202020204" pitchFamily="34" charset="0"/>
+              <a:buChar char="•"/>
+            </a:pPr>
+            <a:endParaRPr lang="en-US" sz="2500" dirty="0">
+              <a:latin typeface="Times New Roman" panose="02020603050405020304" pitchFamily="18" charset="0"/>
+              <a:cs typeface="Times New Roman" panose="02020603050405020304" pitchFamily="18" charset="0"/>
+            </a:endParaRPr>
+          </a:p>
+        </p:txBody>
+      </p:sp>
+    </p:spTree>
+    <p:extLst>
+      <p:ext uri="{BB962C8B-B14F-4D97-AF65-F5344CB8AC3E}">
+        <p14:creationId xmlns:p14="http://schemas.microsoft.com/office/powerpoint/2010/main" val="1678229571"/>
+      </p:ext>
+    </p:extLst>
+  </p:cSld>
+  <p:clrMapOvr>
+    <a:masterClrMapping/>
+  </p:clrMapOvr>
+</p:sld>
+</file>
+
+<file path=ppt/slides/slide14.xml><?xml version="1.0" encoding="utf-8"?>
+<p:sld xmlns:a="http://schemas.openxmlformats.org/drawingml/2006/main" xmlns:r="http://schemas.openxmlformats.org/officeDocument/2006/relationships" xmlns:p="http://schemas.openxmlformats.org/presentationml/2006/main">
+  <p:cSld>
+    <p:spTree>
+      <p:nvGrpSpPr>
+        <p:cNvPr id="1" name="">
+          <a:extLst>
+            <a:ext uri="{FF2B5EF4-FFF2-40B4-BE49-F238E27FC236}">
+              <a16:creationId xmlns:a16="http://schemas.microsoft.com/office/drawing/2014/main" id="{677D769B-0714-C7F2-0C3E-1B2BB5B91E5E}"/>
+            </a:ext>
+          </a:extLst>
+        </p:cNvPr>
+        <p:cNvGrpSpPr/>
+        <p:nvPr/>
+      </p:nvGrpSpPr>
+      <p:grpSpPr>
+        <a:xfrm>
+          <a:off x="0" y="0"/>
+          <a:ext cx="0" cy="0"/>
+          <a:chOff x="0" y="0"/>
+          <a:chExt cx="0" cy="0"/>
+        </a:xfrm>
+      </p:grpSpPr>
+      <p:sp>
+        <p:nvSpPr>
+          <p:cNvPr id="2" name="Title 1">
+            <a:extLst>
+              <a:ext uri="{FF2B5EF4-FFF2-40B4-BE49-F238E27FC236}">
+                <a16:creationId xmlns:a16="http://schemas.microsoft.com/office/drawing/2014/main" id="{1CF290F7-1B27-0909-B1F7-8C166FD2D0A2}"/>
+              </a:ext>
+            </a:extLst>
+          </p:cNvPr>
+          <p:cNvSpPr>
+            <a:spLocks noGrp="1"/>
+          </p:cNvSpPr>
+          <p:nvPr>
+            <p:ph type="ctrTitle"/>
+          </p:nvPr>
+        </p:nvSpPr>
+        <p:spPr>
+          <a:xfrm>
+            <a:off x="1902542" y="129135"/>
+            <a:ext cx="8589246" cy="990217"/>
+          </a:xfrm>
+        </p:spPr>
+        <p:txBody>
+          <a:bodyPr>
+            <a:normAutofit/>
+          </a:bodyPr>
+          <a:lstStyle/>
+          <a:p>
+            <a:r>
+              <a:rPr lang="en-US" dirty="0">
+                <a:solidFill>
+                  <a:srgbClr val="7030A0"/>
+                </a:solidFill>
+              </a:rPr>
+              <a:t>spectral </a:t>
+            </a:r>
+            <a:r>
+              <a:rPr lang="en-US" dirty="0" err="1">
+                <a:solidFill>
+                  <a:srgbClr val="7030A0"/>
+                </a:solidFill>
+              </a:rPr>
+              <a:t>CLustering</a:t>
+            </a:r>
+            <a:endParaRPr lang="en-IN" dirty="0">
+              <a:solidFill>
+                <a:srgbClr val="7030A0"/>
+              </a:solidFill>
+            </a:endParaRPr>
+          </a:p>
+        </p:txBody>
+      </p:sp>
+      <p:sp>
+        <p:nvSpPr>
+          <p:cNvPr id="7" name="TextBox 6">
+            <a:extLst>
+              <a:ext uri="{FF2B5EF4-FFF2-40B4-BE49-F238E27FC236}">
+                <a16:creationId xmlns:a16="http://schemas.microsoft.com/office/drawing/2014/main" id="{5631EBD9-6E0F-C964-8E7B-9EA735D7E817}"/>
+              </a:ext>
+            </a:extLst>
+          </p:cNvPr>
+          <p:cNvSpPr txBox="1"/>
+          <p:nvPr/>
+        </p:nvSpPr>
+        <p:spPr>
+          <a:xfrm>
+            <a:off x="1506333" y="1119353"/>
+            <a:ext cx="8985455" cy="3170099"/>
+          </a:xfrm>
+          <a:prstGeom prst="rect">
+            <a:avLst/>
+          </a:prstGeom>
+          <a:noFill/>
+        </p:spPr>
+        <p:txBody>
+          <a:bodyPr wrap="square">
+            <a:spAutoFit/>
+          </a:bodyPr>
+          <a:lstStyle/>
+          <a:p>
+            <a:r>
+              <a:rPr lang="en-IN" sz="2000" b="1" dirty="0">
+                <a:latin typeface="Times New Roman" panose="02020603050405020304" pitchFamily="18" charset="0"/>
+                <a:cs typeface="Times New Roman" panose="02020603050405020304" pitchFamily="18" charset="0"/>
+              </a:rPr>
+              <a:t>Advantages</a:t>
+            </a:r>
+            <a:r>
+              <a:rPr lang="en-IN" sz="2000" dirty="0">
+                <a:latin typeface="Times New Roman" panose="02020603050405020304" pitchFamily="18" charset="0"/>
+                <a:cs typeface="Times New Roman" panose="02020603050405020304" pitchFamily="18" charset="0"/>
+              </a:rPr>
+              <a:t>:</a:t>
+            </a:r>
+          </a:p>
+          <a:p>
+            <a:endParaRPr lang="en-IN" sz="2000" dirty="0">
+              <a:latin typeface="Times New Roman" panose="02020603050405020304" pitchFamily="18" charset="0"/>
+              <a:cs typeface="Times New Roman" panose="02020603050405020304" pitchFamily="18" charset="0"/>
+            </a:endParaRPr>
+          </a:p>
+          <a:p>
+            <a:pPr marL="285750" indent="-285750">
+              <a:buFont typeface="Arial" panose="020B0604020202020204" pitchFamily="34" charset="0"/>
+              <a:buChar char="•"/>
+            </a:pPr>
+            <a:r>
+              <a:rPr lang="en-US" sz="2000" dirty="0">
+                <a:latin typeface="Times New Roman" panose="02020603050405020304" pitchFamily="18" charset="0"/>
+                <a:cs typeface="Times New Roman" panose="02020603050405020304" pitchFamily="18" charset="0"/>
+              </a:rPr>
+              <a:t>Scalability</a:t>
+            </a:r>
+          </a:p>
+          <a:p>
+            <a:pPr marL="285750" indent="-285750">
+              <a:buFont typeface="Arial" panose="020B0604020202020204" pitchFamily="34" charset="0"/>
+              <a:buChar char="•"/>
+            </a:pPr>
+            <a:r>
+              <a:rPr lang="en-US" sz="2000" dirty="0">
+                <a:latin typeface="Times New Roman" panose="02020603050405020304" pitchFamily="18" charset="0"/>
+                <a:cs typeface="Times New Roman" panose="02020603050405020304" pitchFamily="18" charset="0"/>
+              </a:rPr>
+              <a:t>Robustness</a:t>
+            </a:r>
+          </a:p>
+          <a:p>
+            <a:pPr marL="285750" indent="-285750">
+              <a:buFont typeface="Arial" panose="020B0604020202020204" pitchFamily="34" charset="0"/>
+              <a:buChar char="•"/>
+            </a:pPr>
+            <a:r>
+              <a:rPr lang="en-US" sz="2000" dirty="0">
+                <a:latin typeface="Times New Roman" panose="02020603050405020304" pitchFamily="18" charset="0"/>
+                <a:cs typeface="Times New Roman" panose="02020603050405020304" pitchFamily="18" charset="0"/>
+              </a:rPr>
+              <a:t>Flexibility</a:t>
+            </a:r>
+          </a:p>
+          <a:p>
+            <a:endParaRPr lang="en-US" sz="2000" dirty="0">
+              <a:latin typeface="Times New Roman" panose="02020603050405020304" pitchFamily="18" charset="0"/>
+              <a:cs typeface="Times New Roman" panose="02020603050405020304" pitchFamily="18" charset="0"/>
+            </a:endParaRPr>
+          </a:p>
+          <a:p>
+            <a:r>
+              <a:rPr lang="en-US" sz="2000" b="1" dirty="0">
+                <a:latin typeface="Times New Roman" panose="02020603050405020304" pitchFamily="18" charset="0"/>
+                <a:cs typeface="Times New Roman" panose="02020603050405020304" pitchFamily="18" charset="0"/>
+              </a:rPr>
+              <a:t>Disadvantages</a:t>
+            </a:r>
+            <a:r>
+              <a:rPr lang="en-US" sz="2000" dirty="0">
+                <a:latin typeface="Times New Roman" panose="02020603050405020304" pitchFamily="18" charset="0"/>
+                <a:cs typeface="Times New Roman" panose="02020603050405020304" pitchFamily="18" charset="0"/>
+              </a:rPr>
+              <a:t>:</a:t>
+            </a:r>
+          </a:p>
+          <a:p>
+            <a:pPr marL="342900" indent="-342900">
+              <a:buFont typeface="Arial" panose="020B0604020202020204" pitchFamily="34" charset="0"/>
+              <a:buChar char="•"/>
+            </a:pPr>
+            <a:r>
+              <a:rPr lang="en-US" sz="2000" dirty="0">
+                <a:latin typeface="Times New Roman" panose="02020603050405020304" pitchFamily="18" charset="0"/>
+                <a:cs typeface="Times New Roman" panose="02020603050405020304" pitchFamily="18" charset="0"/>
+              </a:rPr>
+              <a:t>Complexity</a:t>
+            </a:r>
+          </a:p>
+          <a:p>
+            <a:pPr marL="342900" indent="-342900">
+              <a:buFont typeface="Arial" panose="020B0604020202020204" pitchFamily="34" charset="0"/>
+              <a:buChar char="•"/>
+            </a:pPr>
+            <a:r>
+              <a:rPr lang="en-US" sz="2000" dirty="0">
+                <a:latin typeface="Times New Roman" panose="02020603050405020304" pitchFamily="18" charset="0"/>
+                <a:cs typeface="Times New Roman" panose="02020603050405020304" pitchFamily="18" charset="0"/>
+              </a:rPr>
+              <a:t>Model Selection</a:t>
+            </a:r>
+            <a:endParaRPr lang="en-IN" sz="2000" dirty="0">
+              <a:latin typeface="Times New Roman" panose="02020603050405020304" pitchFamily="18" charset="0"/>
+              <a:cs typeface="Times New Roman" panose="02020603050405020304" pitchFamily="18" charset="0"/>
+            </a:endParaRPr>
+          </a:p>
+          <a:p>
+            <a:endParaRPr lang="en-IN" sz="2000" dirty="0"/>
+          </a:p>
+        </p:txBody>
+      </p:sp>
+      <p:sp>
+        <p:nvSpPr>
+          <p:cNvPr id="8" name="Rectangle 1">
+            <a:extLst>
+              <a:ext uri="{FF2B5EF4-FFF2-40B4-BE49-F238E27FC236}">
+                <a16:creationId xmlns:a16="http://schemas.microsoft.com/office/drawing/2014/main" id="{2615888C-2023-26A5-B3DD-B055E7654DD0}"/>
+              </a:ext>
+            </a:extLst>
+          </p:cNvPr>
+          <p:cNvSpPr>
+            <a:spLocks noChangeArrowheads="1"/>
+          </p:cNvSpPr>
+          <p:nvPr/>
+        </p:nvSpPr>
+        <p:spPr bwMode="auto">
+          <a:xfrm>
+            <a:off x="0" y="-273910"/>
+            <a:ext cx="65" cy="547821"/>
+          </a:xfrm>
+          <a:prstGeom prst="rect">
+            <a:avLst/>
+          </a:prstGeom>
+          <a:solidFill>
+            <a:srgbClr val="FFFFFF"/>
+          </a:solidFill>
+          <a:ln>
+            <a:noFill/>
+          </a:ln>
+          <a:effectLst/>
+          <a:extLst>
+            <a:ext uri="{91240B29-F687-4F45-9708-019B960494DF}">
+              <a14:hiddenLine xmlns:a14="http://schemas.microsoft.com/office/drawing/2010/main" w="9525">
+                <a:solidFill>
+                  <a:schemeClr val="tx1"/>
+                </a:solidFill>
+                <a:miter lim="800000"/>
+                <a:headEnd/>
+                <a:tailEnd/>
+              </a14:hiddenLine>
+            </a:ext>
+            <a:ext uri="{AF507438-7753-43E0-B8FC-AC1667EBCBE1}">
+              <a14:hiddenEffects xmlns:a14="http://schemas.microsoft.com/office/drawing/2010/main">
+                <a:effectLst>
+                  <a:outerShdw dist="35921" dir="2700000" algn="ctr" rotWithShape="0">
+                    <a:schemeClr val="bg2"/>
+                  </a:outerShdw>
+                </a:effectLst>
+              </a14:hiddenEffects>
+            </a:ext>
+          </a:extLst>
+        </p:spPr>
+        <p:txBody>
+          <a:bodyPr vert="horz" wrap="none" lIns="0" tIns="88872" rIns="0" bIns="179331" numCol="1" anchor="ctr" anchorCtr="0" compatLnSpc="1">
+            <a:prstTxWarp prst="textNoShape">
+              <a:avLst/>
+            </a:prstTxWarp>
+            <a:spAutoFit/>
+          </a:bodyPr>
+          <a:lstStyle/>
+          <a:p>
+            <a:pPr marL="0" marR="0" lvl="0" indent="0" algn="l" defTabSz="914400" rtl="0" eaLnBrk="0" fontAlgn="base" latinLnBrk="0" hangingPunct="0">
+              <a:lnSpc>
+                <a:spcPct val="100000"/>
+              </a:lnSpc>
+              <a:spcBef>
+                <a:spcPct val="0"/>
+              </a:spcBef>
+              <a:spcAft>
+                <a:spcPct val="0"/>
+              </a:spcAft>
+              <a:buClrTx/>
+              <a:buSzTx/>
+              <a:buFontTx/>
+              <a:buNone/>
+              <a:tabLst/>
+            </a:pPr>
+            <a:endParaRPr kumimoji="0" lang="en-US" altLang="en-US" sz="1800" b="0" i="0" u="none" strike="noStrike" cap="none" normalizeH="0" baseline="0" dirty="0">
+              <a:ln>
+                <a:noFill/>
+              </a:ln>
+              <a:solidFill>
+                <a:schemeClr val="tx1"/>
+              </a:solidFill>
+              <a:effectLst/>
+              <a:latin typeface="Arial" panose="020B0604020202020204" pitchFamily="34" charset="0"/>
+            </a:endParaRPr>
+          </a:p>
+        </p:txBody>
+      </p:sp>
+      <p:pic>
+        <p:nvPicPr>
+          <p:cNvPr id="4" name="Picture 3">
+            <a:extLst>
+              <a:ext uri="{FF2B5EF4-FFF2-40B4-BE49-F238E27FC236}">
+                <a16:creationId xmlns:a16="http://schemas.microsoft.com/office/drawing/2014/main" id="{392091D1-6824-BFDC-B8FF-9D9C0C724988}"/>
+              </a:ext>
+            </a:extLst>
+          </p:cNvPr>
+          <p:cNvPicPr>
+            <a:picLocks noChangeAspect="1"/>
+          </p:cNvPicPr>
+          <p:nvPr/>
+        </p:nvPicPr>
+        <p:blipFill>
+          <a:blip r:embed="rId2"/>
+          <a:stretch>
+            <a:fillRect/>
+          </a:stretch>
+        </p:blipFill>
+        <p:spPr>
+          <a:xfrm>
+            <a:off x="2622294" y="4289452"/>
+            <a:ext cx="5843280" cy="953346"/>
+          </a:xfrm>
+          <a:prstGeom prst="rect">
+            <a:avLst/>
+          </a:prstGeom>
+        </p:spPr>
+      </p:pic>
+    </p:spTree>
+    <p:extLst>
+      <p:ext uri="{BB962C8B-B14F-4D97-AF65-F5344CB8AC3E}">
+        <p14:creationId xmlns:p14="http://schemas.microsoft.com/office/powerpoint/2010/main" val="3381523752"/>
+      </p:ext>
+    </p:extLst>
+  </p:cSld>
+  <p:clrMapOvr>
+    <a:masterClrMapping/>
+  </p:clrMapOvr>
+</p:sld>
+</file>
+
+<file path=ppt/slides/slide15.xml><?xml version="1.0" encoding="utf-8"?>
+<p:sld xmlns:a="http://schemas.openxmlformats.org/drawingml/2006/main" xmlns:r="http://schemas.openxmlformats.org/officeDocument/2006/relationships" xmlns:p="http://schemas.openxmlformats.org/presentationml/2006/main">
+  <p:cSld>
+    <p:spTree>
+      <p:nvGrpSpPr>
+        <p:cNvPr id="1" name="">
+          <a:extLst>
+            <a:ext uri="{FF2B5EF4-FFF2-40B4-BE49-F238E27FC236}">
+              <a16:creationId xmlns:a16="http://schemas.microsoft.com/office/drawing/2014/main" id="{43D3E17C-ECDD-E4CA-6BCF-DC9496DD8C97}"/>
+            </a:ext>
+          </a:extLst>
+        </p:cNvPr>
+        <p:cNvGrpSpPr/>
+        <p:nvPr/>
+      </p:nvGrpSpPr>
+      <p:grpSpPr>
+        <a:xfrm>
+          <a:off x="0" y="0"/>
+          <a:ext cx="0" cy="0"/>
+          <a:chOff x="0" y="0"/>
+          <a:chExt cx="0" cy="0"/>
+        </a:xfrm>
+      </p:grpSpPr>
+      <p:sp>
+        <p:nvSpPr>
+          <p:cNvPr id="2" name="Title 1">
+            <a:extLst>
+              <a:ext uri="{FF2B5EF4-FFF2-40B4-BE49-F238E27FC236}">
+                <a16:creationId xmlns:a16="http://schemas.microsoft.com/office/drawing/2014/main" id="{6510DC78-C3DF-1226-9C1C-622C7021854C}"/>
+              </a:ext>
+            </a:extLst>
+          </p:cNvPr>
+          <p:cNvSpPr>
+            <a:spLocks noGrp="1"/>
+          </p:cNvSpPr>
+          <p:nvPr>
+            <p:ph type="ctrTitle"/>
+          </p:nvPr>
+        </p:nvSpPr>
+        <p:spPr>
+          <a:xfrm>
+            <a:off x="2020529" y="0"/>
+            <a:ext cx="9105439" cy="990217"/>
+          </a:xfrm>
+        </p:spPr>
+        <p:txBody>
+          <a:bodyPr>
+            <a:normAutofit/>
+          </a:bodyPr>
+          <a:lstStyle/>
+          <a:p>
+            <a:r>
+              <a:rPr lang="en-US" dirty="0">
+                <a:solidFill>
+                  <a:srgbClr val="7030A0"/>
+                </a:solidFill>
+              </a:rPr>
+              <a:t>Spectral </a:t>
+            </a:r>
+            <a:r>
+              <a:rPr lang="en-US" dirty="0" err="1">
+                <a:solidFill>
+                  <a:srgbClr val="7030A0"/>
+                </a:solidFill>
+              </a:rPr>
+              <a:t>CLustering</a:t>
+            </a:r>
+            <a:endParaRPr lang="en-IN" dirty="0">
+              <a:solidFill>
+                <a:srgbClr val="7030A0"/>
+              </a:solidFill>
+            </a:endParaRPr>
+          </a:p>
+        </p:txBody>
+      </p:sp>
+      <p:sp>
+        <p:nvSpPr>
+          <p:cNvPr id="5" name="TextBox 4">
+            <a:extLst>
+              <a:ext uri="{FF2B5EF4-FFF2-40B4-BE49-F238E27FC236}">
+                <a16:creationId xmlns:a16="http://schemas.microsoft.com/office/drawing/2014/main" id="{1FA59CB6-833C-703F-95DD-152BEB49BAF3}"/>
+              </a:ext>
+            </a:extLst>
+          </p:cNvPr>
+          <p:cNvSpPr txBox="1"/>
+          <p:nvPr/>
+        </p:nvSpPr>
+        <p:spPr>
+          <a:xfrm>
+            <a:off x="861509" y="1358388"/>
+            <a:ext cx="5583536" cy="1754455"/>
+          </a:xfrm>
+          <a:prstGeom prst="rect">
+            <a:avLst/>
+          </a:prstGeom>
+          <a:noFill/>
+        </p:spPr>
+        <p:txBody>
+          <a:bodyPr wrap="square" rtlCol="0">
+            <a:spAutoFit/>
+          </a:bodyPr>
+          <a:lstStyle/>
+          <a:p>
+            <a:pPr marL="342900" indent="-342900">
+              <a:lnSpc>
+                <a:spcPct val="150000"/>
+              </a:lnSpc>
+              <a:buFont typeface="Arial" panose="020B0604020202020204" pitchFamily="34" charset="0"/>
+              <a:buChar char="•"/>
+            </a:pPr>
+            <a:endParaRPr lang="en-US" sz="2500" dirty="0">
+              <a:latin typeface="Times New Roman" panose="02020603050405020304" pitchFamily="18" charset="0"/>
+              <a:cs typeface="Times New Roman" panose="02020603050405020304" pitchFamily="18" charset="0"/>
+            </a:endParaRPr>
+          </a:p>
+          <a:p>
+            <a:pPr marL="342900" indent="-342900">
+              <a:lnSpc>
+                <a:spcPct val="150000"/>
+              </a:lnSpc>
+              <a:buFont typeface="Arial" panose="020B0604020202020204" pitchFamily="34" charset="0"/>
+              <a:buChar char="•"/>
+            </a:pPr>
+            <a:endParaRPr lang="en-US" sz="2500" dirty="0">
+              <a:latin typeface="Times New Roman" panose="02020603050405020304" pitchFamily="18" charset="0"/>
+              <a:cs typeface="Times New Roman" panose="02020603050405020304" pitchFamily="18" charset="0"/>
+            </a:endParaRPr>
+          </a:p>
+          <a:p>
+            <a:pPr>
+              <a:lnSpc>
+                <a:spcPct val="150000"/>
+              </a:lnSpc>
+            </a:pPr>
+            <a:endParaRPr lang="en-IN" sz="2500" dirty="0">
+              <a:latin typeface="Times New Roman" panose="02020603050405020304" pitchFamily="18" charset="0"/>
+              <a:cs typeface="Times New Roman" panose="02020603050405020304" pitchFamily="18" charset="0"/>
+            </a:endParaRPr>
+          </a:p>
+        </p:txBody>
+      </p:sp>
+      <p:pic>
+        <p:nvPicPr>
+          <p:cNvPr id="8" name="Picture 7">
+            <a:extLst>
+              <a:ext uri="{FF2B5EF4-FFF2-40B4-BE49-F238E27FC236}">
+                <a16:creationId xmlns:a16="http://schemas.microsoft.com/office/drawing/2014/main" id="{A3A548A2-F64A-BF5D-6D94-A314AB1DFEF0}"/>
+              </a:ext>
+            </a:extLst>
+          </p:cNvPr>
+          <p:cNvPicPr>
+            <a:picLocks noChangeAspect="1"/>
+          </p:cNvPicPr>
+          <p:nvPr/>
+        </p:nvPicPr>
+        <p:blipFill>
+          <a:blip r:embed="rId2"/>
+          <a:stretch>
+            <a:fillRect/>
+          </a:stretch>
+        </p:blipFill>
+        <p:spPr>
+          <a:xfrm>
+            <a:off x="2300748" y="1358388"/>
+            <a:ext cx="5754944" cy="4592329"/>
+          </a:xfrm>
+          <a:prstGeom prst="rect">
+            <a:avLst/>
+          </a:prstGeom>
+        </p:spPr>
+      </p:pic>
+    </p:spTree>
+    <p:extLst>
+      <p:ext uri="{BB962C8B-B14F-4D97-AF65-F5344CB8AC3E}">
+        <p14:creationId xmlns:p14="http://schemas.microsoft.com/office/powerpoint/2010/main" val="3943900199"/>
+      </p:ext>
+    </p:extLst>
+  </p:cSld>
+  <p:clrMapOvr>
+    <a:masterClrMapping/>
+  </p:clrMapOvr>
+</p:sld>
+</file>
+
+<file path=ppt/slides/slide16.xml><?xml version="1.0" encoding="utf-8"?>
+<p:sld xmlns:a="http://schemas.openxmlformats.org/drawingml/2006/main" xmlns:r="http://schemas.openxmlformats.org/officeDocument/2006/relationships" xmlns:p="http://schemas.openxmlformats.org/presentationml/2006/main">
+  <p:cSld>
+    <p:spTree>
+      <p:nvGrpSpPr>
+        <p:cNvPr id="1" name="">
+          <a:extLst>
+            <a:ext uri="{FF2B5EF4-FFF2-40B4-BE49-F238E27FC236}">
+              <a16:creationId xmlns:a16="http://schemas.microsoft.com/office/drawing/2014/main" id="{844AD91C-D507-1F43-EA26-61AA239D95BE}"/>
+            </a:ext>
+          </a:extLst>
+        </p:cNvPr>
+        <p:cNvGrpSpPr/>
+        <p:nvPr/>
+      </p:nvGrpSpPr>
+      <p:grpSpPr>
+        <a:xfrm>
+          <a:off x="0" y="0"/>
+          <a:ext cx="0" cy="0"/>
+          <a:chOff x="0" y="0"/>
+          <a:chExt cx="0" cy="0"/>
+        </a:xfrm>
+      </p:grpSpPr>
+      <p:sp>
+        <p:nvSpPr>
+          <p:cNvPr id="2" name="Title 1">
+            <a:extLst>
+              <a:ext uri="{FF2B5EF4-FFF2-40B4-BE49-F238E27FC236}">
+                <a16:creationId xmlns:a16="http://schemas.microsoft.com/office/drawing/2014/main" id="{547B0573-16F5-851D-C3DB-2A464CBA56C4}"/>
+              </a:ext>
+            </a:extLst>
+          </p:cNvPr>
+          <p:cNvSpPr>
+            <a:spLocks noGrp="1"/>
+          </p:cNvSpPr>
+          <p:nvPr>
+            <p:ph type="ctrTitle"/>
+          </p:nvPr>
+        </p:nvSpPr>
+        <p:spPr>
+          <a:xfrm>
+            <a:off x="2138517" y="247122"/>
+            <a:ext cx="7064477" cy="990217"/>
+          </a:xfrm>
+        </p:spPr>
+        <p:txBody>
+          <a:bodyPr>
+            <a:normAutofit/>
+          </a:bodyPr>
+          <a:lstStyle/>
+          <a:p>
+            <a:r>
+              <a:rPr lang="en-IN" dirty="0" err="1">
+                <a:solidFill>
+                  <a:srgbClr val="0070C0"/>
+                </a:solidFill>
+              </a:rPr>
+              <a:t>DBScan</a:t>
+            </a:r>
+            <a:r>
+              <a:rPr lang="en-IN" dirty="0">
+                <a:solidFill>
+                  <a:srgbClr val="0070C0"/>
+                </a:solidFill>
+              </a:rPr>
+              <a:t> clustering</a:t>
+            </a:r>
+          </a:p>
+        </p:txBody>
+      </p:sp>
+      <p:sp>
+        <p:nvSpPr>
+          <p:cNvPr id="8" name="TextBox 7">
+            <a:extLst>
+              <a:ext uri="{FF2B5EF4-FFF2-40B4-BE49-F238E27FC236}">
+                <a16:creationId xmlns:a16="http://schemas.microsoft.com/office/drawing/2014/main" id="{61C9CA53-47B7-284A-2DC1-051F8CD42031}"/>
+              </a:ext>
+            </a:extLst>
+          </p:cNvPr>
+          <p:cNvSpPr txBox="1"/>
+          <p:nvPr/>
+        </p:nvSpPr>
+        <p:spPr>
+          <a:xfrm>
+            <a:off x="979497" y="1614695"/>
+            <a:ext cx="12076386" cy="6371103"/>
+          </a:xfrm>
+          <a:prstGeom prst="rect">
+            <a:avLst/>
+          </a:prstGeom>
+          <a:noFill/>
+        </p:spPr>
+        <p:txBody>
+          <a:bodyPr wrap="square" rtlCol="0">
+            <a:spAutoFit/>
+          </a:bodyPr>
+          <a:lstStyle/>
+          <a:p>
+            <a:pPr marL="342900" indent="-342900">
+              <a:lnSpc>
+                <a:spcPct val="150000"/>
+              </a:lnSpc>
+              <a:buFont typeface="Arial" panose="020B0604020202020204" pitchFamily="34" charset="0"/>
+              <a:buChar char="•"/>
+            </a:pPr>
+            <a:r>
+              <a:rPr lang="en-US" sz="2500" dirty="0">
+                <a:latin typeface="Times New Roman" panose="02020603050405020304" pitchFamily="18" charset="0"/>
+                <a:cs typeface="Times New Roman" panose="02020603050405020304" pitchFamily="18" charset="0"/>
+              </a:rPr>
+              <a:t>Density-Based Spatial Clustering of Applications with Noise </a:t>
+            </a:r>
+          </a:p>
+          <a:p>
+            <a:pPr marL="342900" indent="-342900">
+              <a:lnSpc>
+                <a:spcPct val="150000"/>
+              </a:lnSpc>
+              <a:buFont typeface="Arial" panose="020B0604020202020204" pitchFamily="34" charset="0"/>
+              <a:buChar char="•"/>
+            </a:pPr>
+            <a:r>
+              <a:rPr lang="en-US" sz="2500" dirty="0">
+                <a:latin typeface="Times New Roman" panose="02020603050405020304" pitchFamily="18" charset="0"/>
+                <a:cs typeface="Times New Roman" panose="02020603050405020304" pitchFamily="18" charset="0"/>
+              </a:rPr>
+              <a:t>Group points that are closely packed together in dataspace</a:t>
+            </a:r>
+          </a:p>
+          <a:p>
+            <a:pPr marL="342900" indent="-342900">
+              <a:lnSpc>
+                <a:spcPct val="150000"/>
+              </a:lnSpc>
+              <a:buFont typeface="Arial" panose="020B0604020202020204" pitchFamily="34" charset="0"/>
+              <a:buChar char="•"/>
+            </a:pPr>
+            <a:r>
+              <a:rPr lang="en-IN" sz="2500" dirty="0">
+                <a:latin typeface="Times New Roman" panose="02020603050405020304" pitchFamily="18" charset="0"/>
+                <a:cs typeface="Times New Roman" panose="02020603050405020304" pitchFamily="18" charset="0"/>
+              </a:rPr>
+              <a:t>clusters can be found in any shape and convex shaped</a:t>
+            </a:r>
+            <a:r>
+              <a:rPr lang="en-IN" dirty="0"/>
+              <a:t>. </a:t>
+            </a:r>
+          </a:p>
+          <a:p>
+            <a:pPr marL="342900" indent="-342900">
+              <a:lnSpc>
+                <a:spcPct val="150000"/>
+              </a:lnSpc>
+              <a:buFont typeface="Arial" panose="020B0604020202020204" pitchFamily="34" charset="0"/>
+              <a:buChar char="•"/>
+            </a:pPr>
+            <a:r>
+              <a:rPr lang="en-US" sz="2500" dirty="0">
+                <a:latin typeface="Times New Roman" panose="02020603050405020304" pitchFamily="18" charset="0"/>
+                <a:cs typeface="Times New Roman" panose="02020603050405020304" pitchFamily="18" charset="0"/>
+              </a:rPr>
+              <a:t>views clusters as areas of high density separated by areas of low density</a:t>
+            </a:r>
+            <a:r>
+              <a:rPr lang="en-US" dirty="0"/>
+              <a:t>.</a:t>
+            </a:r>
+          </a:p>
+          <a:p>
+            <a:pPr marL="342900" indent="-342900">
+              <a:lnSpc>
+                <a:spcPct val="150000"/>
+              </a:lnSpc>
+              <a:buFont typeface="Arial" panose="020B0604020202020204" pitchFamily="34" charset="0"/>
+              <a:buChar char="•"/>
+            </a:pPr>
+            <a:r>
+              <a:rPr lang="en-US" sz="2500" dirty="0">
+                <a:latin typeface="Times New Roman" panose="02020603050405020304" pitchFamily="18" charset="0"/>
+                <a:cs typeface="Times New Roman" panose="02020603050405020304" pitchFamily="18" charset="0"/>
+              </a:rPr>
+              <a:t>Finds core samples of high density and expands clusters from them</a:t>
+            </a:r>
+          </a:p>
+          <a:p>
+            <a:pPr marL="342900" indent="-342900">
+              <a:lnSpc>
+                <a:spcPct val="150000"/>
+              </a:lnSpc>
+              <a:buFont typeface="Arial" panose="020B0604020202020204" pitchFamily="34" charset="0"/>
+              <a:buChar char="•"/>
+            </a:pPr>
+            <a:endParaRPr lang="en-US" sz="2500" dirty="0">
+              <a:latin typeface="Times New Roman" panose="02020603050405020304" pitchFamily="18" charset="0"/>
+              <a:cs typeface="Times New Roman" panose="02020603050405020304" pitchFamily="18" charset="0"/>
+            </a:endParaRPr>
+          </a:p>
+          <a:p>
+            <a:pPr marL="342900" indent="-342900">
+              <a:lnSpc>
+                <a:spcPct val="150000"/>
+              </a:lnSpc>
+              <a:buFont typeface="Arial" panose="020B0604020202020204" pitchFamily="34" charset="0"/>
+              <a:buChar char="•"/>
+            </a:pPr>
+            <a:endParaRPr lang="en-US" sz="2500" dirty="0">
+              <a:latin typeface="Times New Roman" panose="02020603050405020304" pitchFamily="18" charset="0"/>
+              <a:cs typeface="Times New Roman" panose="02020603050405020304" pitchFamily="18" charset="0"/>
+            </a:endParaRPr>
+          </a:p>
+          <a:p>
+            <a:pPr marL="342900" indent="-342900">
+              <a:lnSpc>
+                <a:spcPct val="150000"/>
+              </a:lnSpc>
+              <a:buFont typeface="Arial" panose="020B0604020202020204" pitchFamily="34" charset="0"/>
+              <a:buChar char="•"/>
+            </a:pPr>
+            <a:endParaRPr lang="en-US" sz="2500" dirty="0">
+              <a:latin typeface="Times New Roman" panose="02020603050405020304" pitchFamily="18" charset="0"/>
+              <a:cs typeface="Times New Roman" panose="02020603050405020304" pitchFamily="18" charset="0"/>
+            </a:endParaRPr>
+          </a:p>
+          <a:p>
+            <a:pPr marL="342900" indent="-342900">
+              <a:lnSpc>
+                <a:spcPct val="150000"/>
+              </a:lnSpc>
+              <a:buFont typeface="Arial" panose="020B0604020202020204" pitchFamily="34" charset="0"/>
+              <a:buChar char="•"/>
+            </a:pPr>
+            <a:endParaRPr lang="en-US" sz="2500" dirty="0">
+              <a:latin typeface="Times New Roman" panose="02020603050405020304" pitchFamily="18" charset="0"/>
+              <a:cs typeface="Times New Roman" panose="02020603050405020304" pitchFamily="18" charset="0"/>
+            </a:endParaRPr>
+          </a:p>
+          <a:p>
+            <a:pPr marL="342900" indent="-342900">
+              <a:lnSpc>
+                <a:spcPct val="150000"/>
+              </a:lnSpc>
+              <a:buFont typeface="Arial" panose="020B0604020202020204" pitchFamily="34" charset="0"/>
+              <a:buChar char="•"/>
+            </a:pPr>
+            <a:endParaRPr lang="en-US" sz="2500" dirty="0">
+              <a:latin typeface="Times New Roman" panose="02020603050405020304" pitchFamily="18" charset="0"/>
+              <a:cs typeface="Times New Roman" panose="02020603050405020304" pitchFamily="18" charset="0"/>
+            </a:endParaRPr>
+          </a:p>
+          <a:p>
+            <a:pPr marL="342900" indent="-342900">
+              <a:lnSpc>
+                <a:spcPct val="150000"/>
+              </a:lnSpc>
+              <a:buFont typeface="Arial" panose="020B0604020202020204" pitchFamily="34" charset="0"/>
+              <a:buChar char="•"/>
+            </a:pPr>
+            <a:endParaRPr lang="en-US" sz="2500" dirty="0">
+              <a:latin typeface="Times New Roman" panose="02020603050405020304" pitchFamily="18" charset="0"/>
+              <a:cs typeface="Times New Roman" panose="02020603050405020304" pitchFamily="18" charset="0"/>
+            </a:endParaRPr>
+          </a:p>
+        </p:txBody>
+      </p:sp>
+    </p:spTree>
+    <p:extLst>
+      <p:ext uri="{BB962C8B-B14F-4D97-AF65-F5344CB8AC3E}">
+        <p14:creationId xmlns:p14="http://schemas.microsoft.com/office/powerpoint/2010/main" val="95178357"/>
+      </p:ext>
+    </p:extLst>
+  </p:cSld>
+  <p:clrMapOvr>
+    <a:masterClrMapping/>
+  </p:clrMapOvr>
+</p:sld>
+</file>
+
+<file path=ppt/slides/slide17.xml><?xml version="1.0" encoding="utf-8"?>
+<p:sld xmlns:a="http://schemas.openxmlformats.org/drawingml/2006/main" xmlns:r="http://schemas.openxmlformats.org/officeDocument/2006/relationships" xmlns:p="http://schemas.openxmlformats.org/presentationml/2006/main">
+  <p:cSld>
+    <p:spTree>
+      <p:nvGrpSpPr>
+        <p:cNvPr id="1" name="">
+          <a:extLst>
+            <a:ext uri="{FF2B5EF4-FFF2-40B4-BE49-F238E27FC236}">
+              <a16:creationId xmlns:a16="http://schemas.microsoft.com/office/drawing/2014/main" id="{574F586F-6C20-7AC8-544F-FFC09CDD21A0}"/>
+            </a:ext>
+          </a:extLst>
+        </p:cNvPr>
+        <p:cNvGrpSpPr/>
+        <p:nvPr/>
+      </p:nvGrpSpPr>
+      <p:grpSpPr>
+        <a:xfrm>
+          <a:off x="0" y="0"/>
+          <a:ext cx="0" cy="0"/>
+          <a:chOff x="0" y="0"/>
+          <a:chExt cx="0" cy="0"/>
+        </a:xfrm>
+      </p:grpSpPr>
+      <p:sp>
+        <p:nvSpPr>
+          <p:cNvPr id="2" name="Title 1">
+            <a:extLst>
+              <a:ext uri="{FF2B5EF4-FFF2-40B4-BE49-F238E27FC236}">
+                <a16:creationId xmlns:a16="http://schemas.microsoft.com/office/drawing/2014/main" id="{2E1005D8-6611-512D-BAFE-B278C7E4CFBC}"/>
+              </a:ext>
+            </a:extLst>
+          </p:cNvPr>
+          <p:cNvSpPr>
+            <a:spLocks noGrp="1"/>
+          </p:cNvSpPr>
+          <p:nvPr>
+            <p:ph type="ctrTitle"/>
+          </p:nvPr>
+        </p:nvSpPr>
+        <p:spPr>
+          <a:xfrm>
+            <a:off x="1902542" y="129135"/>
+            <a:ext cx="8589246" cy="990217"/>
+          </a:xfrm>
+        </p:spPr>
+        <p:txBody>
+          <a:bodyPr>
+            <a:normAutofit/>
+          </a:bodyPr>
+          <a:lstStyle/>
+          <a:p>
+            <a:r>
+              <a:rPr lang="en-IN" dirty="0" err="1">
+                <a:solidFill>
+                  <a:srgbClr val="0070C0"/>
+                </a:solidFill>
+              </a:rPr>
+              <a:t>DBScan</a:t>
+            </a:r>
+            <a:r>
+              <a:rPr lang="en-US" dirty="0">
+                <a:solidFill>
+                  <a:srgbClr val="7030A0"/>
+                </a:solidFill>
+              </a:rPr>
+              <a:t> </a:t>
+            </a:r>
+            <a:r>
+              <a:rPr lang="en-US" dirty="0" err="1">
+                <a:solidFill>
+                  <a:srgbClr val="7030A0"/>
+                </a:solidFill>
+              </a:rPr>
+              <a:t>CLustering</a:t>
+            </a:r>
+            <a:endParaRPr lang="en-IN" dirty="0">
+              <a:solidFill>
+                <a:srgbClr val="7030A0"/>
+              </a:solidFill>
+            </a:endParaRPr>
+          </a:p>
+        </p:txBody>
+      </p:sp>
+      <p:sp>
+        <p:nvSpPr>
+          <p:cNvPr id="8" name="Rectangle 1">
+            <a:extLst>
+              <a:ext uri="{FF2B5EF4-FFF2-40B4-BE49-F238E27FC236}">
+                <a16:creationId xmlns:a16="http://schemas.microsoft.com/office/drawing/2014/main" id="{587B85FD-881C-4305-7412-24EB362F87B6}"/>
+              </a:ext>
+            </a:extLst>
+          </p:cNvPr>
+          <p:cNvSpPr>
+            <a:spLocks noChangeArrowheads="1"/>
+          </p:cNvSpPr>
+          <p:nvPr/>
+        </p:nvSpPr>
+        <p:spPr bwMode="auto">
+          <a:xfrm>
+            <a:off x="0" y="-273910"/>
+            <a:ext cx="65" cy="547821"/>
+          </a:xfrm>
+          <a:prstGeom prst="rect">
+            <a:avLst/>
+          </a:prstGeom>
+          <a:solidFill>
+            <a:srgbClr val="FFFFFF"/>
+          </a:solidFill>
+          <a:ln>
+            <a:noFill/>
+          </a:ln>
+          <a:effectLst/>
+          <a:extLst>
+            <a:ext uri="{91240B29-F687-4F45-9708-019B960494DF}">
+              <a14:hiddenLine xmlns:a14="http://schemas.microsoft.com/office/drawing/2010/main" w="9525">
+                <a:solidFill>
+                  <a:schemeClr val="tx1"/>
+                </a:solidFill>
+                <a:miter lim="800000"/>
+                <a:headEnd/>
+                <a:tailEnd/>
+              </a14:hiddenLine>
+            </a:ext>
+            <a:ext uri="{AF507438-7753-43E0-B8FC-AC1667EBCBE1}">
+              <a14:hiddenEffects xmlns:a14="http://schemas.microsoft.com/office/drawing/2010/main">
+                <a:effectLst>
+                  <a:outerShdw dist="35921" dir="2700000" algn="ctr" rotWithShape="0">
+                    <a:schemeClr val="bg2"/>
+                  </a:outerShdw>
+                </a:effectLst>
+              </a14:hiddenEffects>
+            </a:ext>
+          </a:extLst>
+        </p:spPr>
+        <p:txBody>
+          <a:bodyPr vert="horz" wrap="none" lIns="0" tIns="88872" rIns="0" bIns="179331" numCol="1" anchor="ctr" anchorCtr="0" compatLnSpc="1">
+            <a:prstTxWarp prst="textNoShape">
+              <a:avLst/>
+            </a:prstTxWarp>
+            <a:spAutoFit/>
+          </a:bodyPr>
+          <a:lstStyle/>
+          <a:p>
+            <a:pPr marL="0" marR="0" lvl="0" indent="0" algn="l" defTabSz="914400" rtl="0" eaLnBrk="0" fontAlgn="base" latinLnBrk="0" hangingPunct="0">
+              <a:lnSpc>
+                <a:spcPct val="100000"/>
+              </a:lnSpc>
+              <a:spcBef>
+                <a:spcPct val="0"/>
+              </a:spcBef>
+              <a:spcAft>
+                <a:spcPct val="0"/>
+              </a:spcAft>
+              <a:buClrTx/>
+              <a:buSzTx/>
+              <a:buFontTx/>
+              <a:buNone/>
+              <a:tabLst/>
+            </a:pPr>
+            <a:endParaRPr kumimoji="0" lang="en-US" altLang="en-US" sz="1800" b="0" i="0" u="none" strike="noStrike" cap="none" normalizeH="0" baseline="0" dirty="0">
+              <a:ln>
+                <a:noFill/>
+              </a:ln>
+              <a:solidFill>
+                <a:schemeClr val="tx1"/>
+              </a:solidFill>
+              <a:effectLst/>
+              <a:latin typeface="Arial" panose="020B0604020202020204" pitchFamily="34" charset="0"/>
+            </a:endParaRPr>
+          </a:p>
+        </p:txBody>
+      </p:sp>
+      <p:pic>
+        <p:nvPicPr>
+          <p:cNvPr id="5" name="Picture 4">
+            <a:extLst>
+              <a:ext uri="{FF2B5EF4-FFF2-40B4-BE49-F238E27FC236}">
+                <a16:creationId xmlns:a16="http://schemas.microsoft.com/office/drawing/2014/main" id="{B099A5A5-4CC7-2FF4-E547-F6091271741B}"/>
+              </a:ext>
+            </a:extLst>
+          </p:cNvPr>
+          <p:cNvPicPr>
+            <a:picLocks noChangeAspect="1"/>
+          </p:cNvPicPr>
+          <p:nvPr/>
+        </p:nvPicPr>
+        <p:blipFill>
+          <a:blip r:embed="rId2"/>
+          <a:stretch>
+            <a:fillRect/>
+          </a:stretch>
+        </p:blipFill>
+        <p:spPr>
+          <a:xfrm>
+            <a:off x="2013001" y="2216558"/>
+            <a:ext cx="6909014" cy="990217"/>
+          </a:xfrm>
+          <a:prstGeom prst="rect">
+            <a:avLst/>
+          </a:prstGeom>
+        </p:spPr>
+      </p:pic>
+    </p:spTree>
+    <p:extLst>
+      <p:ext uri="{BB962C8B-B14F-4D97-AF65-F5344CB8AC3E}">
+        <p14:creationId xmlns:p14="http://schemas.microsoft.com/office/powerpoint/2010/main" val="1142429495"/>
+      </p:ext>
+    </p:extLst>
+  </p:cSld>
+  <p:clrMapOvr>
+    <a:masterClrMapping/>
+  </p:clrMapOvr>
+</p:sld>
+</file>
+
+<file path=ppt/slides/slide18.xml><?xml version="1.0" encoding="utf-8"?>
+<p:sld xmlns:a="http://schemas.openxmlformats.org/drawingml/2006/main" xmlns:r="http://schemas.openxmlformats.org/officeDocument/2006/relationships" xmlns:p="http://schemas.openxmlformats.org/presentationml/2006/main">
+  <p:cSld>
+    <p:spTree>
+      <p:nvGrpSpPr>
+        <p:cNvPr id="1" name="">
+          <a:extLst>
+            <a:ext uri="{FF2B5EF4-FFF2-40B4-BE49-F238E27FC236}">
+              <a16:creationId xmlns:a16="http://schemas.microsoft.com/office/drawing/2014/main" id="{0DE13047-15E6-99B2-6FAA-C0E3707E6B40}"/>
+            </a:ext>
+          </a:extLst>
+        </p:cNvPr>
+        <p:cNvGrpSpPr/>
+        <p:nvPr/>
+      </p:nvGrpSpPr>
+      <p:grpSpPr>
+        <a:xfrm>
+          <a:off x="0" y="0"/>
+          <a:ext cx="0" cy="0"/>
+          <a:chOff x="0" y="0"/>
+          <a:chExt cx="0" cy="0"/>
+        </a:xfrm>
+      </p:grpSpPr>
+      <p:sp>
+        <p:nvSpPr>
+          <p:cNvPr id="2" name="Title 1">
+            <a:extLst>
+              <a:ext uri="{FF2B5EF4-FFF2-40B4-BE49-F238E27FC236}">
+                <a16:creationId xmlns:a16="http://schemas.microsoft.com/office/drawing/2014/main" id="{0C701C4F-61A5-08DA-5901-9E16034319D7}"/>
+              </a:ext>
+            </a:extLst>
+          </p:cNvPr>
+          <p:cNvSpPr>
+            <a:spLocks noGrp="1"/>
+          </p:cNvSpPr>
+          <p:nvPr>
+            <p:ph type="ctrTitle"/>
+          </p:nvPr>
+        </p:nvSpPr>
+        <p:spPr>
+          <a:xfrm>
+            <a:off x="2020529" y="0"/>
+            <a:ext cx="9105439" cy="990217"/>
+          </a:xfrm>
+        </p:spPr>
+        <p:txBody>
+          <a:bodyPr>
+            <a:normAutofit/>
+          </a:bodyPr>
+          <a:lstStyle/>
+          <a:p>
+            <a:r>
+              <a:rPr lang="en-IN" dirty="0" err="1">
+                <a:solidFill>
+                  <a:srgbClr val="0070C0"/>
+                </a:solidFill>
+              </a:rPr>
+              <a:t>DBScan</a:t>
+            </a:r>
+            <a:r>
+              <a:rPr lang="en-US" dirty="0">
+                <a:solidFill>
+                  <a:srgbClr val="7030A0"/>
+                </a:solidFill>
+              </a:rPr>
+              <a:t> </a:t>
+            </a:r>
+            <a:r>
+              <a:rPr lang="en-US" dirty="0" err="1">
+                <a:solidFill>
+                  <a:srgbClr val="7030A0"/>
+                </a:solidFill>
+              </a:rPr>
+              <a:t>CLustering</a:t>
+            </a:r>
+            <a:endParaRPr lang="en-IN" dirty="0">
+              <a:solidFill>
+                <a:srgbClr val="7030A0"/>
+              </a:solidFill>
+            </a:endParaRPr>
+          </a:p>
+        </p:txBody>
+      </p:sp>
+      <p:sp>
+        <p:nvSpPr>
+          <p:cNvPr id="5" name="TextBox 4">
+            <a:extLst>
+              <a:ext uri="{FF2B5EF4-FFF2-40B4-BE49-F238E27FC236}">
+                <a16:creationId xmlns:a16="http://schemas.microsoft.com/office/drawing/2014/main" id="{3CD6BA22-EC0D-7F67-EFDD-E8661DCC0FB8}"/>
+              </a:ext>
+            </a:extLst>
+          </p:cNvPr>
+          <p:cNvSpPr txBox="1"/>
+          <p:nvPr/>
+        </p:nvSpPr>
+        <p:spPr>
+          <a:xfrm>
+            <a:off x="294968" y="1220639"/>
+            <a:ext cx="7610168" cy="4416722"/>
+          </a:xfrm>
+          <a:prstGeom prst="rect">
+            <a:avLst/>
+          </a:prstGeom>
+          <a:noFill/>
+        </p:spPr>
+        <p:txBody>
+          <a:bodyPr wrap="square" rtlCol="0">
+            <a:spAutoFit/>
+          </a:bodyPr>
+          <a:lstStyle/>
+          <a:p>
+            <a:r>
+              <a:rPr lang="en-US" sz="2800" b="1" dirty="0">
+                <a:latin typeface="Times New Roman" panose="02020603050405020304" pitchFamily="18" charset="0"/>
+                <a:cs typeface="Times New Roman" panose="02020603050405020304" pitchFamily="18" charset="0"/>
+              </a:rPr>
+              <a:t>Three key concepts:</a:t>
+            </a:r>
+            <a:endParaRPr lang="en-IN" sz="2800" b="1" dirty="0">
+              <a:latin typeface="Times New Roman" panose="02020603050405020304" pitchFamily="18" charset="0"/>
+              <a:cs typeface="Times New Roman" panose="02020603050405020304" pitchFamily="18" charset="0"/>
+            </a:endParaRPr>
+          </a:p>
+          <a:p>
+            <a:endParaRPr lang="en-IN" sz="2800" b="1" dirty="0">
+              <a:latin typeface="Times New Roman" panose="02020603050405020304" pitchFamily="18" charset="0"/>
+              <a:cs typeface="Times New Roman" panose="02020603050405020304" pitchFamily="18" charset="0"/>
+            </a:endParaRPr>
+          </a:p>
+          <a:p>
+            <a:r>
+              <a:rPr lang="en-IN" sz="2800" b="1" dirty="0">
+                <a:latin typeface="Times New Roman" panose="02020603050405020304" pitchFamily="18" charset="0"/>
+                <a:cs typeface="Times New Roman" panose="02020603050405020304" pitchFamily="18" charset="0"/>
+              </a:rPr>
+              <a:t>Core Points:	</a:t>
+            </a:r>
+          </a:p>
+          <a:p>
+            <a:r>
+              <a:rPr lang="en-IN" sz="2800" b="1" dirty="0">
+                <a:latin typeface="Times New Roman" panose="02020603050405020304" pitchFamily="18" charset="0"/>
+                <a:cs typeface="Times New Roman" panose="02020603050405020304" pitchFamily="18" charset="0"/>
+              </a:rPr>
+              <a:t>	</a:t>
+            </a:r>
+            <a:r>
+              <a:rPr lang="en-IN" sz="2400" dirty="0">
+                <a:latin typeface="Times New Roman" panose="02020603050405020304" pitchFamily="18" charset="0"/>
+                <a:cs typeface="Times New Roman" panose="02020603050405020304" pitchFamily="18" charset="0"/>
+              </a:rPr>
+              <a:t>Having minimum number of other points with specified distance</a:t>
+            </a:r>
+          </a:p>
+          <a:p>
+            <a:r>
+              <a:rPr lang="en-IN" sz="2800" b="1" dirty="0">
+                <a:latin typeface="Times New Roman" panose="02020603050405020304" pitchFamily="18" charset="0"/>
+                <a:cs typeface="Times New Roman" panose="02020603050405020304" pitchFamily="18" charset="0"/>
+              </a:rPr>
+              <a:t>Border Points:</a:t>
+            </a:r>
+          </a:p>
+          <a:p>
+            <a:r>
+              <a:rPr lang="en-IN" sz="2800" b="1" dirty="0">
+                <a:latin typeface="Times New Roman" panose="02020603050405020304" pitchFamily="18" charset="0"/>
+                <a:cs typeface="Times New Roman" panose="02020603050405020304" pitchFamily="18" charset="0"/>
+              </a:rPr>
+              <a:t>	</a:t>
+            </a:r>
+            <a:r>
+              <a:rPr lang="en-IN" sz="2400" dirty="0">
+                <a:latin typeface="Times New Roman" panose="02020603050405020304" pitchFamily="18" charset="0"/>
+                <a:cs typeface="Times New Roman" panose="02020603050405020304" pitchFamily="18" charset="0"/>
+              </a:rPr>
+              <a:t>Points within the distance of core point</a:t>
+            </a:r>
+          </a:p>
+          <a:p>
+            <a:r>
+              <a:rPr lang="en-IN" sz="2800" b="1" dirty="0">
+                <a:latin typeface="Times New Roman" panose="02020603050405020304" pitchFamily="18" charset="0"/>
+                <a:cs typeface="Times New Roman" panose="02020603050405020304" pitchFamily="18" charset="0"/>
+              </a:rPr>
+              <a:t>Noise Points</a:t>
+            </a:r>
+          </a:p>
+          <a:p>
+            <a:r>
+              <a:rPr lang="en-IN" sz="2800" b="1" dirty="0">
+                <a:latin typeface="Times New Roman" panose="02020603050405020304" pitchFamily="18" charset="0"/>
+                <a:cs typeface="Times New Roman" panose="02020603050405020304" pitchFamily="18" charset="0"/>
+              </a:rPr>
+              <a:t>	</a:t>
+            </a:r>
+            <a:r>
+              <a:rPr lang="en-IN" sz="2400" dirty="0">
+                <a:latin typeface="Times New Roman" panose="02020603050405020304" pitchFamily="18" charset="0"/>
+                <a:cs typeface="Times New Roman" panose="02020603050405020304" pitchFamily="18" charset="0"/>
+              </a:rPr>
+              <a:t>Points neither core points nor border points</a:t>
+            </a:r>
+            <a:endParaRPr lang="en-US" sz="2400" dirty="0">
+              <a:latin typeface="Times New Roman" panose="02020603050405020304" pitchFamily="18" charset="0"/>
+              <a:cs typeface="Times New Roman" panose="02020603050405020304" pitchFamily="18" charset="0"/>
+            </a:endParaRPr>
+          </a:p>
+          <a:p>
+            <a:pPr>
+              <a:lnSpc>
+                <a:spcPct val="150000"/>
+              </a:lnSpc>
+            </a:pPr>
+            <a:endParaRPr lang="en-IN" sz="2500" dirty="0">
+              <a:latin typeface="Times New Roman" panose="02020603050405020304" pitchFamily="18" charset="0"/>
+              <a:cs typeface="Times New Roman" panose="02020603050405020304" pitchFamily="18" charset="0"/>
+            </a:endParaRPr>
+          </a:p>
+        </p:txBody>
+      </p:sp>
+      <p:pic>
+        <p:nvPicPr>
+          <p:cNvPr id="7" name="Picture 6">
+            <a:extLst>
+              <a:ext uri="{FF2B5EF4-FFF2-40B4-BE49-F238E27FC236}">
+                <a16:creationId xmlns:a16="http://schemas.microsoft.com/office/drawing/2014/main" id="{9C984767-C3DE-DE8E-269A-5D9F71585B5E}"/>
+              </a:ext>
+            </a:extLst>
+          </p:cNvPr>
+          <p:cNvPicPr>
+            <a:picLocks noChangeAspect="1"/>
+          </p:cNvPicPr>
+          <p:nvPr/>
+        </p:nvPicPr>
+        <p:blipFill>
+          <a:blip r:embed="rId2"/>
+          <a:stretch>
+            <a:fillRect/>
+          </a:stretch>
+        </p:blipFill>
+        <p:spPr>
+          <a:xfrm>
+            <a:off x="7654413" y="1220639"/>
+            <a:ext cx="4857750" cy="3971925"/>
+          </a:xfrm>
+          <a:prstGeom prst="rect">
+            <a:avLst/>
+          </a:prstGeom>
+        </p:spPr>
+      </p:pic>
+    </p:spTree>
+    <p:extLst>
+      <p:ext uri="{BB962C8B-B14F-4D97-AF65-F5344CB8AC3E}">
+        <p14:creationId xmlns:p14="http://schemas.microsoft.com/office/powerpoint/2010/main" val="306983378"/>
+      </p:ext>
+    </p:extLst>
+  </p:cSld>
+  <p:clrMapOvr>
+    <a:masterClrMapping/>
+  </p:clrMapOvr>
+</p:sld>
+</file>
+
+<file path=ppt/slides/slide19.xml><?xml version="1.0" encoding="utf-8"?>
+<p:sld xmlns:a="http://schemas.openxmlformats.org/drawingml/2006/main" xmlns:r="http://schemas.openxmlformats.org/officeDocument/2006/relationships" xmlns:p="http://schemas.openxmlformats.org/presentationml/2006/main">
+  <p:cSld>
+    <p:spTree>
+      <p:nvGrpSpPr>
+        <p:cNvPr id="1" name="">
+          <a:extLst>
+            <a:ext uri="{FF2B5EF4-FFF2-40B4-BE49-F238E27FC236}">
+              <a16:creationId xmlns:a16="http://schemas.microsoft.com/office/drawing/2014/main" id="{3934133D-869E-891B-8012-286A3B7B313B}"/>
+            </a:ext>
+          </a:extLst>
+        </p:cNvPr>
+        <p:cNvGrpSpPr/>
+        <p:nvPr/>
+      </p:nvGrpSpPr>
+      <p:grpSpPr>
+        <a:xfrm>
+          <a:off x="0" y="0"/>
+          <a:ext cx="0" cy="0"/>
+          <a:chOff x="0" y="0"/>
+          <a:chExt cx="0" cy="0"/>
+        </a:xfrm>
+      </p:grpSpPr>
+      <p:sp>
+        <p:nvSpPr>
+          <p:cNvPr id="2" name="Title 1">
+            <a:extLst>
+              <a:ext uri="{FF2B5EF4-FFF2-40B4-BE49-F238E27FC236}">
+                <a16:creationId xmlns:a16="http://schemas.microsoft.com/office/drawing/2014/main" id="{4CF88DF6-DC37-40BF-77E2-DC6AC86316DE}"/>
+              </a:ext>
+            </a:extLst>
+          </p:cNvPr>
+          <p:cNvSpPr>
+            <a:spLocks noGrp="1"/>
+          </p:cNvSpPr>
+          <p:nvPr>
+            <p:ph type="ctrTitle"/>
+          </p:nvPr>
+        </p:nvSpPr>
+        <p:spPr>
+          <a:xfrm>
+            <a:off x="2138517" y="247122"/>
+            <a:ext cx="7064477" cy="990217"/>
+          </a:xfrm>
+        </p:spPr>
+        <p:txBody>
+          <a:bodyPr>
+            <a:normAutofit/>
+          </a:bodyPr>
+          <a:lstStyle/>
+          <a:p>
+            <a:r>
+              <a:rPr lang="en-IN" dirty="0" err="1">
+                <a:solidFill>
+                  <a:srgbClr val="0070C0"/>
+                </a:solidFill>
+              </a:rPr>
+              <a:t>HDBScan</a:t>
+            </a:r>
+            <a:r>
+              <a:rPr lang="en-IN" dirty="0">
+                <a:solidFill>
+                  <a:srgbClr val="0070C0"/>
+                </a:solidFill>
+              </a:rPr>
+              <a:t> clustering</a:t>
+            </a:r>
+          </a:p>
+        </p:txBody>
+      </p:sp>
+      <p:sp>
+        <p:nvSpPr>
+          <p:cNvPr id="8" name="TextBox 7">
+            <a:extLst>
+              <a:ext uri="{FF2B5EF4-FFF2-40B4-BE49-F238E27FC236}">
+                <a16:creationId xmlns:a16="http://schemas.microsoft.com/office/drawing/2014/main" id="{6BD0CC30-46D7-33A6-2204-1A918A606466}"/>
+              </a:ext>
+            </a:extLst>
+          </p:cNvPr>
+          <p:cNvSpPr txBox="1"/>
+          <p:nvPr/>
+        </p:nvSpPr>
+        <p:spPr>
+          <a:xfrm>
+            <a:off x="979497" y="1614695"/>
+            <a:ext cx="12076386" cy="6371103"/>
+          </a:xfrm>
+          <a:prstGeom prst="rect">
+            <a:avLst/>
+          </a:prstGeom>
+          <a:noFill/>
+        </p:spPr>
+        <p:txBody>
+          <a:bodyPr wrap="square" rtlCol="0">
+            <a:spAutoFit/>
+          </a:bodyPr>
+          <a:lstStyle/>
+          <a:p>
+            <a:pPr marL="342900" indent="-342900">
+              <a:lnSpc>
+                <a:spcPct val="150000"/>
+              </a:lnSpc>
+              <a:buFont typeface="Arial" panose="020B0604020202020204" pitchFamily="34" charset="0"/>
+              <a:buChar char="•"/>
+            </a:pPr>
+            <a:r>
+              <a:rPr lang="en-US" sz="2500" dirty="0">
+                <a:latin typeface="Times New Roman" panose="02020603050405020304" pitchFamily="18" charset="0"/>
+                <a:cs typeface="Times New Roman" panose="02020603050405020304" pitchFamily="18" charset="0"/>
+              </a:rPr>
+              <a:t>Hierarchical Density-Based Spatial Clustering of Applications with Noise </a:t>
+            </a:r>
+          </a:p>
+          <a:p>
+            <a:pPr marL="342900" indent="-342900">
+              <a:lnSpc>
+                <a:spcPct val="150000"/>
+              </a:lnSpc>
+              <a:buFont typeface="Arial" panose="020B0604020202020204" pitchFamily="34" charset="0"/>
+              <a:buChar char="•"/>
+            </a:pPr>
+            <a:r>
+              <a:rPr lang="en-US" sz="2500" dirty="0">
+                <a:latin typeface="Times New Roman" panose="02020603050405020304" pitchFamily="18" charset="0"/>
+                <a:cs typeface="Times New Roman" panose="02020603050405020304" pitchFamily="18" charset="0"/>
+              </a:rPr>
+              <a:t>Clustering criterion is globally homogeneous</a:t>
+            </a:r>
+          </a:p>
+          <a:p>
+            <a:pPr marL="342900" indent="-342900">
+              <a:lnSpc>
+                <a:spcPct val="150000"/>
+              </a:lnSpc>
+              <a:buFont typeface="Arial" panose="020B0604020202020204" pitchFamily="34" charset="0"/>
+              <a:buChar char="•"/>
+            </a:pPr>
+            <a:r>
+              <a:rPr lang="en-US" sz="2500" dirty="0">
+                <a:latin typeface="Times New Roman" panose="02020603050405020304" pitchFamily="18" charset="0"/>
+                <a:cs typeface="Times New Roman" panose="02020603050405020304" pitchFamily="18" charset="0"/>
+              </a:rPr>
+              <a:t>Extracts the minimum spanning Tree from fully connected mutual reachability graph</a:t>
+            </a:r>
+          </a:p>
+          <a:p>
+            <a:pPr marL="342900" indent="-342900">
+              <a:lnSpc>
+                <a:spcPct val="150000"/>
+              </a:lnSpc>
+              <a:buFont typeface="Arial" panose="020B0604020202020204" pitchFamily="34" charset="0"/>
+              <a:buChar char="•"/>
+            </a:pPr>
+            <a:r>
+              <a:rPr lang="en-US" sz="2500" dirty="0">
+                <a:latin typeface="Times New Roman" panose="02020603050405020304" pitchFamily="18" charset="0"/>
+                <a:cs typeface="Times New Roman" panose="02020603050405020304" pitchFamily="18" charset="0"/>
+              </a:rPr>
+              <a:t>Then cuts the edges with highest weight</a:t>
+            </a:r>
+          </a:p>
+          <a:p>
+            <a:pPr marL="342900" indent="-342900">
+              <a:lnSpc>
+                <a:spcPct val="150000"/>
+              </a:lnSpc>
+              <a:buFont typeface="Arial" panose="020B0604020202020204" pitchFamily="34" charset="0"/>
+              <a:buChar char="•"/>
+            </a:pPr>
+            <a:endParaRPr lang="en-US" sz="2500" dirty="0">
+              <a:latin typeface="Times New Roman" panose="02020603050405020304" pitchFamily="18" charset="0"/>
+              <a:cs typeface="Times New Roman" panose="02020603050405020304" pitchFamily="18" charset="0"/>
+            </a:endParaRPr>
+          </a:p>
+          <a:p>
+            <a:pPr marL="342900" indent="-342900">
+              <a:lnSpc>
+                <a:spcPct val="150000"/>
+              </a:lnSpc>
+              <a:buFont typeface="Arial" panose="020B0604020202020204" pitchFamily="34" charset="0"/>
+              <a:buChar char="•"/>
+            </a:pPr>
+            <a:endParaRPr lang="en-US" sz="2500" dirty="0">
+              <a:latin typeface="Times New Roman" panose="02020603050405020304" pitchFamily="18" charset="0"/>
+              <a:cs typeface="Times New Roman" panose="02020603050405020304" pitchFamily="18" charset="0"/>
+            </a:endParaRPr>
+          </a:p>
+          <a:p>
+            <a:pPr marL="342900" indent="-342900">
+              <a:lnSpc>
+                <a:spcPct val="150000"/>
+              </a:lnSpc>
+              <a:buFont typeface="Arial" panose="020B0604020202020204" pitchFamily="34" charset="0"/>
+              <a:buChar char="•"/>
+            </a:pPr>
+            <a:endParaRPr lang="en-US" sz="2500" dirty="0">
+              <a:latin typeface="Times New Roman" panose="02020603050405020304" pitchFamily="18" charset="0"/>
+              <a:cs typeface="Times New Roman" panose="02020603050405020304" pitchFamily="18" charset="0"/>
+            </a:endParaRPr>
+          </a:p>
+          <a:p>
+            <a:pPr marL="342900" indent="-342900">
+              <a:lnSpc>
+                <a:spcPct val="150000"/>
+              </a:lnSpc>
+              <a:buFont typeface="Arial" panose="020B0604020202020204" pitchFamily="34" charset="0"/>
+              <a:buChar char="•"/>
+            </a:pPr>
+            <a:endParaRPr lang="en-US" sz="2500" dirty="0">
+              <a:latin typeface="Times New Roman" panose="02020603050405020304" pitchFamily="18" charset="0"/>
+              <a:cs typeface="Times New Roman" panose="02020603050405020304" pitchFamily="18" charset="0"/>
+            </a:endParaRPr>
+          </a:p>
+          <a:p>
+            <a:pPr marL="342900" indent="-342900">
+              <a:lnSpc>
+                <a:spcPct val="150000"/>
+              </a:lnSpc>
+              <a:buFont typeface="Arial" panose="020B0604020202020204" pitchFamily="34" charset="0"/>
+              <a:buChar char="•"/>
+            </a:pPr>
+            <a:endParaRPr lang="en-US" sz="2500" dirty="0">
+              <a:latin typeface="Times New Roman" panose="02020603050405020304" pitchFamily="18" charset="0"/>
+              <a:cs typeface="Times New Roman" panose="02020603050405020304" pitchFamily="18" charset="0"/>
+            </a:endParaRPr>
+          </a:p>
+          <a:p>
+            <a:pPr marL="342900" indent="-342900">
+              <a:lnSpc>
+                <a:spcPct val="150000"/>
+              </a:lnSpc>
+              <a:buFont typeface="Arial" panose="020B0604020202020204" pitchFamily="34" charset="0"/>
+              <a:buChar char="•"/>
+            </a:pPr>
+            <a:endParaRPr lang="en-US" sz="2500" dirty="0">
+              <a:latin typeface="Times New Roman" panose="02020603050405020304" pitchFamily="18" charset="0"/>
+              <a:cs typeface="Times New Roman" panose="02020603050405020304" pitchFamily="18" charset="0"/>
+            </a:endParaRPr>
+          </a:p>
+          <a:p>
+            <a:pPr marL="342900" indent="-342900">
+              <a:lnSpc>
+                <a:spcPct val="150000"/>
+              </a:lnSpc>
+              <a:buFont typeface="Arial" panose="020B0604020202020204" pitchFamily="34" charset="0"/>
+              <a:buChar char="•"/>
+            </a:pPr>
+            <a:endParaRPr lang="en-US" sz="2500" dirty="0">
+              <a:latin typeface="Times New Roman" panose="02020603050405020304" pitchFamily="18" charset="0"/>
+              <a:cs typeface="Times New Roman" panose="02020603050405020304" pitchFamily="18" charset="0"/>
+            </a:endParaRPr>
+          </a:p>
+        </p:txBody>
+      </p:sp>
+    </p:spTree>
+    <p:extLst>
+      <p:ext uri="{BB962C8B-B14F-4D97-AF65-F5344CB8AC3E}">
+        <p14:creationId xmlns:p14="http://schemas.microsoft.com/office/powerpoint/2010/main" val="3509355070"/>
+      </p:ext>
+    </p:extLst>
+  </p:cSld>
+  <p:clrMapOvr>
+    <a:masterClrMapping/>
+  </p:clrMapOvr>
+</p:sld>
+</file>
+
 <file path=ppt/slides/slide2.xml><?xml version="1.0" encoding="utf-8"?>
 <p:sld xmlns:a="http://schemas.openxmlformats.org/drawingml/2006/main" xmlns:r="http://schemas.openxmlformats.org/officeDocument/2006/relationships" xmlns:p="http://schemas.openxmlformats.org/presentationml/2006/main">
   <p:cSld>
@@ -12601,7 +15215,7 @@
         </p:nvSpPr>
         <p:spPr>
           <a:xfrm>
-            <a:off x="472967" y="523273"/>
+            <a:off x="451946" y="142218"/>
             <a:ext cx="11603420" cy="990217"/>
           </a:xfrm>
         </p:spPr>
@@ -12683,19 +15297,8 @@
                 <a:latin typeface="Times New Roman" panose="02020603050405020304" pitchFamily="18" charset="0"/>
                 <a:cs typeface="Times New Roman" panose="02020603050405020304" pitchFamily="18" charset="0"/>
               </a:rPr>
-              <a:t>Affinity </a:t>
-            </a:r>
-            <a:r>
-              <a:rPr lang="en-US" sz="2500" dirty="0" err="1">
-                <a:latin typeface="Times New Roman" panose="02020603050405020304" pitchFamily="18" charset="0"/>
-                <a:cs typeface="Times New Roman" panose="02020603050405020304" pitchFamily="18" charset="0"/>
-              </a:rPr>
-              <a:t>Propogation</a:t>
-            </a:r>
-            <a:endParaRPr lang="en-US" sz="2500" dirty="0">
-              <a:latin typeface="Times New Roman" panose="02020603050405020304" pitchFamily="18" charset="0"/>
-              <a:cs typeface="Times New Roman" panose="02020603050405020304" pitchFamily="18" charset="0"/>
-            </a:endParaRPr>
+              <a:t>Affinity Propagation</a:t>
+            </a:r>
           </a:p>
           <a:p>
             <a:pPr marL="342900" indent="-342900">
@@ -12867,6 +15470,1812 @@
     <p:extLst>
       <p:ext uri="{BB962C8B-B14F-4D97-AF65-F5344CB8AC3E}">
         <p14:creationId xmlns:p14="http://schemas.microsoft.com/office/powerpoint/2010/main" val="3982151270"/>
+      </p:ext>
+    </p:extLst>
+  </p:cSld>
+  <p:clrMapOvr>
+    <a:masterClrMapping/>
+  </p:clrMapOvr>
+</p:sld>
+</file>
+
+<file path=ppt/slides/slide20.xml><?xml version="1.0" encoding="utf-8"?>
+<p:sld xmlns:a="http://schemas.openxmlformats.org/drawingml/2006/main" xmlns:r="http://schemas.openxmlformats.org/officeDocument/2006/relationships" xmlns:p="http://schemas.openxmlformats.org/presentationml/2006/main">
+  <p:cSld>
+    <p:spTree>
+      <p:nvGrpSpPr>
+        <p:cNvPr id="1" name="">
+          <a:extLst>
+            <a:ext uri="{FF2B5EF4-FFF2-40B4-BE49-F238E27FC236}">
+              <a16:creationId xmlns:a16="http://schemas.microsoft.com/office/drawing/2014/main" id="{3BAA99B8-3C01-731A-79E6-1A929824BD26}"/>
+            </a:ext>
+          </a:extLst>
+        </p:cNvPr>
+        <p:cNvGrpSpPr/>
+        <p:nvPr/>
+      </p:nvGrpSpPr>
+      <p:grpSpPr>
+        <a:xfrm>
+          <a:off x="0" y="0"/>
+          <a:ext cx="0" cy="0"/>
+          <a:chOff x="0" y="0"/>
+          <a:chExt cx="0" cy="0"/>
+        </a:xfrm>
+      </p:grpSpPr>
+      <p:sp>
+        <p:nvSpPr>
+          <p:cNvPr id="2" name="Title 1">
+            <a:extLst>
+              <a:ext uri="{FF2B5EF4-FFF2-40B4-BE49-F238E27FC236}">
+                <a16:creationId xmlns:a16="http://schemas.microsoft.com/office/drawing/2014/main" id="{150D86FE-A3F5-2867-D90A-1E39F61A6B20}"/>
+              </a:ext>
+            </a:extLst>
+          </p:cNvPr>
+          <p:cNvSpPr>
+            <a:spLocks noGrp="1"/>
+          </p:cNvSpPr>
+          <p:nvPr>
+            <p:ph type="ctrTitle"/>
+          </p:nvPr>
+        </p:nvSpPr>
+        <p:spPr>
+          <a:xfrm>
+            <a:off x="1902542" y="129135"/>
+            <a:ext cx="8589246" cy="990217"/>
+          </a:xfrm>
+        </p:spPr>
+        <p:txBody>
+          <a:bodyPr>
+            <a:normAutofit/>
+          </a:bodyPr>
+          <a:lstStyle/>
+          <a:p>
+            <a:r>
+              <a:rPr lang="en-IN" dirty="0" err="1">
+                <a:solidFill>
+                  <a:srgbClr val="0070C0"/>
+                </a:solidFill>
+              </a:rPr>
+              <a:t>HDBScan</a:t>
+            </a:r>
+            <a:r>
+              <a:rPr lang="en-US" dirty="0">
+                <a:solidFill>
+                  <a:srgbClr val="7030A0"/>
+                </a:solidFill>
+              </a:rPr>
+              <a:t> </a:t>
+            </a:r>
+            <a:r>
+              <a:rPr lang="en-US" dirty="0" err="1">
+                <a:solidFill>
+                  <a:srgbClr val="7030A0"/>
+                </a:solidFill>
+              </a:rPr>
+              <a:t>CLustering</a:t>
+            </a:r>
+            <a:endParaRPr lang="en-IN" dirty="0">
+              <a:solidFill>
+                <a:srgbClr val="7030A0"/>
+              </a:solidFill>
+            </a:endParaRPr>
+          </a:p>
+        </p:txBody>
+      </p:sp>
+      <p:sp>
+        <p:nvSpPr>
+          <p:cNvPr id="8" name="Rectangle 1">
+            <a:extLst>
+              <a:ext uri="{FF2B5EF4-FFF2-40B4-BE49-F238E27FC236}">
+                <a16:creationId xmlns:a16="http://schemas.microsoft.com/office/drawing/2014/main" id="{49E6A7F4-D95C-17D2-FA51-73F617211887}"/>
+              </a:ext>
+            </a:extLst>
+          </p:cNvPr>
+          <p:cNvSpPr>
+            <a:spLocks noChangeArrowheads="1"/>
+          </p:cNvSpPr>
+          <p:nvPr/>
+        </p:nvSpPr>
+        <p:spPr bwMode="auto">
+          <a:xfrm>
+            <a:off x="0" y="-273910"/>
+            <a:ext cx="65" cy="547821"/>
+          </a:xfrm>
+          <a:prstGeom prst="rect">
+            <a:avLst/>
+          </a:prstGeom>
+          <a:solidFill>
+            <a:srgbClr val="FFFFFF"/>
+          </a:solidFill>
+          <a:ln>
+            <a:noFill/>
+          </a:ln>
+          <a:effectLst/>
+          <a:extLst>
+            <a:ext uri="{91240B29-F687-4F45-9708-019B960494DF}">
+              <a14:hiddenLine xmlns:a14="http://schemas.microsoft.com/office/drawing/2010/main" w="9525">
+                <a:solidFill>
+                  <a:schemeClr val="tx1"/>
+                </a:solidFill>
+                <a:miter lim="800000"/>
+                <a:headEnd/>
+                <a:tailEnd/>
+              </a14:hiddenLine>
+            </a:ext>
+            <a:ext uri="{AF507438-7753-43E0-B8FC-AC1667EBCBE1}">
+              <a14:hiddenEffects xmlns:a14="http://schemas.microsoft.com/office/drawing/2010/main">
+                <a:effectLst>
+                  <a:outerShdw dist="35921" dir="2700000" algn="ctr" rotWithShape="0">
+                    <a:schemeClr val="bg2"/>
+                  </a:outerShdw>
+                </a:effectLst>
+              </a14:hiddenEffects>
+            </a:ext>
+          </a:extLst>
+        </p:spPr>
+        <p:txBody>
+          <a:bodyPr vert="horz" wrap="none" lIns="0" tIns="88872" rIns="0" bIns="179331" numCol="1" anchor="ctr" anchorCtr="0" compatLnSpc="1">
+            <a:prstTxWarp prst="textNoShape">
+              <a:avLst/>
+            </a:prstTxWarp>
+            <a:spAutoFit/>
+          </a:bodyPr>
+          <a:lstStyle/>
+          <a:p>
+            <a:pPr marL="0" marR="0" lvl="0" indent="0" algn="l" defTabSz="914400" rtl="0" eaLnBrk="0" fontAlgn="base" latinLnBrk="0" hangingPunct="0">
+              <a:lnSpc>
+                <a:spcPct val="100000"/>
+              </a:lnSpc>
+              <a:spcBef>
+                <a:spcPct val="0"/>
+              </a:spcBef>
+              <a:spcAft>
+                <a:spcPct val="0"/>
+              </a:spcAft>
+              <a:buClrTx/>
+              <a:buSzTx/>
+              <a:buFontTx/>
+              <a:buNone/>
+              <a:tabLst/>
+            </a:pPr>
+            <a:endParaRPr kumimoji="0" lang="en-US" altLang="en-US" sz="1800" b="0" i="0" u="none" strike="noStrike" cap="none" normalizeH="0" baseline="0" dirty="0">
+              <a:ln>
+                <a:noFill/>
+              </a:ln>
+              <a:solidFill>
+                <a:schemeClr val="tx1"/>
+              </a:solidFill>
+              <a:effectLst/>
+              <a:latin typeface="Arial" panose="020B0604020202020204" pitchFamily="34" charset="0"/>
+            </a:endParaRPr>
+          </a:p>
+        </p:txBody>
+      </p:sp>
+      <p:pic>
+        <p:nvPicPr>
+          <p:cNvPr id="4" name="Picture 3">
+            <a:extLst>
+              <a:ext uri="{FF2B5EF4-FFF2-40B4-BE49-F238E27FC236}">
+                <a16:creationId xmlns:a16="http://schemas.microsoft.com/office/drawing/2014/main" id="{2458F4F9-9933-CF48-1251-BEDF73394308}"/>
+              </a:ext>
+            </a:extLst>
+          </p:cNvPr>
+          <p:cNvPicPr>
+            <a:picLocks noChangeAspect="1"/>
+          </p:cNvPicPr>
+          <p:nvPr/>
+        </p:nvPicPr>
+        <p:blipFill>
+          <a:blip r:embed="rId2"/>
+          <a:stretch>
+            <a:fillRect/>
+          </a:stretch>
+        </p:blipFill>
+        <p:spPr>
+          <a:xfrm>
+            <a:off x="2256504" y="2020530"/>
+            <a:ext cx="5187284" cy="1784708"/>
+          </a:xfrm>
+          <a:prstGeom prst="rect">
+            <a:avLst/>
+          </a:prstGeom>
+        </p:spPr>
+      </p:pic>
+    </p:spTree>
+    <p:extLst>
+      <p:ext uri="{BB962C8B-B14F-4D97-AF65-F5344CB8AC3E}">
+        <p14:creationId xmlns:p14="http://schemas.microsoft.com/office/powerpoint/2010/main" val="60438189"/>
+      </p:ext>
+    </p:extLst>
+  </p:cSld>
+  <p:clrMapOvr>
+    <a:masterClrMapping/>
+  </p:clrMapOvr>
+</p:sld>
+</file>
+
+<file path=ppt/slides/slide21.xml><?xml version="1.0" encoding="utf-8"?>
+<p:sld xmlns:a="http://schemas.openxmlformats.org/drawingml/2006/main" xmlns:r="http://schemas.openxmlformats.org/officeDocument/2006/relationships" xmlns:p="http://schemas.openxmlformats.org/presentationml/2006/main">
+  <p:cSld>
+    <p:spTree>
+      <p:nvGrpSpPr>
+        <p:cNvPr id="1" name="">
+          <a:extLst>
+            <a:ext uri="{FF2B5EF4-FFF2-40B4-BE49-F238E27FC236}">
+              <a16:creationId xmlns:a16="http://schemas.microsoft.com/office/drawing/2014/main" id="{26088E8A-1994-57E4-29AE-259B7C9125D6}"/>
+            </a:ext>
+          </a:extLst>
+        </p:cNvPr>
+        <p:cNvGrpSpPr/>
+        <p:nvPr/>
+      </p:nvGrpSpPr>
+      <p:grpSpPr>
+        <a:xfrm>
+          <a:off x="0" y="0"/>
+          <a:ext cx="0" cy="0"/>
+          <a:chOff x="0" y="0"/>
+          <a:chExt cx="0" cy="0"/>
+        </a:xfrm>
+      </p:grpSpPr>
+      <p:sp>
+        <p:nvSpPr>
+          <p:cNvPr id="2" name="Title 1">
+            <a:extLst>
+              <a:ext uri="{FF2B5EF4-FFF2-40B4-BE49-F238E27FC236}">
+                <a16:creationId xmlns:a16="http://schemas.microsoft.com/office/drawing/2014/main" id="{1152D5CD-0443-B1F6-7783-3168F248E7A0}"/>
+              </a:ext>
+            </a:extLst>
+          </p:cNvPr>
+          <p:cNvSpPr>
+            <a:spLocks noGrp="1"/>
+          </p:cNvSpPr>
+          <p:nvPr>
+            <p:ph type="ctrTitle"/>
+          </p:nvPr>
+        </p:nvSpPr>
+        <p:spPr>
+          <a:xfrm>
+            <a:off x="2020529" y="0"/>
+            <a:ext cx="9105439" cy="990217"/>
+          </a:xfrm>
+        </p:spPr>
+        <p:txBody>
+          <a:bodyPr>
+            <a:normAutofit/>
+          </a:bodyPr>
+          <a:lstStyle/>
+          <a:p>
+            <a:r>
+              <a:rPr lang="en-IN" dirty="0" err="1">
+                <a:solidFill>
+                  <a:srgbClr val="0070C0"/>
+                </a:solidFill>
+              </a:rPr>
+              <a:t>HDBScan</a:t>
+            </a:r>
+            <a:r>
+              <a:rPr lang="en-US" dirty="0">
+                <a:solidFill>
+                  <a:srgbClr val="7030A0"/>
+                </a:solidFill>
+              </a:rPr>
+              <a:t> </a:t>
+            </a:r>
+            <a:r>
+              <a:rPr lang="en-US" dirty="0" err="1">
+                <a:solidFill>
+                  <a:srgbClr val="7030A0"/>
+                </a:solidFill>
+              </a:rPr>
+              <a:t>CLustering</a:t>
+            </a:r>
+            <a:endParaRPr lang="en-IN" dirty="0">
+              <a:solidFill>
+                <a:srgbClr val="7030A0"/>
+              </a:solidFill>
+            </a:endParaRPr>
+          </a:p>
+        </p:txBody>
+      </p:sp>
+      <p:pic>
+        <p:nvPicPr>
+          <p:cNvPr id="4" name="Picture 3">
+            <a:extLst>
+              <a:ext uri="{FF2B5EF4-FFF2-40B4-BE49-F238E27FC236}">
+                <a16:creationId xmlns:a16="http://schemas.microsoft.com/office/drawing/2014/main" id="{A39D4F1D-9A69-AC9C-F4A1-7BC41547F948}"/>
+              </a:ext>
+            </a:extLst>
+          </p:cNvPr>
+          <p:cNvPicPr>
+            <a:picLocks noChangeAspect="1"/>
+          </p:cNvPicPr>
+          <p:nvPr/>
+        </p:nvPicPr>
+        <p:blipFill>
+          <a:blip r:embed="rId2"/>
+          <a:stretch>
+            <a:fillRect/>
+          </a:stretch>
+        </p:blipFill>
+        <p:spPr>
+          <a:xfrm>
+            <a:off x="2175233" y="1103517"/>
+            <a:ext cx="6543675" cy="5476875"/>
+          </a:xfrm>
+          <a:prstGeom prst="rect">
+            <a:avLst/>
+          </a:prstGeom>
+        </p:spPr>
+      </p:pic>
+    </p:spTree>
+    <p:extLst>
+      <p:ext uri="{BB962C8B-B14F-4D97-AF65-F5344CB8AC3E}">
+        <p14:creationId xmlns:p14="http://schemas.microsoft.com/office/powerpoint/2010/main" val="1519587521"/>
+      </p:ext>
+    </p:extLst>
+  </p:cSld>
+  <p:clrMapOvr>
+    <a:masterClrMapping/>
+  </p:clrMapOvr>
+</p:sld>
+</file>
+
+<file path=ppt/slides/slide22.xml><?xml version="1.0" encoding="utf-8"?>
+<p:sld xmlns:a="http://schemas.openxmlformats.org/drawingml/2006/main" xmlns:r="http://schemas.openxmlformats.org/officeDocument/2006/relationships" xmlns:p="http://schemas.openxmlformats.org/presentationml/2006/main">
+  <p:cSld>
+    <p:spTree>
+      <p:nvGrpSpPr>
+        <p:cNvPr id="1" name="">
+          <a:extLst>
+            <a:ext uri="{FF2B5EF4-FFF2-40B4-BE49-F238E27FC236}">
+              <a16:creationId xmlns:a16="http://schemas.microsoft.com/office/drawing/2014/main" id="{320A1455-C17D-7AB3-C6DC-76726B332873}"/>
+            </a:ext>
+          </a:extLst>
+        </p:cNvPr>
+        <p:cNvGrpSpPr/>
+        <p:nvPr/>
+      </p:nvGrpSpPr>
+      <p:grpSpPr>
+        <a:xfrm>
+          <a:off x="0" y="0"/>
+          <a:ext cx="0" cy="0"/>
+          <a:chOff x="0" y="0"/>
+          <a:chExt cx="0" cy="0"/>
+        </a:xfrm>
+      </p:grpSpPr>
+      <p:sp>
+        <p:nvSpPr>
+          <p:cNvPr id="2" name="Title 1">
+            <a:extLst>
+              <a:ext uri="{FF2B5EF4-FFF2-40B4-BE49-F238E27FC236}">
+                <a16:creationId xmlns:a16="http://schemas.microsoft.com/office/drawing/2014/main" id="{38A38245-79C3-AF64-1BEE-4D22B15A7EE7}"/>
+              </a:ext>
+            </a:extLst>
+          </p:cNvPr>
+          <p:cNvSpPr>
+            <a:spLocks noGrp="1"/>
+          </p:cNvSpPr>
+          <p:nvPr>
+            <p:ph type="ctrTitle"/>
+          </p:nvPr>
+        </p:nvSpPr>
+        <p:spPr>
+          <a:xfrm>
+            <a:off x="2138517" y="247122"/>
+            <a:ext cx="7064477" cy="990217"/>
+          </a:xfrm>
+        </p:spPr>
+        <p:txBody>
+          <a:bodyPr>
+            <a:normAutofit/>
+          </a:bodyPr>
+          <a:lstStyle/>
+          <a:p>
+            <a:r>
+              <a:rPr lang="en-IN" dirty="0">
+                <a:solidFill>
+                  <a:srgbClr val="7030A0"/>
+                </a:solidFill>
+              </a:rPr>
+              <a:t>OPTICS</a:t>
+            </a:r>
+            <a:r>
+              <a:rPr lang="en-IN" dirty="0">
+                <a:solidFill>
+                  <a:srgbClr val="0070C0"/>
+                </a:solidFill>
+              </a:rPr>
+              <a:t> </a:t>
+            </a:r>
+            <a:r>
+              <a:rPr lang="en-IN" dirty="0">
+                <a:solidFill>
+                  <a:srgbClr val="7030A0"/>
+                </a:solidFill>
+              </a:rPr>
+              <a:t>clustering</a:t>
+            </a:r>
+          </a:p>
+        </p:txBody>
+      </p:sp>
+      <p:sp>
+        <p:nvSpPr>
+          <p:cNvPr id="8" name="TextBox 7">
+            <a:extLst>
+              <a:ext uri="{FF2B5EF4-FFF2-40B4-BE49-F238E27FC236}">
+                <a16:creationId xmlns:a16="http://schemas.microsoft.com/office/drawing/2014/main" id="{C23713A3-5F31-7BCD-1757-030DAC3B2C56}"/>
+              </a:ext>
+            </a:extLst>
+          </p:cNvPr>
+          <p:cNvSpPr txBox="1"/>
+          <p:nvPr/>
+        </p:nvSpPr>
+        <p:spPr>
+          <a:xfrm>
+            <a:off x="979497" y="1614695"/>
+            <a:ext cx="12076386" cy="8679427"/>
+          </a:xfrm>
+          <a:prstGeom prst="rect">
+            <a:avLst/>
+          </a:prstGeom>
+          <a:noFill/>
+        </p:spPr>
+        <p:txBody>
+          <a:bodyPr wrap="square" rtlCol="0">
+            <a:spAutoFit/>
+          </a:bodyPr>
+          <a:lstStyle/>
+          <a:p>
+            <a:pPr marL="342900" indent="-342900">
+              <a:lnSpc>
+                <a:spcPct val="150000"/>
+              </a:lnSpc>
+              <a:buFont typeface="Arial" panose="020B0604020202020204" pitchFamily="34" charset="0"/>
+              <a:buChar char="•"/>
+            </a:pPr>
+            <a:r>
+              <a:rPr lang="en-US" sz="2500" dirty="0">
+                <a:latin typeface="Times New Roman" panose="02020603050405020304" pitchFamily="18" charset="0"/>
+                <a:cs typeface="Times New Roman" panose="02020603050405020304" pitchFamily="18" charset="0"/>
+              </a:rPr>
+              <a:t>Ordering Points To Identify the Clustering Structure </a:t>
+            </a:r>
+          </a:p>
+          <a:p>
+            <a:pPr marL="342900" indent="-342900">
+              <a:lnSpc>
+                <a:spcPct val="150000"/>
+              </a:lnSpc>
+              <a:buFont typeface="Arial" panose="020B0604020202020204" pitchFamily="34" charset="0"/>
+              <a:buChar char="•"/>
+            </a:pPr>
+            <a:r>
+              <a:rPr lang="en-US" sz="2500" dirty="0">
+                <a:latin typeface="Times New Roman" panose="02020603050405020304" pitchFamily="18" charset="0"/>
+                <a:cs typeface="Times New Roman" panose="02020603050405020304" pitchFamily="18" charset="0"/>
+              </a:rPr>
+              <a:t>Density Based Clustering algorithm, similar to DBSCAN</a:t>
+            </a:r>
+          </a:p>
+          <a:p>
+            <a:pPr marL="342900" indent="-342900">
+              <a:lnSpc>
+                <a:spcPct val="150000"/>
+              </a:lnSpc>
+              <a:buFont typeface="Arial" panose="020B0604020202020204" pitchFamily="34" charset="0"/>
+              <a:buChar char="•"/>
+            </a:pPr>
+            <a:r>
+              <a:rPr lang="en-US" sz="2500" dirty="0">
+                <a:latin typeface="Times New Roman" panose="02020603050405020304" pitchFamily="18" charset="0"/>
+                <a:cs typeface="Times New Roman" panose="02020603050405020304" pitchFamily="18" charset="0"/>
+              </a:rPr>
+              <a:t>Designed to handle datasets with varying densities</a:t>
+            </a:r>
+          </a:p>
+          <a:p>
+            <a:pPr marL="342900" indent="-342900">
+              <a:lnSpc>
+                <a:spcPct val="150000"/>
+              </a:lnSpc>
+              <a:buFont typeface="Arial" panose="020B0604020202020204" pitchFamily="34" charset="0"/>
+              <a:buChar char="•"/>
+            </a:pPr>
+            <a:r>
+              <a:rPr lang="en-US" sz="2500" dirty="0">
+                <a:latin typeface="Times New Roman" panose="02020603050405020304" pitchFamily="18" charset="0"/>
+                <a:cs typeface="Times New Roman" panose="02020603050405020304" pitchFamily="18" charset="0"/>
+              </a:rPr>
+              <a:t>It calculates the ‘core distance’</a:t>
+            </a:r>
+          </a:p>
+          <a:p>
+            <a:pPr marL="342900" indent="-342900">
+              <a:lnSpc>
+                <a:spcPct val="150000"/>
+              </a:lnSpc>
+              <a:buFont typeface="Arial" panose="020B0604020202020204" pitchFamily="34" charset="0"/>
+              <a:buChar char="•"/>
+            </a:pPr>
+            <a:r>
+              <a:rPr lang="en-US" sz="2500" dirty="0">
+                <a:latin typeface="Times New Roman" panose="02020603050405020304" pitchFamily="18" charset="0"/>
+                <a:cs typeface="Times New Roman" panose="02020603050405020304" pitchFamily="18" charset="0"/>
+              </a:rPr>
+              <a:t>determines the maximum of the core distance of one point and the actual distance between 2 points</a:t>
+            </a:r>
+          </a:p>
+          <a:p>
+            <a:pPr marL="342900" indent="-342900">
+              <a:lnSpc>
+                <a:spcPct val="150000"/>
+              </a:lnSpc>
+              <a:buFont typeface="Arial" panose="020B0604020202020204" pitchFamily="34" charset="0"/>
+              <a:buChar char="•"/>
+            </a:pPr>
+            <a:r>
+              <a:rPr lang="en-US" sz="2500" dirty="0">
+                <a:latin typeface="Times New Roman" panose="02020603050405020304" pitchFamily="18" charset="0"/>
+                <a:cs typeface="Times New Roman" panose="02020603050405020304" pitchFamily="18" charset="0"/>
+              </a:rPr>
+              <a:t>Creates Reachability point</a:t>
+            </a:r>
+          </a:p>
+          <a:p>
+            <a:pPr marL="342900" indent="-342900">
+              <a:lnSpc>
+                <a:spcPct val="150000"/>
+              </a:lnSpc>
+              <a:buFont typeface="Arial" panose="020B0604020202020204" pitchFamily="34" charset="0"/>
+              <a:buChar char="•"/>
+            </a:pPr>
+            <a:r>
+              <a:rPr lang="en-US" sz="2500" dirty="0">
+                <a:latin typeface="Times New Roman" panose="02020603050405020304" pitchFamily="18" charset="0"/>
+                <a:cs typeface="Times New Roman" panose="02020603050405020304" pitchFamily="18" charset="0"/>
+              </a:rPr>
+              <a:t>Cluster and Ranges identifies</a:t>
+            </a:r>
+          </a:p>
+          <a:p>
+            <a:pPr marL="342900" indent="-342900">
+              <a:lnSpc>
+                <a:spcPct val="150000"/>
+              </a:lnSpc>
+              <a:buFont typeface="Arial" panose="020B0604020202020204" pitchFamily="34" charset="0"/>
+              <a:buChar char="•"/>
+            </a:pPr>
+            <a:endParaRPr lang="en-US" sz="2500" dirty="0">
+              <a:latin typeface="Times New Roman" panose="02020603050405020304" pitchFamily="18" charset="0"/>
+              <a:cs typeface="Times New Roman" panose="02020603050405020304" pitchFamily="18" charset="0"/>
+            </a:endParaRPr>
+          </a:p>
+          <a:p>
+            <a:pPr marL="342900" indent="-342900">
+              <a:lnSpc>
+                <a:spcPct val="150000"/>
+              </a:lnSpc>
+              <a:buFont typeface="Arial" panose="020B0604020202020204" pitchFamily="34" charset="0"/>
+              <a:buChar char="•"/>
+            </a:pPr>
+            <a:endParaRPr lang="en-US" sz="2500" dirty="0">
+              <a:latin typeface="Times New Roman" panose="02020603050405020304" pitchFamily="18" charset="0"/>
+              <a:cs typeface="Times New Roman" panose="02020603050405020304" pitchFamily="18" charset="0"/>
+            </a:endParaRPr>
+          </a:p>
+          <a:p>
+            <a:pPr marL="342900" indent="-342900">
+              <a:lnSpc>
+                <a:spcPct val="150000"/>
+              </a:lnSpc>
+              <a:buFont typeface="Arial" panose="020B0604020202020204" pitchFamily="34" charset="0"/>
+              <a:buChar char="•"/>
+            </a:pPr>
+            <a:endParaRPr lang="en-US" sz="2500" dirty="0">
+              <a:latin typeface="Times New Roman" panose="02020603050405020304" pitchFamily="18" charset="0"/>
+              <a:cs typeface="Times New Roman" panose="02020603050405020304" pitchFamily="18" charset="0"/>
+            </a:endParaRPr>
+          </a:p>
+          <a:p>
+            <a:pPr marL="342900" indent="-342900">
+              <a:lnSpc>
+                <a:spcPct val="150000"/>
+              </a:lnSpc>
+              <a:buFont typeface="Arial" panose="020B0604020202020204" pitchFamily="34" charset="0"/>
+              <a:buChar char="•"/>
+            </a:pPr>
+            <a:endParaRPr lang="en-US" sz="2500" dirty="0">
+              <a:latin typeface="Times New Roman" panose="02020603050405020304" pitchFamily="18" charset="0"/>
+              <a:cs typeface="Times New Roman" panose="02020603050405020304" pitchFamily="18" charset="0"/>
+            </a:endParaRPr>
+          </a:p>
+          <a:p>
+            <a:pPr marL="342900" indent="-342900">
+              <a:lnSpc>
+                <a:spcPct val="150000"/>
+              </a:lnSpc>
+              <a:buFont typeface="Arial" panose="020B0604020202020204" pitchFamily="34" charset="0"/>
+              <a:buChar char="•"/>
+            </a:pPr>
+            <a:endParaRPr lang="en-US" sz="2500" dirty="0">
+              <a:latin typeface="Times New Roman" panose="02020603050405020304" pitchFamily="18" charset="0"/>
+              <a:cs typeface="Times New Roman" panose="02020603050405020304" pitchFamily="18" charset="0"/>
+            </a:endParaRPr>
+          </a:p>
+          <a:p>
+            <a:pPr marL="342900" indent="-342900">
+              <a:lnSpc>
+                <a:spcPct val="150000"/>
+              </a:lnSpc>
+              <a:buFont typeface="Arial" panose="020B0604020202020204" pitchFamily="34" charset="0"/>
+              <a:buChar char="•"/>
+            </a:pPr>
+            <a:endParaRPr lang="en-US" sz="2500" dirty="0">
+              <a:latin typeface="Times New Roman" panose="02020603050405020304" pitchFamily="18" charset="0"/>
+              <a:cs typeface="Times New Roman" panose="02020603050405020304" pitchFamily="18" charset="0"/>
+            </a:endParaRPr>
+          </a:p>
+          <a:p>
+            <a:pPr marL="342900" indent="-342900">
+              <a:lnSpc>
+                <a:spcPct val="150000"/>
+              </a:lnSpc>
+              <a:buFont typeface="Arial" panose="020B0604020202020204" pitchFamily="34" charset="0"/>
+              <a:buChar char="•"/>
+            </a:pPr>
+            <a:endParaRPr lang="en-US" sz="2500" dirty="0">
+              <a:latin typeface="Times New Roman" panose="02020603050405020304" pitchFamily="18" charset="0"/>
+              <a:cs typeface="Times New Roman" panose="02020603050405020304" pitchFamily="18" charset="0"/>
+            </a:endParaRPr>
+          </a:p>
+        </p:txBody>
+      </p:sp>
+    </p:spTree>
+    <p:extLst>
+      <p:ext uri="{BB962C8B-B14F-4D97-AF65-F5344CB8AC3E}">
+        <p14:creationId xmlns:p14="http://schemas.microsoft.com/office/powerpoint/2010/main" val="2562741269"/>
+      </p:ext>
+    </p:extLst>
+  </p:cSld>
+  <p:clrMapOvr>
+    <a:masterClrMapping/>
+  </p:clrMapOvr>
+</p:sld>
+</file>
+
+<file path=ppt/slides/slide23.xml><?xml version="1.0" encoding="utf-8"?>
+<p:sld xmlns:a="http://schemas.openxmlformats.org/drawingml/2006/main" xmlns:r="http://schemas.openxmlformats.org/officeDocument/2006/relationships" xmlns:p="http://schemas.openxmlformats.org/presentationml/2006/main">
+  <p:cSld>
+    <p:spTree>
+      <p:nvGrpSpPr>
+        <p:cNvPr id="1" name="">
+          <a:extLst>
+            <a:ext uri="{FF2B5EF4-FFF2-40B4-BE49-F238E27FC236}">
+              <a16:creationId xmlns:a16="http://schemas.microsoft.com/office/drawing/2014/main" id="{E8EF2D56-89D1-C560-BF61-21C16C6C0374}"/>
+            </a:ext>
+          </a:extLst>
+        </p:cNvPr>
+        <p:cNvGrpSpPr/>
+        <p:nvPr/>
+      </p:nvGrpSpPr>
+      <p:grpSpPr>
+        <a:xfrm>
+          <a:off x="0" y="0"/>
+          <a:ext cx="0" cy="0"/>
+          <a:chOff x="0" y="0"/>
+          <a:chExt cx="0" cy="0"/>
+        </a:xfrm>
+      </p:grpSpPr>
+      <p:sp>
+        <p:nvSpPr>
+          <p:cNvPr id="2" name="Title 1">
+            <a:extLst>
+              <a:ext uri="{FF2B5EF4-FFF2-40B4-BE49-F238E27FC236}">
+                <a16:creationId xmlns:a16="http://schemas.microsoft.com/office/drawing/2014/main" id="{6840628D-49F8-D432-D98A-C76A528DEC65}"/>
+              </a:ext>
+            </a:extLst>
+          </p:cNvPr>
+          <p:cNvSpPr>
+            <a:spLocks noGrp="1"/>
+          </p:cNvSpPr>
+          <p:nvPr>
+            <p:ph type="ctrTitle"/>
+          </p:nvPr>
+        </p:nvSpPr>
+        <p:spPr>
+          <a:xfrm>
+            <a:off x="2286000" y="615831"/>
+            <a:ext cx="8589246" cy="990217"/>
+          </a:xfrm>
+        </p:spPr>
+        <p:txBody>
+          <a:bodyPr>
+            <a:normAutofit/>
+          </a:bodyPr>
+          <a:lstStyle/>
+          <a:p>
+            <a:r>
+              <a:rPr lang="en-IN" dirty="0">
+                <a:solidFill>
+                  <a:srgbClr val="7030A0"/>
+                </a:solidFill>
+              </a:rPr>
+              <a:t>OPTICS</a:t>
+            </a:r>
+            <a:r>
+              <a:rPr lang="en-US" dirty="0">
+                <a:solidFill>
+                  <a:srgbClr val="7030A0"/>
+                </a:solidFill>
+              </a:rPr>
+              <a:t> </a:t>
+            </a:r>
+            <a:r>
+              <a:rPr lang="en-US" dirty="0" err="1">
+                <a:solidFill>
+                  <a:srgbClr val="7030A0"/>
+                </a:solidFill>
+              </a:rPr>
+              <a:t>CLustering</a:t>
+            </a:r>
+            <a:endParaRPr lang="en-IN" dirty="0">
+              <a:solidFill>
+                <a:srgbClr val="7030A0"/>
+              </a:solidFill>
+            </a:endParaRPr>
+          </a:p>
+        </p:txBody>
+      </p:sp>
+      <p:sp>
+        <p:nvSpPr>
+          <p:cNvPr id="8" name="Rectangle 1">
+            <a:extLst>
+              <a:ext uri="{FF2B5EF4-FFF2-40B4-BE49-F238E27FC236}">
+                <a16:creationId xmlns:a16="http://schemas.microsoft.com/office/drawing/2014/main" id="{EB8BA2FE-CF1F-FBBC-71DB-8F1555D2E54B}"/>
+              </a:ext>
+            </a:extLst>
+          </p:cNvPr>
+          <p:cNvSpPr>
+            <a:spLocks noChangeArrowheads="1"/>
+          </p:cNvSpPr>
+          <p:nvPr/>
+        </p:nvSpPr>
+        <p:spPr bwMode="auto">
+          <a:xfrm>
+            <a:off x="0" y="-273910"/>
+            <a:ext cx="65" cy="547821"/>
+          </a:xfrm>
+          <a:prstGeom prst="rect">
+            <a:avLst/>
+          </a:prstGeom>
+          <a:solidFill>
+            <a:srgbClr val="FFFFFF"/>
+          </a:solidFill>
+          <a:ln>
+            <a:noFill/>
+          </a:ln>
+          <a:effectLst/>
+          <a:extLst>
+            <a:ext uri="{91240B29-F687-4F45-9708-019B960494DF}">
+              <a14:hiddenLine xmlns:a14="http://schemas.microsoft.com/office/drawing/2010/main" w="9525">
+                <a:solidFill>
+                  <a:schemeClr val="tx1"/>
+                </a:solidFill>
+                <a:miter lim="800000"/>
+                <a:headEnd/>
+                <a:tailEnd/>
+              </a14:hiddenLine>
+            </a:ext>
+            <a:ext uri="{AF507438-7753-43E0-B8FC-AC1667EBCBE1}">
+              <a14:hiddenEffects xmlns:a14="http://schemas.microsoft.com/office/drawing/2010/main">
+                <a:effectLst>
+                  <a:outerShdw dist="35921" dir="2700000" algn="ctr" rotWithShape="0">
+                    <a:schemeClr val="bg2"/>
+                  </a:outerShdw>
+                </a:effectLst>
+              </a14:hiddenEffects>
+            </a:ext>
+          </a:extLst>
+        </p:spPr>
+        <p:txBody>
+          <a:bodyPr vert="horz" wrap="none" lIns="0" tIns="88872" rIns="0" bIns="179331" numCol="1" anchor="ctr" anchorCtr="0" compatLnSpc="1">
+            <a:prstTxWarp prst="textNoShape">
+              <a:avLst/>
+            </a:prstTxWarp>
+            <a:spAutoFit/>
+          </a:bodyPr>
+          <a:lstStyle/>
+          <a:p>
+            <a:pPr marL="0" marR="0" lvl="0" indent="0" algn="l" defTabSz="914400" rtl="0" eaLnBrk="0" fontAlgn="base" latinLnBrk="0" hangingPunct="0">
+              <a:lnSpc>
+                <a:spcPct val="100000"/>
+              </a:lnSpc>
+              <a:spcBef>
+                <a:spcPct val="0"/>
+              </a:spcBef>
+              <a:spcAft>
+                <a:spcPct val="0"/>
+              </a:spcAft>
+              <a:buClrTx/>
+              <a:buSzTx/>
+              <a:buFontTx/>
+              <a:buNone/>
+              <a:tabLst/>
+            </a:pPr>
+            <a:endParaRPr kumimoji="0" lang="en-US" altLang="en-US" sz="1800" b="0" i="0" u="none" strike="noStrike" cap="none" normalizeH="0" baseline="0" dirty="0">
+              <a:ln>
+                <a:noFill/>
+              </a:ln>
+              <a:solidFill>
+                <a:schemeClr val="tx1"/>
+              </a:solidFill>
+              <a:effectLst/>
+              <a:latin typeface="Arial" panose="020B0604020202020204" pitchFamily="34" charset="0"/>
+            </a:endParaRPr>
+          </a:p>
+        </p:txBody>
+      </p:sp>
+      <p:pic>
+        <p:nvPicPr>
+          <p:cNvPr id="5" name="Picture 4">
+            <a:extLst>
+              <a:ext uri="{FF2B5EF4-FFF2-40B4-BE49-F238E27FC236}">
+                <a16:creationId xmlns:a16="http://schemas.microsoft.com/office/drawing/2014/main" id="{2983C51C-CA83-30C0-4F71-DFFDAA42EA55}"/>
+              </a:ext>
+            </a:extLst>
+          </p:cNvPr>
+          <p:cNvPicPr>
+            <a:picLocks noChangeAspect="1"/>
+          </p:cNvPicPr>
+          <p:nvPr/>
+        </p:nvPicPr>
+        <p:blipFill>
+          <a:blip r:embed="rId2"/>
+          <a:stretch>
+            <a:fillRect/>
+          </a:stretch>
+        </p:blipFill>
+        <p:spPr>
+          <a:xfrm>
+            <a:off x="2478344" y="2423344"/>
+            <a:ext cx="5650906" cy="1160514"/>
+          </a:xfrm>
+          <a:prstGeom prst="rect">
+            <a:avLst/>
+          </a:prstGeom>
+        </p:spPr>
+      </p:pic>
+    </p:spTree>
+    <p:extLst>
+      <p:ext uri="{BB962C8B-B14F-4D97-AF65-F5344CB8AC3E}">
+        <p14:creationId xmlns:p14="http://schemas.microsoft.com/office/powerpoint/2010/main" val="1227429556"/>
+      </p:ext>
+    </p:extLst>
+  </p:cSld>
+  <p:clrMapOvr>
+    <a:masterClrMapping/>
+  </p:clrMapOvr>
+</p:sld>
+</file>
+
+<file path=ppt/slides/slide24.xml><?xml version="1.0" encoding="utf-8"?>
+<p:sld xmlns:a="http://schemas.openxmlformats.org/drawingml/2006/main" xmlns:r="http://schemas.openxmlformats.org/officeDocument/2006/relationships" xmlns:p="http://schemas.openxmlformats.org/presentationml/2006/main">
+  <p:cSld>
+    <p:spTree>
+      <p:nvGrpSpPr>
+        <p:cNvPr id="1" name="">
+          <a:extLst>
+            <a:ext uri="{FF2B5EF4-FFF2-40B4-BE49-F238E27FC236}">
+              <a16:creationId xmlns:a16="http://schemas.microsoft.com/office/drawing/2014/main" id="{0068F09C-D8BC-EFA0-1F9B-043D3C23ABF8}"/>
+            </a:ext>
+          </a:extLst>
+        </p:cNvPr>
+        <p:cNvGrpSpPr/>
+        <p:nvPr/>
+      </p:nvGrpSpPr>
+      <p:grpSpPr>
+        <a:xfrm>
+          <a:off x="0" y="0"/>
+          <a:ext cx="0" cy="0"/>
+          <a:chOff x="0" y="0"/>
+          <a:chExt cx="0" cy="0"/>
+        </a:xfrm>
+      </p:grpSpPr>
+      <p:sp>
+        <p:nvSpPr>
+          <p:cNvPr id="2" name="Title 1">
+            <a:extLst>
+              <a:ext uri="{FF2B5EF4-FFF2-40B4-BE49-F238E27FC236}">
+                <a16:creationId xmlns:a16="http://schemas.microsoft.com/office/drawing/2014/main" id="{5DDFF454-8792-777C-12C0-0EEA25DCD4FF}"/>
+              </a:ext>
+            </a:extLst>
+          </p:cNvPr>
+          <p:cNvSpPr>
+            <a:spLocks noGrp="1"/>
+          </p:cNvSpPr>
+          <p:nvPr>
+            <p:ph type="ctrTitle"/>
+          </p:nvPr>
+        </p:nvSpPr>
+        <p:spPr>
+          <a:xfrm>
+            <a:off x="2993923" y="0"/>
+            <a:ext cx="8132045" cy="990217"/>
+          </a:xfrm>
+        </p:spPr>
+        <p:txBody>
+          <a:bodyPr>
+            <a:normAutofit/>
+          </a:bodyPr>
+          <a:lstStyle/>
+          <a:p>
+            <a:r>
+              <a:rPr lang="en-IN" dirty="0">
+                <a:solidFill>
+                  <a:srgbClr val="7030A0"/>
+                </a:solidFill>
+              </a:rPr>
+              <a:t>OPTICS</a:t>
+            </a:r>
+            <a:r>
+              <a:rPr lang="en-US" dirty="0">
+                <a:solidFill>
+                  <a:srgbClr val="7030A0"/>
+                </a:solidFill>
+              </a:rPr>
+              <a:t> </a:t>
+            </a:r>
+            <a:r>
+              <a:rPr lang="en-US" dirty="0" err="1">
+                <a:solidFill>
+                  <a:srgbClr val="7030A0"/>
+                </a:solidFill>
+              </a:rPr>
+              <a:t>CLustering</a:t>
+            </a:r>
+            <a:endParaRPr lang="en-IN" dirty="0">
+              <a:solidFill>
+                <a:srgbClr val="7030A0"/>
+              </a:solidFill>
+            </a:endParaRPr>
+          </a:p>
+        </p:txBody>
+      </p:sp>
+      <p:pic>
+        <p:nvPicPr>
+          <p:cNvPr id="5" name="Picture 4">
+            <a:extLst>
+              <a:ext uri="{FF2B5EF4-FFF2-40B4-BE49-F238E27FC236}">
+                <a16:creationId xmlns:a16="http://schemas.microsoft.com/office/drawing/2014/main" id="{94FB4C05-795A-E02A-D296-CFEA7FCFFE4B}"/>
+              </a:ext>
+            </a:extLst>
+          </p:cNvPr>
+          <p:cNvPicPr>
+            <a:picLocks noChangeAspect="1"/>
+          </p:cNvPicPr>
+          <p:nvPr/>
+        </p:nvPicPr>
+        <p:blipFill>
+          <a:blip r:embed="rId2"/>
+          <a:stretch>
+            <a:fillRect/>
+          </a:stretch>
+        </p:blipFill>
+        <p:spPr>
+          <a:xfrm>
+            <a:off x="3400272" y="1108204"/>
+            <a:ext cx="6510644" cy="5749796"/>
+          </a:xfrm>
+          <a:prstGeom prst="rect">
+            <a:avLst/>
+          </a:prstGeom>
+        </p:spPr>
+      </p:pic>
+    </p:spTree>
+    <p:extLst>
+      <p:ext uri="{BB962C8B-B14F-4D97-AF65-F5344CB8AC3E}">
+        <p14:creationId xmlns:p14="http://schemas.microsoft.com/office/powerpoint/2010/main" val="563756983"/>
+      </p:ext>
+    </p:extLst>
+  </p:cSld>
+  <p:clrMapOvr>
+    <a:masterClrMapping/>
+  </p:clrMapOvr>
+</p:sld>
+</file>
+
+<file path=ppt/slides/slide25.xml><?xml version="1.0" encoding="utf-8"?>
+<p:sld xmlns:a="http://schemas.openxmlformats.org/drawingml/2006/main" xmlns:r="http://schemas.openxmlformats.org/officeDocument/2006/relationships" xmlns:p="http://schemas.openxmlformats.org/presentationml/2006/main">
+  <p:cSld>
+    <p:spTree>
+      <p:nvGrpSpPr>
+        <p:cNvPr id="1" name="">
+          <a:extLst>
+            <a:ext uri="{FF2B5EF4-FFF2-40B4-BE49-F238E27FC236}">
+              <a16:creationId xmlns:a16="http://schemas.microsoft.com/office/drawing/2014/main" id="{EF2831E0-1823-3E9B-0945-290FF34CA49F}"/>
+            </a:ext>
+          </a:extLst>
+        </p:cNvPr>
+        <p:cNvGrpSpPr/>
+        <p:nvPr/>
+      </p:nvGrpSpPr>
+      <p:grpSpPr>
+        <a:xfrm>
+          <a:off x="0" y="0"/>
+          <a:ext cx="0" cy="0"/>
+          <a:chOff x="0" y="0"/>
+          <a:chExt cx="0" cy="0"/>
+        </a:xfrm>
+      </p:grpSpPr>
+      <p:sp>
+        <p:nvSpPr>
+          <p:cNvPr id="2" name="Title 1">
+            <a:extLst>
+              <a:ext uri="{FF2B5EF4-FFF2-40B4-BE49-F238E27FC236}">
+                <a16:creationId xmlns:a16="http://schemas.microsoft.com/office/drawing/2014/main" id="{C9737D9F-E375-12DA-4768-8280BBB70E39}"/>
+              </a:ext>
+            </a:extLst>
+          </p:cNvPr>
+          <p:cNvSpPr>
+            <a:spLocks noGrp="1"/>
+          </p:cNvSpPr>
+          <p:nvPr>
+            <p:ph type="ctrTitle"/>
+          </p:nvPr>
+        </p:nvSpPr>
+        <p:spPr>
+          <a:xfrm>
+            <a:off x="2138517" y="247122"/>
+            <a:ext cx="7064477" cy="990217"/>
+          </a:xfrm>
+        </p:spPr>
+        <p:txBody>
+          <a:bodyPr>
+            <a:normAutofit/>
+          </a:bodyPr>
+          <a:lstStyle/>
+          <a:p>
+            <a:r>
+              <a:rPr lang="en-IN" dirty="0">
+                <a:solidFill>
+                  <a:srgbClr val="7030A0"/>
+                </a:solidFill>
+              </a:rPr>
+              <a:t>BIRCH</a:t>
+            </a:r>
+            <a:r>
+              <a:rPr lang="en-IN" dirty="0">
+                <a:solidFill>
+                  <a:srgbClr val="0070C0"/>
+                </a:solidFill>
+              </a:rPr>
+              <a:t> </a:t>
+            </a:r>
+            <a:r>
+              <a:rPr lang="en-IN" dirty="0">
+                <a:solidFill>
+                  <a:srgbClr val="7030A0"/>
+                </a:solidFill>
+              </a:rPr>
+              <a:t>clustering</a:t>
+            </a:r>
+          </a:p>
+        </p:txBody>
+      </p:sp>
+      <p:sp>
+        <p:nvSpPr>
+          <p:cNvPr id="8" name="TextBox 7">
+            <a:extLst>
+              <a:ext uri="{FF2B5EF4-FFF2-40B4-BE49-F238E27FC236}">
+                <a16:creationId xmlns:a16="http://schemas.microsoft.com/office/drawing/2014/main" id="{584BF563-3476-C3F4-4F25-6E53756D8342}"/>
+              </a:ext>
+            </a:extLst>
+          </p:cNvPr>
+          <p:cNvSpPr txBox="1"/>
+          <p:nvPr/>
+        </p:nvSpPr>
+        <p:spPr>
+          <a:xfrm>
+            <a:off x="979497" y="1614695"/>
+            <a:ext cx="12076386" cy="8679427"/>
+          </a:xfrm>
+          <a:prstGeom prst="rect">
+            <a:avLst/>
+          </a:prstGeom>
+          <a:noFill/>
+        </p:spPr>
+        <p:txBody>
+          <a:bodyPr wrap="square" rtlCol="0">
+            <a:spAutoFit/>
+          </a:bodyPr>
+          <a:lstStyle/>
+          <a:p>
+            <a:pPr marL="342900" indent="-342900">
+              <a:lnSpc>
+                <a:spcPct val="150000"/>
+              </a:lnSpc>
+              <a:buFont typeface="Arial" panose="020B0604020202020204" pitchFamily="34" charset="0"/>
+              <a:buChar char="•"/>
+            </a:pPr>
+            <a:r>
+              <a:rPr lang="en-US" sz="2500" dirty="0">
+                <a:latin typeface="Times New Roman" panose="02020603050405020304" pitchFamily="18" charset="0"/>
+                <a:cs typeface="Times New Roman" panose="02020603050405020304" pitchFamily="18" charset="0"/>
+              </a:rPr>
+              <a:t>Balanced Iterative Reducing and Clustering using Hierarchies</a:t>
+            </a:r>
+          </a:p>
+          <a:p>
+            <a:pPr marL="342900" indent="-342900">
+              <a:lnSpc>
+                <a:spcPct val="150000"/>
+              </a:lnSpc>
+              <a:buFont typeface="Arial" panose="020B0604020202020204" pitchFamily="34" charset="0"/>
+              <a:buChar char="•"/>
+            </a:pPr>
+            <a:r>
+              <a:rPr lang="en-US" sz="2500" dirty="0">
+                <a:latin typeface="Times New Roman" panose="02020603050405020304" pitchFamily="18" charset="0"/>
+                <a:cs typeface="Times New Roman" panose="02020603050405020304" pitchFamily="18" charset="0"/>
+              </a:rPr>
+              <a:t>Large datasets can be clustered</a:t>
+            </a:r>
+          </a:p>
+          <a:p>
+            <a:pPr marL="342900" indent="-342900">
+              <a:lnSpc>
+                <a:spcPct val="150000"/>
+              </a:lnSpc>
+              <a:buFont typeface="Arial" panose="020B0604020202020204" pitchFamily="34" charset="0"/>
+              <a:buChar char="•"/>
+            </a:pPr>
+            <a:r>
+              <a:rPr lang="en-US" sz="2500" dirty="0">
+                <a:latin typeface="Times New Roman" panose="02020603050405020304" pitchFamily="18" charset="0"/>
+                <a:cs typeface="Times New Roman" panose="02020603050405020304" pitchFamily="18" charset="0"/>
+              </a:rPr>
+              <a:t>Cluster is formed from the summary of datapoints</a:t>
+            </a:r>
+          </a:p>
+          <a:p>
+            <a:pPr marL="342900" indent="-342900">
+              <a:lnSpc>
+                <a:spcPct val="150000"/>
+              </a:lnSpc>
+              <a:buFont typeface="Arial" panose="020B0604020202020204" pitchFamily="34" charset="0"/>
+              <a:buChar char="•"/>
+            </a:pPr>
+            <a:r>
+              <a:rPr lang="en-US" sz="2500" dirty="0">
+                <a:latin typeface="Times New Roman" panose="02020603050405020304" pitchFamily="18" charset="0"/>
+                <a:cs typeface="Times New Roman" panose="02020603050405020304" pitchFamily="18" charset="0"/>
+              </a:rPr>
+              <a:t>Summarizes data into Tree-like structure called Clustering Feature tree</a:t>
+            </a:r>
+          </a:p>
+          <a:p>
+            <a:pPr marL="342900" indent="-342900">
+              <a:lnSpc>
+                <a:spcPct val="150000"/>
+              </a:lnSpc>
+              <a:buFont typeface="Arial" panose="020B0604020202020204" pitchFamily="34" charset="0"/>
+              <a:buChar char="•"/>
+            </a:pPr>
+            <a:r>
+              <a:rPr lang="en-US" sz="2500" dirty="0">
+                <a:latin typeface="Times New Roman" panose="02020603050405020304" pitchFamily="18" charset="0"/>
+                <a:cs typeface="Times New Roman" panose="02020603050405020304" pitchFamily="18" charset="0"/>
+              </a:rPr>
+              <a:t>Applies clustering algorithm on the leaves of CF Tree</a:t>
+            </a:r>
+          </a:p>
+          <a:p>
+            <a:pPr marL="342900" indent="-342900">
+              <a:lnSpc>
+                <a:spcPct val="150000"/>
+              </a:lnSpc>
+              <a:buFont typeface="Arial" panose="020B0604020202020204" pitchFamily="34" charset="0"/>
+              <a:buChar char="•"/>
+            </a:pPr>
+            <a:r>
+              <a:rPr lang="en-US" sz="2500" dirty="0">
+                <a:latin typeface="Times New Roman" panose="02020603050405020304" pitchFamily="18" charset="0"/>
+                <a:cs typeface="Times New Roman" panose="02020603050405020304" pitchFamily="18" charset="0"/>
+              </a:rPr>
+              <a:t>CF Tree has number of subclusters</a:t>
+            </a:r>
+          </a:p>
+          <a:p>
+            <a:pPr marL="342900" indent="-342900">
+              <a:lnSpc>
+                <a:spcPct val="150000"/>
+              </a:lnSpc>
+              <a:buFont typeface="Arial" panose="020B0604020202020204" pitchFamily="34" charset="0"/>
+              <a:buChar char="•"/>
+            </a:pPr>
+            <a:r>
+              <a:rPr lang="en-US" sz="2500" dirty="0">
+                <a:latin typeface="Times New Roman" panose="02020603050405020304" pitchFamily="18" charset="0"/>
+                <a:cs typeface="Times New Roman" panose="02020603050405020304" pitchFamily="18" charset="0"/>
+              </a:rPr>
+              <a:t>Subclusters located in the Non terminal CF Tree</a:t>
+            </a:r>
+          </a:p>
+          <a:p>
+            <a:pPr marL="342900" indent="-342900">
+              <a:lnSpc>
+                <a:spcPct val="150000"/>
+              </a:lnSpc>
+              <a:buFont typeface="Arial" panose="020B0604020202020204" pitchFamily="34" charset="0"/>
+              <a:buChar char="•"/>
+            </a:pPr>
+            <a:endParaRPr lang="en-US" sz="2500" dirty="0">
+              <a:latin typeface="Times New Roman" panose="02020603050405020304" pitchFamily="18" charset="0"/>
+              <a:cs typeface="Times New Roman" panose="02020603050405020304" pitchFamily="18" charset="0"/>
+            </a:endParaRPr>
+          </a:p>
+          <a:p>
+            <a:pPr marL="342900" indent="-342900">
+              <a:lnSpc>
+                <a:spcPct val="150000"/>
+              </a:lnSpc>
+              <a:buFont typeface="Arial" panose="020B0604020202020204" pitchFamily="34" charset="0"/>
+              <a:buChar char="•"/>
+            </a:pPr>
+            <a:endParaRPr lang="en-US" sz="2500" dirty="0">
+              <a:latin typeface="Times New Roman" panose="02020603050405020304" pitchFamily="18" charset="0"/>
+              <a:cs typeface="Times New Roman" panose="02020603050405020304" pitchFamily="18" charset="0"/>
+            </a:endParaRPr>
+          </a:p>
+          <a:p>
+            <a:pPr marL="342900" indent="-342900">
+              <a:lnSpc>
+                <a:spcPct val="150000"/>
+              </a:lnSpc>
+              <a:buFont typeface="Arial" panose="020B0604020202020204" pitchFamily="34" charset="0"/>
+              <a:buChar char="•"/>
+            </a:pPr>
+            <a:endParaRPr lang="en-US" sz="2500" dirty="0">
+              <a:latin typeface="Times New Roman" panose="02020603050405020304" pitchFamily="18" charset="0"/>
+              <a:cs typeface="Times New Roman" panose="02020603050405020304" pitchFamily="18" charset="0"/>
+            </a:endParaRPr>
+          </a:p>
+          <a:p>
+            <a:pPr marL="342900" indent="-342900">
+              <a:lnSpc>
+                <a:spcPct val="150000"/>
+              </a:lnSpc>
+              <a:buFont typeface="Arial" panose="020B0604020202020204" pitchFamily="34" charset="0"/>
+              <a:buChar char="•"/>
+            </a:pPr>
+            <a:endParaRPr lang="en-US" sz="2500" dirty="0">
+              <a:latin typeface="Times New Roman" panose="02020603050405020304" pitchFamily="18" charset="0"/>
+              <a:cs typeface="Times New Roman" panose="02020603050405020304" pitchFamily="18" charset="0"/>
+            </a:endParaRPr>
+          </a:p>
+          <a:p>
+            <a:pPr marL="342900" indent="-342900">
+              <a:lnSpc>
+                <a:spcPct val="150000"/>
+              </a:lnSpc>
+              <a:buFont typeface="Arial" panose="020B0604020202020204" pitchFamily="34" charset="0"/>
+              <a:buChar char="•"/>
+            </a:pPr>
+            <a:endParaRPr lang="en-US" sz="2500" dirty="0">
+              <a:latin typeface="Times New Roman" panose="02020603050405020304" pitchFamily="18" charset="0"/>
+              <a:cs typeface="Times New Roman" panose="02020603050405020304" pitchFamily="18" charset="0"/>
+            </a:endParaRPr>
+          </a:p>
+          <a:p>
+            <a:pPr marL="342900" indent="-342900">
+              <a:lnSpc>
+                <a:spcPct val="150000"/>
+              </a:lnSpc>
+              <a:buFont typeface="Arial" panose="020B0604020202020204" pitchFamily="34" charset="0"/>
+              <a:buChar char="•"/>
+            </a:pPr>
+            <a:endParaRPr lang="en-US" sz="2500" dirty="0">
+              <a:latin typeface="Times New Roman" panose="02020603050405020304" pitchFamily="18" charset="0"/>
+              <a:cs typeface="Times New Roman" panose="02020603050405020304" pitchFamily="18" charset="0"/>
+            </a:endParaRPr>
+          </a:p>
+          <a:p>
+            <a:pPr marL="342900" indent="-342900">
+              <a:lnSpc>
+                <a:spcPct val="150000"/>
+              </a:lnSpc>
+              <a:buFont typeface="Arial" panose="020B0604020202020204" pitchFamily="34" charset="0"/>
+              <a:buChar char="•"/>
+            </a:pPr>
+            <a:endParaRPr lang="en-US" sz="2500" dirty="0">
+              <a:latin typeface="Times New Roman" panose="02020603050405020304" pitchFamily="18" charset="0"/>
+              <a:cs typeface="Times New Roman" panose="02020603050405020304" pitchFamily="18" charset="0"/>
+            </a:endParaRPr>
+          </a:p>
+          <a:p>
+            <a:pPr marL="342900" indent="-342900">
+              <a:lnSpc>
+                <a:spcPct val="150000"/>
+              </a:lnSpc>
+              <a:buFont typeface="Arial" panose="020B0604020202020204" pitchFamily="34" charset="0"/>
+              <a:buChar char="•"/>
+            </a:pPr>
+            <a:endParaRPr lang="en-US" sz="2500" dirty="0">
+              <a:latin typeface="Times New Roman" panose="02020603050405020304" pitchFamily="18" charset="0"/>
+              <a:cs typeface="Times New Roman" panose="02020603050405020304" pitchFamily="18" charset="0"/>
+            </a:endParaRPr>
+          </a:p>
+        </p:txBody>
+      </p:sp>
+    </p:spTree>
+    <p:extLst>
+      <p:ext uri="{BB962C8B-B14F-4D97-AF65-F5344CB8AC3E}">
+        <p14:creationId xmlns:p14="http://schemas.microsoft.com/office/powerpoint/2010/main" val="3191215442"/>
+      </p:ext>
+    </p:extLst>
+  </p:cSld>
+  <p:clrMapOvr>
+    <a:masterClrMapping/>
+  </p:clrMapOvr>
+</p:sld>
+</file>
+
+<file path=ppt/slides/slide26.xml><?xml version="1.0" encoding="utf-8"?>
+<p:sld xmlns:a="http://schemas.openxmlformats.org/drawingml/2006/main" xmlns:r="http://schemas.openxmlformats.org/officeDocument/2006/relationships" xmlns:p="http://schemas.openxmlformats.org/presentationml/2006/main">
+  <p:cSld>
+    <p:spTree>
+      <p:nvGrpSpPr>
+        <p:cNvPr id="1" name="">
+          <a:extLst>
+            <a:ext uri="{FF2B5EF4-FFF2-40B4-BE49-F238E27FC236}">
+              <a16:creationId xmlns:a16="http://schemas.microsoft.com/office/drawing/2014/main" id="{8036B147-FF55-DC7D-DBA4-4D4E743BBDA8}"/>
+            </a:ext>
+          </a:extLst>
+        </p:cNvPr>
+        <p:cNvGrpSpPr/>
+        <p:nvPr/>
+      </p:nvGrpSpPr>
+      <p:grpSpPr>
+        <a:xfrm>
+          <a:off x="0" y="0"/>
+          <a:ext cx="0" cy="0"/>
+          <a:chOff x="0" y="0"/>
+          <a:chExt cx="0" cy="0"/>
+        </a:xfrm>
+      </p:grpSpPr>
+      <p:sp>
+        <p:nvSpPr>
+          <p:cNvPr id="2" name="Title 1">
+            <a:extLst>
+              <a:ext uri="{FF2B5EF4-FFF2-40B4-BE49-F238E27FC236}">
+                <a16:creationId xmlns:a16="http://schemas.microsoft.com/office/drawing/2014/main" id="{45AF0568-7F38-1514-8F02-A4EABE8403BE}"/>
+              </a:ext>
+            </a:extLst>
+          </p:cNvPr>
+          <p:cNvSpPr>
+            <a:spLocks noGrp="1"/>
+          </p:cNvSpPr>
+          <p:nvPr>
+            <p:ph type="ctrTitle"/>
+          </p:nvPr>
+        </p:nvSpPr>
+        <p:spPr>
+          <a:xfrm>
+            <a:off x="2286000" y="615831"/>
+            <a:ext cx="8589246" cy="990217"/>
+          </a:xfrm>
+        </p:spPr>
+        <p:txBody>
+          <a:bodyPr>
+            <a:normAutofit/>
+          </a:bodyPr>
+          <a:lstStyle/>
+          <a:p>
+            <a:r>
+              <a:rPr lang="en-IN" dirty="0">
+                <a:solidFill>
+                  <a:srgbClr val="7030A0"/>
+                </a:solidFill>
+              </a:rPr>
+              <a:t>BIRCH</a:t>
+            </a:r>
+            <a:r>
+              <a:rPr lang="en-US" dirty="0">
+                <a:solidFill>
+                  <a:srgbClr val="7030A0"/>
+                </a:solidFill>
+              </a:rPr>
+              <a:t> </a:t>
+            </a:r>
+            <a:r>
+              <a:rPr lang="en-US" dirty="0" err="1">
+                <a:solidFill>
+                  <a:srgbClr val="7030A0"/>
+                </a:solidFill>
+              </a:rPr>
+              <a:t>CLustering</a:t>
+            </a:r>
+            <a:endParaRPr lang="en-IN" dirty="0">
+              <a:solidFill>
+                <a:srgbClr val="7030A0"/>
+              </a:solidFill>
+            </a:endParaRPr>
+          </a:p>
+        </p:txBody>
+      </p:sp>
+      <p:sp>
+        <p:nvSpPr>
+          <p:cNvPr id="8" name="Rectangle 1">
+            <a:extLst>
+              <a:ext uri="{FF2B5EF4-FFF2-40B4-BE49-F238E27FC236}">
+                <a16:creationId xmlns:a16="http://schemas.microsoft.com/office/drawing/2014/main" id="{8FD67D4A-C863-9BEB-E657-D41FFD1018D6}"/>
+              </a:ext>
+            </a:extLst>
+          </p:cNvPr>
+          <p:cNvSpPr>
+            <a:spLocks noChangeArrowheads="1"/>
+          </p:cNvSpPr>
+          <p:nvPr/>
+        </p:nvSpPr>
+        <p:spPr bwMode="auto">
+          <a:xfrm>
+            <a:off x="0" y="-273910"/>
+            <a:ext cx="65" cy="547821"/>
+          </a:xfrm>
+          <a:prstGeom prst="rect">
+            <a:avLst/>
+          </a:prstGeom>
+          <a:solidFill>
+            <a:srgbClr val="FFFFFF"/>
+          </a:solidFill>
+          <a:ln>
+            <a:noFill/>
+          </a:ln>
+          <a:effectLst/>
+          <a:extLst>
+            <a:ext uri="{91240B29-F687-4F45-9708-019B960494DF}">
+              <a14:hiddenLine xmlns:a14="http://schemas.microsoft.com/office/drawing/2010/main" w="9525">
+                <a:solidFill>
+                  <a:schemeClr val="tx1"/>
+                </a:solidFill>
+                <a:miter lim="800000"/>
+                <a:headEnd/>
+                <a:tailEnd/>
+              </a14:hiddenLine>
+            </a:ext>
+            <a:ext uri="{AF507438-7753-43E0-B8FC-AC1667EBCBE1}">
+              <a14:hiddenEffects xmlns:a14="http://schemas.microsoft.com/office/drawing/2010/main">
+                <a:effectLst>
+                  <a:outerShdw dist="35921" dir="2700000" algn="ctr" rotWithShape="0">
+                    <a:schemeClr val="bg2"/>
+                  </a:outerShdw>
+                </a:effectLst>
+              </a14:hiddenEffects>
+            </a:ext>
+          </a:extLst>
+        </p:spPr>
+        <p:txBody>
+          <a:bodyPr vert="horz" wrap="none" lIns="0" tIns="88872" rIns="0" bIns="179331" numCol="1" anchor="ctr" anchorCtr="0" compatLnSpc="1">
+            <a:prstTxWarp prst="textNoShape">
+              <a:avLst/>
+            </a:prstTxWarp>
+            <a:spAutoFit/>
+          </a:bodyPr>
+          <a:lstStyle/>
+          <a:p>
+            <a:pPr marL="0" marR="0" lvl="0" indent="0" algn="l" defTabSz="914400" rtl="0" eaLnBrk="0" fontAlgn="base" latinLnBrk="0" hangingPunct="0">
+              <a:lnSpc>
+                <a:spcPct val="100000"/>
+              </a:lnSpc>
+              <a:spcBef>
+                <a:spcPct val="0"/>
+              </a:spcBef>
+              <a:spcAft>
+                <a:spcPct val="0"/>
+              </a:spcAft>
+              <a:buClrTx/>
+              <a:buSzTx/>
+              <a:buFontTx/>
+              <a:buNone/>
+              <a:tabLst/>
+            </a:pPr>
+            <a:endParaRPr kumimoji="0" lang="en-US" altLang="en-US" sz="1800" b="0" i="0" u="none" strike="noStrike" cap="none" normalizeH="0" baseline="0" dirty="0">
+              <a:ln>
+                <a:noFill/>
+              </a:ln>
+              <a:solidFill>
+                <a:schemeClr val="tx1"/>
+              </a:solidFill>
+              <a:effectLst/>
+              <a:latin typeface="Arial" panose="020B0604020202020204" pitchFamily="34" charset="0"/>
+            </a:endParaRPr>
+          </a:p>
+        </p:txBody>
+      </p:sp>
+      <p:pic>
+        <p:nvPicPr>
+          <p:cNvPr id="4" name="Picture 3">
+            <a:extLst>
+              <a:ext uri="{FF2B5EF4-FFF2-40B4-BE49-F238E27FC236}">
+                <a16:creationId xmlns:a16="http://schemas.microsoft.com/office/drawing/2014/main" id="{044FC9A6-412A-9DA0-5727-91E86B5B06C1}"/>
+              </a:ext>
+            </a:extLst>
+          </p:cNvPr>
+          <p:cNvPicPr>
+            <a:picLocks noChangeAspect="1"/>
+          </p:cNvPicPr>
+          <p:nvPr/>
+        </p:nvPicPr>
+        <p:blipFill>
+          <a:blip r:embed="rId2"/>
+          <a:stretch>
+            <a:fillRect/>
+          </a:stretch>
+        </p:blipFill>
+        <p:spPr>
+          <a:xfrm>
+            <a:off x="4173793" y="5185786"/>
+            <a:ext cx="3784958" cy="1300777"/>
+          </a:xfrm>
+          <a:prstGeom prst="rect">
+            <a:avLst/>
+          </a:prstGeom>
+        </p:spPr>
+      </p:pic>
+      <p:sp>
+        <p:nvSpPr>
+          <p:cNvPr id="6" name="TextBox 5">
+            <a:extLst>
+              <a:ext uri="{FF2B5EF4-FFF2-40B4-BE49-F238E27FC236}">
+                <a16:creationId xmlns:a16="http://schemas.microsoft.com/office/drawing/2014/main" id="{AD743CBA-CB7E-6F70-23A3-B67AB42F7C7C}"/>
+              </a:ext>
+            </a:extLst>
+          </p:cNvPr>
+          <p:cNvSpPr txBox="1"/>
+          <p:nvPr/>
+        </p:nvSpPr>
+        <p:spPr>
+          <a:xfrm>
+            <a:off x="466263" y="1630967"/>
+            <a:ext cx="11612666" cy="2785378"/>
+          </a:xfrm>
+          <a:prstGeom prst="rect">
+            <a:avLst/>
+          </a:prstGeom>
+          <a:noFill/>
+        </p:spPr>
+        <p:txBody>
+          <a:bodyPr wrap="square" rtlCol="0">
+            <a:spAutoFit/>
+          </a:bodyPr>
+          <a:lstStyle/>
+          <a:p>
+            <a:r>
+              <a:rPr lang="en-US" sz="2500" dirty="0">
+                <a:latin typeface="Times New Roman" panose="02020603050405020304" pitchFamily="18" charset="0"/>
+                <a:cs typeface="Times New Roman" panose="02020603050405020304" pitchFamily="18" charset="0"/>
+              </a:rPr>
+              <a:t>★ </a:t>
+            </a:r>
+            <a:r>
+              <a:rPr lang="en-US" sz="2500" b="1" dirty="0">
+                <a:latin typeface="Times New Roman" panose="02020603050405020304" pitchFamily="18" charset="0"/>
+                <a:cs typeface="Times New Roman" panose="02020603050405020304" pitchFamily="18" charset="0"/>
+              </a:rPr>
+              <a:t>Count </a:t>
+            </a:r>
+          </a:p>
+          <a:p>
+            <a:r>
+              <a:rPr lang="en-US" sz="2500" dirty="0">
+                <a:latin typeface="Times New Roman" panose="02020603050405020304" pitchFamily="18" charset="0"/>
+                <a:cs typeface="Times New Roman" panose="02020603050405020304" pitchFamily="18" charset="0"/>
+              </a:rPr>
+              <a:t>	The number of data values in the cluster.</a:t>
+            </a:r>
+          </a:p>
+          <a:p>
+            <a:r>
+              <a:rPr lang="en-US" sz="2500" dirty="0">
+                <a:latin typeface="Times New Roman" panose="02020603050405020304" pitchFamily="18" charset="0"/>
+                <a:cs typeface="Times New Roman" panose="02020603050405020304" pitchFamily="18" charset="0"/>
+              </a:rPr>
+              <a:t>★ </a:t>
+            </a:r>
+            <a:r>
+              <a:rPr lang="en-US" sz="2500" b="1" dirty="0">
+                <a:latin typeface="Times New Roman" panose="02020603050405020304" pitchFamily="18" charset="0"/>
+                <a:cs typeface="Times New Roman" panose="02020603050405020304" pitchFamily="18" charset="0"/>
+              </a:rPr>
+              <a:t>Linear Sum </a:t>
+            </a:r>
+          </a:p>
+          <a:p>
+            <a:r>
+              <a:rPr lang="en-US" sz="2500" b="1" dirty="0">
+                <a:latin typeface="Times New Roman" panose="02020603050405020304" pitchFamily="18" charset="0"/>
+                <a:cs typeface="Times New Roman" panose="02020603050405020304" pitchFamily="18" charset="0"/>
+              </a:rPr>
+              <a:t>	</a:t>
+            </a:r>
+            <a:r>
+              <a:rPr lang="en-US" sz="2500" dirty="0">
+                <a:latin typeface="Times New Roman" panose="02020603050405020304" pitchFamily="18" charset="0"/>
+                <a:cs typeface="Times New Roman" panose="02020603050405020304" pitchFamily="18" charset="0"/>
+              </a:rPr>
+              <a:t>The sum of the individual coordinates. This is a measure of the location of the cluster.</a:t>
+            </a:r>
+          </a:p>
+          <a:p>
+            <a:r>
+              <a:rPr lang="en-US" sz="2500" dirty="0">
+                <a:latin typeface="Times New Roman" panose="02020603050405020304" pitchFamily="18" charset="0"/>
+                <a:cs typeface="Times New Roman" panose="02020603050405020304" pitchFamily="18" charset="0"/>
+              </a:rPr>
+              <a:t>★ </a:t>
+            </a:r>
+            <a:r>
+              <a:rPr lang="en-US" sz="2500" b="1" dirty="0">
+                <a:latin typeface="Times New Roman" panose="02020603050405020304" pitchFamily="18" charset="0"/>
+                <a:cs typeface="Times New Roman" panose="02020603050405020304" pitchFamily="18" charset="0"/>
+              </a:rPr>
+              <a:t>Squared Sum</a:t>
+            </a:r>
+            <a:r>
+              <a:rPr lang="en-US" sz="2500" dirty="0">
+                <a:latin typeface="Times New Roman" panose="02020603050405020304" pitchFamily="18" charset="0"/>
+                <a:cs typeface="Times New Roman" panose="02020603050405020304" pitchFamily="18" charset="0"/>
+              </a:rPr>
+              <a:t> </a:t>
+            </a:r>
+          </a:p>
+          <a:p>
+            <a:r>
+              <a:rPr lang="en-US" sz="2500" dirty="0">
+                <a:latin typeface="Times New Roman" panose="02020603050405020304" pitchFamily="18" charset="0"/>
+                <a:cs typeface="Times New Roman" panose="02020603050405020304" pitchFamily="18" charset="0"/>
+              </a:rPr>
+              <a:t>	The sum of the squared coordinates. This is a measure of the spread of the cluster.</a:t>
+            </a:r>
+          </a:p>
+          <a:p>
+            <a:endParaRPr lang="en-IN" sz="2500" dirty="0">
+              <a:latin typeface="Times New Roman" panose="02020603050405020304" pitchFamily="18" charset="0"/>
+              <a:cs typeface="Times New Roman" panose="02020603050405020304" pitchFamily="18" charset="0"/>
+            </a:endParaRPr>
+          </a:p>
+        </p:txBody>
+      </p:sp>
+    </p:spTree>
+    <p:extLst>
+      <p:ext uri="{BB962C8B-B14F-4D97-AF65-F5344CB8AC3E}">
+        <p14:creationId xmlns:p14="http://schemas.microsoft.com/office/powerpoint/2010/main" val="701894259"/>
+      </p:ext>
+    </p:extLst>
+  </p:cSld>
+  <p:clrMapOvr>
+    <a:masterClrMapping/>
+  </p:clrMapOvr>
+</p:sld>
+</file>
+
+<file path=ppt/slides/slide27.xml><?xml version="1.0" encoding="utf-8"?>
+<p:sld xmlns:a="http://schemas.openxmlformats.org/drawingml/2006/main" xmlns:r="http://schemas.openxmlformats.org/officeDocument/2006/relationships" xmlns:p="http://schemas.openxmlformats.org/presentationml/2006/main">
+  <p:cSld>
+    <p:spTree>
+      <p:nvGrpSpPr>
+        <p:cNvPr id="1" name="">
+          <a:extLst>
+            <a:ext uri="{FF2B5EF4-FFF2-40B4-BE49-F238E27FC236}">
+              <a16:creationId xmlns:a16="http://schemas.microsoft.com/office/drawing/2014/main" id="{B9D600D1-AB2A-0F6E-A34A-5E697680E9B1}"/>
+            </a:ext>
+          </a:extLst>
+        </p:cNvPr>
+        <p:cNvGrpSpPr/>
+        <p:nvPr/>
+      </p:nvGrpSpPr>
+      <p:grpSpPr>
+        <a:xfrm>
+          <a:off x="0" y="0"/>
+          <a:ext cx="0" cy="0"/>
+          <a:chOff x="0" y="0"/>
+          <a:chExt cx="0" cy="0"/>
+        </a:xfrm>
+      </p:grpSpPr>
+      <p:sp>
+        <p:nvSpPr>
+          <p:cNvPr id="2" name="Title 1">
+            <a:extLst>
+              <a:ext uri="{FF2B5EF4-FFF2-40B4-BE49-F238E27FC236}">
+                <a16:creationId xmlns:a16="http://schemas.microsoft.com/office/drawing/2014/main" id="{19F388E4-F2FB-240B-AD6A-981C8F6D47C0}"/>
+              </a:ext>
+            </a:extLst>
+          </p:cNvPr>
+          <p:cNvSpPr>
+            <a:spLocks noGrp="1"/>
+          </p:cNvSpPr>
+          <p:nvPr>
+            <p:ph type="ctrTitle"/>
+          </p:nvPr>
+        </p:nvSpPr>
+        <p:spPr>
+          <a:xfrm>
+            <a:off x="2993923" y="0"/>
+            <a:ext cx="8132045" cy="990217"/>
+          </a:xfrm>
+        </p:spPr>
+        <p:txBody>
+          <a:bodyPr>
+            <a:normAutofit/>
+          </a:bodyPr>
+          <a:lstStyle/>
+          <a:p>
+            <a:r>
+              <a:rPr lang="en-IN" dirty="0">
+                <a:solidFill>
+                  <a:srgbClr val="7030A0"/>
+                </a:solidFill>
+              </a:rPr>
+              <a:t>BIRCH</a:t>
+            </a:r>
+            <a:r>
+              <a:rPr lang="en-US" dirty="0">
+                <a:solidFill>
+                  <a:srgbClr val="7030A0"/>
+                </a:solidFill>
+              </a:rPr>
+              <a:t> </a:t>
+            </a:r>
+            <a:r>
+              <a:rPr lang="en-US" dirty="0" err="1">
+                <a:solidFill>
+                  <a:srgbClr val="7030A0"/>
+                </a:solidFill>
+              </a:rPr>
+              <a:t>CLustering</a:t>
+            </a:r>
+            <a:endParaRPr lang="en-IN" dirty="0">
+              <a:solidFill>
+                <a:srgbClr val="7030A0"/>
+              </a:solidFill>
+            </a:endParaRPr>
+          </a:p>
+        </p:txBody>
+      </p:sp>
+      <p:pic>
+        <p:nvPicPr>
+          <p:cNvPr id="4" name="Picture 3">
+            <a:extLst>
+              <a:ext uri="{FF2B5EF4-FFF2-40B4-BE49-F238E27FC236}">
+                <a16:creationId xmlns:a16="http://schemas.microsoft.com/office/drawing/2014/main" id="{DBC5181D-BAF3-3FBF-3AD6-19C4286A77DC}"/>
+              </a:ext>
+            </a:extLst>
+          </p:cNvPr>
+          <p:cNvPicPr>
+            <a:picLocks noChangeAspect="1"/>
+          </p:cNvPicPr>
+          <p:nvPr/>
+        </p:nvPicPr>
+        <p:blipFill>
+          <a:blip r:embed="rId2"/>
+          <a:stretch>
+            <a:fillRect/>
+          </a:stretch>
+        </p:blipFill>
+        <p:spPr>
+          <a:xfrm>
+            <a:off x="2993923" y="1565173"/>
+            <a:ext cx="5231223" cy="4009718"/>
+          </a:xfrm>
+          <a:prstGeom prst="rect">
+            <a:avLst/>
+          </a:prstGeom>
+        </p:spPr>
+      </p:pic>
+    </p:spTree>
+    <p:extLst>
+      <p:ext uri="{BB962C8B-B14F-4D97-AF65-F5344CB8AC3E}">
+        <p14:creationId xmlns:p14="http://schemas.microsoft.com/office/powerpoint/2010/main" val="3828637579"/>
       </p:ext>
     </p:extLst>
   </p:cSld>
@@ -13453,8 +17862,8 @@
         </p:nvSpPr>
         <p:spPr>
           <a:xfrm>
-            <a:off x="425670" y="129135"/>
-            <a:ext cx="10066118" cy="990217"/>
+            <a:off x="1902542" y="129135"/>
+            <a:ext cx="8589246" cy="990217"/>
           </a:xfrm>
         </p:spPr>
         <p:txBody>
@@ -13485,158 +17894,36 @@
           </a:p>
         </p:txBody>
       </p:sp>
-      <p:sp>
-        <p:nvSpPr>
-          <p:cNvPr id="8" name="TextBox 7">
+      <p:pic>
+        <p:nvPicPr>
+          <p:cNvPr id="4" name="Picture 3">
             <a:extLst>
               <a:ext uri="{FF2B5EF4-FFF2-40B4-BE49-F238E27FC236}">
-                <a16:creationId xmlns:a16="http://schemas.microsoft.com/office/drawing/2014/main" id="{61B4F2A1-E5E3-161C-1164-EA2502D94007}"/>
+                <a16:creationId xmlns:a16="http://schemas.microsoft.com/office/drawing/2014/main" id="{748BFDC8-D8BB-0FEA-88FA-DD966C986262}"/>
               </a:ext>
             </a:extLst>
           </p:cNvPr>
-          <p:cNvSpPr txBox="1"/>
+          <p:cNvPicPr>
+            <a:picLocks noChangeAspect="1"/>
+          </p:cNvPicPr>
           <p:nvPr/>
-        </p:nvSpPr>
+        </p:nvPicPr>
+        <p:blipFill>
+          <a:blip r:embed="rId2"/>
+          <a:stretch>
+            <a:fillRect/>
+          </a:stretch>
+        </p:blipFill>
         <p:spPr>
           <a:xfrm>
-            <a:off x="1008993" y="1939159"/>
-            <a:ext cx="12076386" cy="5216941"/>
+            <a:off x="1496192" y="2001172"/>
+            <a:ext cx="8237743" cy="2000250"/>
           </a:xfrm>
           <a:prstGeom prst="rect">
             <a:avLst/>
           </a:prstGeom>
-          <a:noFill/>
         </p:spPr>
-        <p:txBody>
-          <a:bodyPr wrap="square" rtlCol="0">
-            <a:spAutoFit/>
-          </a:bodyPr>
-          <a:lstStyle/>
-          <a:p>
-            <a:pPr marL="342900" indent="-342900">
-              <a:lnSpc>
-                <a:spcPct val="150000"/>
-              </a:lnSpc>
-              <a:buFont typeface="Arial" panose="020B0604020202020204" pitchFamily="34" charset="0"/>
-              <a:buChar char="•"/>
-            </a:pPr>
-            <a:r>
-              <a:rPr lang="en-US" sz="2500" dirty="0">
-                <a:latin typeface="Times New Roman" panose="02020603050405020304" pitchFamily="18" charset="0"/>
-                <a:cs typeface="Times New Roman" panose="02020603050405020304" pitchFamily="18" charset="0"/>
-              </a:rPr>
-              <a:t>Functionalities:</a:t>
-            </a:r>
-          </a:p>
-          <a:p>
-            <a:pPr marL="342900" indent="-342900">
-              <a:lnSpc>
-                <a:spcPct val="150000"/>
-              </a:lnSpc>
-              <a:buFont typeface="Arial" panose="020B0604020202020204" pitchFamily="34" charset="0"/>
-              <a:buChar char="•"/>
-            </a:pPr>
-            <a:r>
-              <a:rPr lang="en-US" sz="2500" dirty="0">
-                <a:latin typeface="Times New Roman" panose="02020603050405020304" pitchFamily="18" charset="0"/>
-                <a:cs typeface="Times New Roman" panose="02020603050405020304" pitchFamily="18" charset="0"/>
-              </a:rPr>
-              <a:t>Choose Initial Centroids</a:t>
-            </a:r>
-          </a:p>
-          <a:p>
-            <a:pPr marL="342900" indent="-342900">
-              <a:lnSpc>
-                <a:spcPct val="150000"/>
-              </a:lnSpc>
-              <a:buFont typeface="Arial" panose="020B0604020202020204" pitchFamily="34" charset="0"/>
-              <a:buChar char="•"/>
-            </a:pPr>
-            <a:r>
-              <a:rPr lang="en-US" sz="2500" dirty="0">
-                <a:latin typeface="Times New Roman" panose="02020603050405020304" pitchFamily="18" charset="0"/>
-                <a:cs typeface="Times New Roman" panose="02020603050405020304" pitchFamily="18" charset="0"/>
-              </a:rPr>
-              <a:t>Assigns each samples to its nearest centroids</a:t>
-            </a:r>
-          </a:p>
-          <a:p>
-            <a:pPr marL="342900" indent="-342900">
-              <a:lnSpc>
-                <a:spcPct val="150000"/>
-              </a:lnSpc>
-              <a:buFont typeface="Arial" panose="020B0604020202020204" pitchFamily="34" charset="0"/>
-              <a:buChar char="•"/>
-            </a:pPr>
-            <a:endParaRPr lang="en-US" sz="2500" dirty="0">
-              <a:latin typeface="Times New Roman" panose="02020603050405020304" pitchFamily="18" charset="0"/>
-              <a:cs typeface="Times New Roman" panose="02020603050405020304" pitchFamily="18" charset="0"/>
-            </a:endParaRPr>
-          </a:p>
-          <a:p>
-            <a:pPr marL="342900" indent="-342900">
-              <a:lnSpc>
-                <a:spcPct val="150000"/>
-              </a:lnSpc>
-              <a:buFont typeface="Arial" panose="020B0604020202020204" pitchFamily="34" charset="0"/>
-              <a:buChar char="•"/>
-            </a:pPr>
-            <a:r>
-              <a:rPr lang="en-US" sz="2500" dirty="0">
-                <a:latin typeface="Times New Roman" panose="02020603050405020304" pitchFamily="18" charset="0"/>
-                <a:cs typeface="Times New Roman" panose="02020603050405020304" pitchFamily="18" charset="0"/>
-              </a:rPr>
-              <a:t>Looping </a:t>
-            </a:r>
-          </a:p>
-          <a:p>
-            <a:pPr marL="342900" indent="-342900">
-              <a:lnSpc>
-                <a:spcPct val="150000"/>
-              </a:lnSpc>
-              <a:buFont typeface="Arial" panose="020B0604020202020204" pitchFamily="34" charset="0"/>
-              <a:buChar char="•"/>
-            </a:pPr>
-            <a:endParaRPr lang="en-US" sz="2500" dirty="0">
-              <a:latin typeface="Times New Roman" panose="02020603050405020304" pitchFamily="18" charset="0"/>
-              <a:cs typeface="Times New Roman" panose="02020603050405020304" pitchFamily="18" charset="0"/>
-            </a:endParaRPr>
-          </a:p>
-          <a:p>
-            <a:pPr>
-              <a:lnSpc>
-                <a:spcPct val="150000"/>
-              </a:lnSpc>
-            </a:pPr>
-            <a:endParaRPr lang="en-US" sz="2500" dirty="0">
-              <a:latin typeface="Times New Roman" panose="02020603050405020304" pitchFamily="18" charset="0"/>
-              <a:cs typeface="Times New Roman" panose="02020603050405020304" pitchFamily="18" charset="0"/>
-            </a:endParaRPr>
-          </a:p>
-          <a:p>
-            <a:pPr>
-              <a:lnSpc>
-                <a:spcPct val="150000"/>
-              </a:lnSpc>
-            </a:pPr>
-            <a:endParaRPr lang="en-US" sz="2500" dirty="0">
-              <a:latin typeface="Times New Roman" panose="02020603050405020304" pitchFamily="18" charset="0"/>
-              <a:cs typeface="Times New Roman" panose="02020603050405020304" pitchFamily="18" charset="0"/>
-            </a:endParaRPr>
-          </a:p>
-          <a:p>
-            <a:pPr>
-              <a:lnSpc>
-                <a:spcPct val="150000"/>
-              </a:lnSpc>
-            </a:pPr>
-            <a:endParaRPr lang="en-IN" sz="2500" dirty="0">
-              <a:latin typeface="Times New Roman" panose="02020603050405020304" pitchFamily="18" charset="0"/>
-              <a:cs typeface="Times New Roman" panose="02020603050405020304" pitchFamily="18" charset="0"/>
-            </a:endParaRPr>
-          </a:p>
-        </p:txBody>
-      </p:sp>
+      </p:pic>
     </p:spTree>
     <p:extLst>
       <p:ext uri="{BB962C8B-B14F-4D97-AF65-F5344CB8AC3E}">
@@ -13691,8 +17978,8 @@
         </p:nvSpPr>
         <p:spPr>
           <a:xfrm>
-            <a:off x="425670" y="129135"/>
-            <a:ext cx="10066118" cy="990217"/>
+            <a:off x="2551470" y="129135"/>
+            <a:ext cx="7940317" cy="990217"/>
           </a:xfrm>
         </p:spPr>
         <p:txBody>
@@ -13855,6 +18142,795 @@
     <p:extLst>
       <p:ext uri="{BB962C8B-B14F-4D97-AF65-F5344CB8AC3E}">
         <p14:creationId xmlns:p14="http://schemas.microsoft.com/office/powerpoint/2010/main" val="854756338"/>
+      </p:ext>
+    </p:extLst>
+  </p:cSld>
+  <p:clrMapOvr>
+    <a:masterClrMapping/>
+  </p:clrMapOvr>
+</p:sld>
+</file>
+
+<file path=ppt/slides/slide7.xml><?xml version="1.0" encoding="utf-8"?>
+<p:sld xmlns:a="http://schemas.openxmlformats.org/drawingml/2006/main" xmlns:r="http://schemas.openxmlformats.org/officeDocument/2006/relationships" xmlns:p="http://schemas.openxmlformats.org/presentationml/2006/main">
+  <p:cSld>
+    <p:spTree>
+      <p:nvGrpSpPr>
+        <p:cNvPr id="1" name="">
+          <a:extLst>
+            <a:ext uri="{FF2B5EF4-FFF2-40B4-BE49-F238E27FC236}">
+              <a16:creationId xmlns:a16="http://schemas.microsoft.com/office/drawing/2014/main" id="{01506720-EFFC-447D-BB13-B1B56E90EB97}"/>
+            </a:ext>
+          </a:extLst>
+        </p:cNvPr>
+        <p:cNvGrpSpPr/>
+        <p:nvPr/>
+      </p:nvGrpSpPr>
+      <p:grpSpPr>
+        <a:xfrm>
+          <a:off x="0" y="0"/>
+          <a:ext cx="0" cy="0"/>
+          <a:chOff x="0" y="0"/>
+          <a:chExt cx="0" cy="0"/>
+        </a:xfrm>
+      </p:grpSpPr>
+      <p:sp>
+        <p:nvSpPr>
+          <p:cNvPr id="2" name="Title 1">
+            <a:extLst>
+              <a:ext uri="{FF2B5EF4-FFF2-40B4-BE49-F238E27FC236}">
+                <a16:creationId xmlns:a16="http://schemas.microsoft.com/office/drawing/2014/main" id="{A096E518-63F6-7BF0-D2E8-38BE0A79C6BB}"/>
+              </a:ext>
+            </a:extLst>
+          </p:cNvPr>
+          <p:cNvSpPr>
+            <a:spLocks noGrp="1"/>
+          </p:cNvSpPr>
+          <p:nvPr>
+            <p:ph type="ctrTitle"/>
+          </p:nvPr>
+        </p:nvSpPr>
+        <p:spPr>
+          <a:xfrm>
+            <a:off x="663678" y="129135"/>
+            <a:ext cx="9828110" cy="990217"/>
+          </a:xfrm>
+        </p:spPr>
+        <p:txBody>
+          <a:bodyPr>
+            <a:normAutofit/>
+          </a:bodyPr>
+          <a:lstStyle/>
+          <a:p>
+            <a:r>
+              <a:rPr lang="en-US" dirty="0">
+                <a:solidFill>
+                  <a:srgbClr val="7030A0"/>
+                </a:solidFill>
+              </a:rPr>
+              <a:t>Affinity Propagation </a:t>
+            </a:r>
+            <a:r>
+              <a:rPr lang="en-US" dirty="0" err="1">
+                <a:solidFill>
+                  <a:srgbClr val="7030A0"/>
+                </a:solidFill>
+              </a:rPr>
+              <a:t>CLustering</a:t>
+            </a:r>
+            <a:endParaRPr lang="en-IN" dirty="0">
+              <a:solidFill>
+                <a:srgbClr val="7030A0"/>
+              </a:solidFill>
+            </a:endParaRPr>
+          </a:p>
+        </p:txBody>
+      </p:sp>
+      <p:sp>
+        <p:nvSpPr>
+          <p:cNvPr id="8" name="TextBox 7">
+            <a:extLst>
+              <a:ext uri="{FF2B5EF4-FFF2-40B4-BE49-F238E27FC236}">
+                <a16:creationId xmlns:a16="http://schemas.microsoft.com/office/drawing/2014/main" id="{EEEB8D68-C9FB-3E23-682C-00E5B46B373D}"/>
+              </a:ext>
+            </a:extLst>
+          </p:cNvPr>
+          <p:cNvSpPr txBox="1"/>
+          <p:nvPr/>
+        </p:nvSpPr>
+        <p:spPr>
+          <a:xfrm>
+            <a:off x="979497" y="1614695"/>
+            <a:ext cx="12076386" cy="4639860"/>
+          </a:xfrm>
+          <a:prstGeom prst="rect">
+            <a:avLst/>
+          </a:prstGeom>
+          <a:noFill/>
+        </p:spPr>
+        <p:txBody>
+          <a:bodyPr wrap="square" rtlCol="0">
+            <a:spAutoFit/>
+          </a:bodyPr>
+          <a:lstStyle/>
+          <a:p>
+            <a:pPr marL="342900" indent="-342900">
+              <a:lnSpc>
+                <a:spcPct val="150000"/>
+              </a:lnSpc>
+              <a:buFont typeface="Arial" panose="020B0604020202020204" pitchFamily="34" charset="0"/>
+              <a:buChar char="•"/>
+            </a:pPr>
+            <a:r>
+              <a:rPr lang="en-US" sz="2500" dirty="0">
+                <a:latin typeface="Times New Roman" panose="02020603050405020304" pitchFamily="18" charset="0"/>
+                <a:cs typeface="Times New Roman" panose="02020603050405020304" pitchFamily="18" charset="0"/>
+              </a:rPr>
+              <a:t>Creates Clusters by sending messages between pairs of samples until convergence</a:t>
+            </a:r>
+          </a:p>
+          <a:p>
+            <a:pPr marL="342900" indent="-342900">
+              <a:lnSpc>
+                <a:spcPct val="150000"/>
+              </a:lnSpc>
+              <a:buFont typeface="Arial" panose="020B0604020202020204" pitchFamily="34" charset="0"/>
+              <a:buChar char="•"/>
+            </a:pPr>
+            <a:r>
+              <a:rPr lang="en-US" sz="2500" dirty="0">
+                <a:latin typeface="Times New Roman" panose="02020603050405020304" pitchFamily="18" charset="0"/>
+                <a:cs typeface="Times New Roman" panose="02020603050405020304" pitchFamily="18" charset="0"/>
+              </a:rPr>
+              <a:t>Exemplars created from dataset</a:t>
+            </a:r>
+          </a:p>
+          <a:p>
+            <a:pPr marL="342900" indent="-342900">
+              <a:lnSpc>
+                <a:spcPct val="150000"/>
+              </a:lnSpc>
+              <a:buFont typeface="Arial" panose="020B0604020202020204" pitchFamily="34" charset="0"/>
+              <a:buChar char="•"/>
+            </a:pPr>
+            <a:r>
+              <a:rPr lang="en-US" sz="2500" dirty="0">
+                <a:latin typeface="Times New Roman" panose="02020603050405020304" pitchFamily="18" charset="0"/>
+                <a:cs typeface="Times New Roman" panose="02020603050405020304" pitchFamily="18" charset="0"/>
+              </a:rPr>
+              <a:t>Representative members of the cluster is Exemplars</a:t>
+            </a:r>
+          </a:p>
+          <a:p>
+            <a:pPr marL="342900" indent="-342900">
+              <a:lnSpc>
+                <a:spcPct val="150000"/>
+              </a:lnSpc>
+              <a:buFont typeface="Arial" panose="020B0604020202020204" pitchFamily="34" charset="0"/>
+              <a:buChar char="•"/>
+            </a:pPr>
+            <a:r>
+              <a:rPr lang="en-US" sz="2500" dirty="0">
+                <a:latin typeface="Times New Roman" panose="02020603050405020304" pitchFamily="18" charset="0"/>
+                <a:cs typeface="Times New Roman" panose="02020603050405020304" pitchFamily="18" charset="0"/>
+              </a:rPr>
+              <a:t>Iteration of dataset until convergence</a:t>
+            </a:r>
+          </a:p>
+          <a:p>
+            <a:pPr marL="342900" indent="-342900">
+              <a:lnSpc>
+                <a:spcPct val="150000"/>
+              </a:lnSpc>
+              <a:buFont typeface="Arial" panose="020B0604020202020204" pitchFamily="34" charset="0"/>
+              <a:buChar char="•"/>
+            </a:pPr>
+            <a:r>
+              <a:rPr lang="en-US" sz="2500" dirty="0">
+                <a:latin typeface="Times New Roman" panose="02020603050405020304" pitchFamily="18" charset="0"/>
+                <a:cs typeface="Times New Roman" panose="02020603050405020304" pitchFamily="18" charset="0"/>
+              </a:rPr>
+              <a:t>Parameters are:</a:t>
+            </a:r>
+          </a:p>
+          <a:p>
+            <a:pPr marL="800100" lvl="1" indent="-342900">
+              <a:lnSpc>
+                <a:spcPct val="150000"/>
+              </a:lnSpc>
+              <a:buFont typeface="Arial" panose="020B0604020202020204" pitchFamily="34" charset="0"/>
+              <a:buChar char="•"/>
+            </a:pPr>
+            <a:r>
+              <a:rPr lang="en-IN" sz="2500" dirty="0">
+                <a:latin typeface="Times New Roman" panose="02020603050405020304" pitchFamily="18" charset="0"/>
+                <a:cs typeface="Times New Roman" panose="02020603050405020304" pitchFamily="18" charset="0"/>
+              </a:rPr>
+              <a:t>Preference – To Control the Exemplars</a:t>
+            </a:r>
+          </a:p>
+          <a:p>
+            <a:pPr marL="800100" lvl="1" indent="-342900">
+              <a:lnSpc>
+                <a:spcPct val="150000"/>
+              </a:lnSpc>
+              <a:buFont typeface="Arial" panose="020B0604020202020204" pitchFamily="34" charset="0"/>
+              <a:buChar char="•"/>
+            </a:pPr>
+            <a:r>
+              <a:rPr lang="en-IN" sz="2500" dirty="0">
+                <a:latin typeface="Times New Roman" panose="02020603050405020304" pitchFamily="18" charset="0"/>
+                <a:cs typeface="Times New Roman" panose="02020603050405020304" pitchFamily="18" charset="0"/>
+              </a:rPr>
+              <a:t>Damping factor – Number to avoid the oscillations </a:t>
+            </a:r>
+            <a:endParaRPr lang="en-US" sz="2500" dirty="0">
+              <a:latin typeface="Times New Roman" panose="02020603050405020304" pitchFamily="18" charset="0"/>
+              <a:cs typeface="Times New Roman" panose="02020603050405020304" pitchFamily="18" charset="0"/>
+            </a:endParaRPr>
+          </a:p>
+          <a:p>
+            <a:pPr marL="342900" indent="-342900">
+              <a:lnSpc>
+                <a:spcPct val="150000"/>
+              </a:lnSpc>
+              <a:buFont typeface="Arial" panose="020B0604020202020204" pitchFamily="34" charset="0"/>
+              <a:buChar char="•"/>
+            </a:pPr>
+            <a:endParaRPr lang="en-US" sz="2500" dirty="0">
+              <a:latin typeface="Times New Roman" panose="02020603050405020304" pitchFamily="18" charset="0"/>
+              <a:cs typeface="Times New Roman" panose="02020603050405020304" pitchFamily="18" charset="0"/>
+            </a:endParaRPr>
+          </a:p>
+        </p:txBody>
+      </p:sp>
+    </p:spTree>
+    <p:extLst>
+      <p:ext uri="{BB962C8B-B14F-4D97-AF65-F5344CB8AC3E}">
+        <p14:creationId xmlns:p14="http://schemas.microsoft.com/office/powerpoint/2010/main" val="2642540276"/>
+      </p:ext>
+    </p:extLst>
+  </p:cSld>
+  <p:clrMapOvr>
+    <a:masterClrMapping/>
+  </p:clrMapOvr>
+</p:sld>
+</file>
+
+<file path=ppt/slides/slide8.xml><?xml version="1.0" encoding="utf-8"?>
+<p:sld xmlns:a="http://schemas.openxmlformats.org/drawingml/2006/main" xmlns:r="http://schemas.openxmlformats.org/officeDocument/2006/relationships" xmlns:p="http://schemas.openxmlformats.org/presentationml/2006/main">
+  <p:cSld>
+    <p:spTree>
+      <p:nvGrpSpPr>
+        <p:cNvPr id="1" name="">
+          <a:extLst>
+            <a:ext uri="{FF2B5EF4-FFF2-40B4-BE49-F238E27FC236}">
+              <a16:creationId xmlns:a16="http://schemas.microsoft.com/office/drawing/2014/main" id="{A400CC4C-818B-4319-9086-534E8EFCBCDE}"/>
+            </a:ext>
+          </a:extLst>
+        </p:cNvPr>
+        <p:cNvGrpSpPr/>
+        <p:nvPr/>
+      </p:nvGrpSpPr>
+      <p:grpSpPr>
+        <a:xfrm>
+          <a:off x="0" y="0"/>
+          <a:ext cx="0" cy="0"/>
+          <a:chOff x="0" y="0"/>
+          <a:chExt cx="0" cy="0"/>
+        </a:xfrm>
+      </p:grpSpPr>
+      <p:sp>
+        <p:nvSpPr>
+          <p:cNvPr id="2" name="Title 1">
+            <a:extLst>
+              <a:ext uri="{FF2B5EF4-FFF2-40B4-BE49-F238E27FC236}">
+                <a16:creationId xmlns:a16="http://schemas.microsoft.com/office/drawing/2014/main" id="{D1EBC6A9-B073-FA16-CC50-22E552A3F607}"/>
+              </a:ext>
+            </a:extLst>
+          </p:cNvPr>
+          <p:cNvSpPr>
+            <a:spLocks noGrp="1"/>
+          </p:cNvSpPr>
+          <p:nvPr>
+            <p:ph type="ctrTitle"/>
+          </p:nvPr>
+        </p:nvSpPr>
+        <p:spPr>
+          <a:xfrm>
+            <a:off x="1026011" y="129135"/>
+            <a:ext cx="9946098" cy="990217"/>
+          </a:xfrm>
+        </p:spPr>
+        <p:txBody>
+          <a:bodyPr>
+            <a:normAutofit/>
+          </a:bodyPr>
+          <a:lstStyle/>
+          <a:p>
+            <a:r>
+              <a:rPr lang="en-US" dirty="0">
+                <a:solidFill>
+                  <a:srgbClr val="7030A0"/>
+                </a:solidFill>
+              </a:rPr>
+              <a:t>Affinity Propagation </a:t>
+            </a:r>
+            <a:r>
+              <a:rPr lang="en-US" dirty="0" err="1">
+                <a:solidFill>
+                  <a:srgbClr val="7030A0"/>
+                </a:solidFill>
+              </a:rPr>
+              <a:t>CLustering</a:t>
+            </a:r>
+            <a:endParaRPr lang="en-IN" dirty="0">
+              <a:solidFill>
+                <a:srgbClr val="7030A0"/>
+              </a:solidFill>
+            </a:endParaRPr>
+          </a:p>
+        </p:txBody>
+      </p:sp>
+      <p:pic>
+        <p:nvPicPr>
+          <p:cNvPr id="5" name="Picture 4">
+            <a:extLst>
+              <a:ext uri="{FF2B5EF4-FFF2-40B4-BE49-F238E27FC236}">
+                <a16:creationId xmlns:a16="http://schemas.microsoft.com/office/drawing/2014/main" id="{90E85B2F-21BF-D86D-70CE-AA9F3B5F031A}"/>
+              </a:ext>
+            </a:extLst>
+          </p:cNvPr>
+          <p:cNvPicPr>
+            <a:picLocks noChangeAspect="1"/>
+          </p:cNvPicPr>
+          <p:nvPr/>
+        </p:nvPicPr>
+        <p:blipFill>
+          <a:blip r:embed="rId2"/>
+          <a:stretch>
+            <a:fillRect/>
+          </a:stretch>
+        </p:blipFill>
+        <p:spPr>
+          <a:xfrm>
+            <a:off x="1902542" y="4261722"/>
+            <a:ext cx="5999367" cy="1740924"/>
+          </a:xfrm>
+          <a:prstGeom prst="rect">
+            <a:avLst/>
+          </a:prstGeom>
+        </p:spPr>
+      </p:pic>
+      <p:sp>
+        <p:nvSpPr>
+          <p:cNvPr id="7" name="TextBox 6">
+            <a:extLst>
+              <a:ext uri="{FF2B5EF4-FFF2-40B4-BE49-F238E27FC236}">
+                <a16:creationId xmlns:a16="http://schemas.microsoft.com/office/drawing/2014/main" id="{B03BDD4E-B0C3-72BC-3A65-7546B1219DAD}"/>
+              </a:ext>
+            </a:extLst>
+          </p:cNvPr>
+          <p:cNvSpPr txBox="1"/>
+          <p:nvPr/>
+        </p:nvSpPr>
+        <p:spPr>
+          <a:xfrm>
+            <a:off x="1506333" y="1119352"/>
+            <a:ext cx="8985455" cy="3170099"/>
+          </a:xfrm>
+          <a:prstGeom prst="rect">
+            <a:avLst/>
+          </a:prstGeom>
+          <a:noFill/>
+        </p:spPr>
+        <p:txBody>
+          <a:bodyPr wrap="square">
+            <a:spAutoFit/>
+          </a:bodyPr>
+          <a:lstStyle/>
+          <a:p>
+            <a:r>
+              <a:rPr lang="en-IN" sz="2000" b="1" dirty="0">
+                <a:latin typeface="Times New Roman" panose="02020603050405020304" pitchFamily="18" charset="0"/>
+                <a:cs typeface="Times New Roman" panose="02020603050405020304" pitchFamily="18" charset="0"/>
+              </a:rPr>
+              <a:t>Advantages</a:t>
+            </a:r>
+            <a:r>
+              <a:rPr lang="en-IN" sz="2000" dirty="0">
+                <a:latin typeface="Times New Roman" panose="02020603050405020304" pitchFamily="18" charset="0"/>
+                <a:cs typeface="Times New Roman" panose="02020603050405020304" pitchFamily="18" charset="0"/>
+              </a:rPr>
+              <a:t>:</a:t>
+            </a:r>
+          </a:p>
+          <a:p>
+            <a:endParaRPr lang="en-IN" sz="2000" dirty="0">
+              <a:latin typeface="Times New Roman" panose="02020603050405020304" pitchFamily="18" charset="0"/>
+              <a:cs typeface="Times New Roman" panose="02020603050405020304" pitchFamily="18" charset="0"/>
+            </a:endParaRPr>
+          </a:p>
+          <a:p>
+            <a:pPr marL="285750" indent="-285750">
+              <a:buFont typeface="Arial" panose="020B0604020202020204" pitchFamily="34" charset="0"/>
+              <a:buChar char="•"/>
+            </a:pPr>
+            <a:r>
+              <a:rPr lang="en-US" sz="2000" dirty="0">
+                <a:latin typeface="Times New Roman" panose="02020603050405020304" pitchFamily="18" charset="0"/>
+                <a:cs typeface="Times New Roman" panose="02020603050405020304" pitchFamily="18" charset="0"/>
+              </a:rPr>
+              <a:t>Automatically determines the number of clusters.</a:t>
+            </a:r>
+          </a:p>
+          <a:p>
+            <a:pPr marL="285750" indent="-285750">
+              <a:buFont typeface="Arial" panose="020B0604020202020204" pitchFamily="34" charset="0"/>
+              <a:buChar char="•"/>
+            </a:pPr>
+            <a:r>
+              <a:rPr lang="en-US" sz="2000" dirty="0">
+                <a:latin typeface="Times New Roman" panose="02020603050405020304" pitchFamily="18" charset="0"/>
+                <a:cs typeface="Times New Roman" panose="02020603050405020304" pitchFamily="18" charset="0"/>
+              </a:rPr>
+              <a:t>Can be effective for datasets with varying densities.</a:t>
+            </a:r>
+          </a:p>
+          <a:p>
+            <a:pPr marL="285750" indent="-285750">
+              <a:buFont typeface="Arial" panose="020B0604020202020204" pitchFamily="34" charset="0"/>
+              <a:buChar char="•"/>
+            </a:pPr>
+            <a:endParaRPr lang="en-US" sz="2000" dirty="0">
+              <a:latin typeface="Times New Roman" panose="02020603050405020304" pitchFamily="18" charset="0"/>
+              <a:cs typeface="Times New Roman" panose="02020603050405020304" pitchFamily="18" charset="0"/>
+            </a:endParaRPr>
+          </a:p>
+          <a:p>
+            <a:r>
+              <a:rPr lang="en-US" sz="2000" b="1" dirty="0">
+                <a:latin typeface="Times New Roman" panose="02020603050405020304" pitchFamily="18" charset="0"/>
+                <a:cs typeface="Times New Roman" panose="02020603050405020304" pitchFamily="18" charset="0"/>
+              </a:rPr>
+              <a:t>Disadvantages</a:t>
+            </a:r>
+            <a:r>
+              <a:rPr lang="en-US" sz="2000" dirty="0">
+                <a:latin typeface="Times New Roman" panose="02020603050405020304" pitchFamily="18" charset="0"/>
+                <a:cs typeface="Times New Roman" panose="02020603050405020304" pitchFamily="18" charset="0"/>
+              </a:rPr>
+              <a:t>:</a:t>
+            </a:r>
+          </a:p>
+          <a:p>
+            <a:pPr marL="342900" indent="-342900">
+              <a:buFont typeface="Arial" panose="020B0604020202020204" pitchFamily="34" charset="0"/>
+              <a:buChar char="•"/>
+            </a:pPr>
+            <a:r>
+              <a:rPr lang="en-US" sz="2000" dirty="0">
+                <a:latin typeface="Times New Roman" panose="02020603050405020304" pitchFamily="18" charset="0"/>
+                <a:cs typeface="Times New Roman" panose="02020603050405020304" pitchFamily="18" charset="0"/>
+              </a:rPr>
+              <a:t>Complexity</a:t>
+            </a:r>
+          </a:p>
+          <a:p>
+            <a:pPr marL="285750" indent="-285750">
+              <a:buFont typeface="Arial" panose="020B0604020202020204" pitchFamily="34" charset="0"/>
+              <a:buChar char="•"/>
+            </a:pPr>
+            <a:r>
+              <a:rPr lang="en-US" sz="2000" dirty="0">
+                <a:latin typeface="Times New Roman" panose="02020603050405020304" pitchFamily="18" charset="0"/>
+                <a:cs typeface="Times New Roman" panose="02020603050405020304" pitchFamily="18" charset="0"/>
+              </a:rPr>
+              <a:t>Computationally expensive, especially for large datasets.</a:t>
+            </a:r>
+          </a:p>
+          <a:p>
+            <a:pPr marL="285750" indent="-285750">
+              <a:buFont typeface="Arial" panose="020B0604020202020204" pitchFamily="34" charset="0"/>
+              <a:buChar char="•"/>
+            </a:pPr>
+            <a:r>
+              <a:rPr lang="en-US" sz="2000" dirty="0">
+                <a:latin typeface="Times New Roman" panose="02020603050405020304" pitchFamily="18" charset="0"/>
+                <a:cs typeface="Times New Roman" panose="02020603050405020304" pitchFamily="18" charset="0"/>
+              </a:rPr>
+              <a:t>May produce many small clusters or have difficulty converging on some datasets. </a:t>
+            </a:r>
+            <a:r>
+              <a:rPr lang="en-IN" sz="2000" dirty="0">
+                <a:latin typeface="Times New Roman" panose="02020603050405020304" pitchFamily="18" charset="0"/>
+                <a:cs typeface="Times New Roman" panose="02020603050405020304" pitchFamily="18" charset="0"/>
+              </a:rPr>
+              <a:t> </a:t>
+            </a:r>
+          </a:p>
+          <a:p>
+            <a:endParaRPr lang="en-IN" sz="2000" dirty="0"/>
+          </a:p>
+        </p:txBody>
+      </p:sp>
+      <p:sp>
+        <p:nvSpPr>
+          <p:cNvPr id="8" name="Rectangle 1">
+            <a:extLst>
+              <a:ext uri="{FF2B5EF4-FFF2-40B4-BE49-F238E27FC236}">
+                <a16:creationId xmlns:a16="http://schemas.microsoft.com/office/drawing/2014/main" id="{B0090D41-3CF0-3A46-6EB0-696946704936}"/>
+              </a:ext>
+            </a:extLst>
+          </p:cNvPr>
+          <p:cNvSpPr>
+            <a:spLocks noChangeArrowheads="1"/>
+          </p:cNvSpPr>
+          <p:nvPr/>
+        </p:nvSpPr>
+        <p:spPr bwMode="auto">
+          <a:xfrm>
+            <a:off x="0" y="-273910"/>
+            <a:ext cx="65" cy="547821"/>
+          </a:xfrm>
+          <a:prstGeom prst="rect">
+            <a:avLst/>
+          </a:prstGeom>
+          <a:solidFill>
+            <a:srgbClr val="FFFFFF"/>
+          </a:solidFill>
+          <a:ln>
+            <a:noFill/>
+          </a:ln>
+          <a:effectLst/>
+          <a:extLst>
+            <a:ext uri="{91240B29-F687-4F45-9708-019B960494DF}">
+              <a14:hiddenLine xmlns:a14="http://schemas.microsoft.com/office/drawing/2010/main" w="9525">
+                <a:solidFill>
+                  <a:schemeClr val="tx1"/>
+                </a:solidFill>
+                <a:miter lim="800000"/>
+                <a:headEnd/>
+                <a:tailEnd/>
+              </a14:hiddenLine>
+            </a:ext>
+            <a:ext uri="{AF507438-7753-43E0-B8FC-AC1667EBCBE1}">
+              <a14:hiddenEffects xmlns:a14="http://schemas.microsoft.com/office/drawing/2010/main">
+                <a:effectLst>
+                  <a:outerShdw dist="35921" dir="2700000" algn="ctr" rotWithShape="0">
+                    <a:schemeClr val="bg2"/>
+                  </a:outerShdw>
+                </a:effectLst>
+              </a14:hiddenEffects>
+            </a:ext>
+          </a:extLst>
+        </p:spPr>
+        <p:txBody>
+          <a:bodyPr vert="horz" wrap="none" lIns="0" tIns="88872" rIns="0" bIns="179331" numCol="1" anchor="ctr" anchorCtr="0" compatLnSpc="1">
+            <a:prstTxWarp prst="textNoShape">
+              <a:avLst/>
+            </a:prstTxWarp>
+            <a:spAutoFit/>
+          </a:bodyPr>
+          <a:lstStyle/>
+          <a:p>
+            <a:pPr marL="0" marR="0" lvl="0" indent="0" algn="l" defTabSz="914400" rtl="0" eaLnBrk="0" fontAlgn="base" latinLnBrk="0" hangingPunct="0">
+              <a:lnSpc>
+                <a:spcPct val="100000"/>
+              </a:lnSpc>
+              <a:spcBef>
+                <a:spcPct val="0"/>
+              </a:spcBef>
+              <a:spcAft>
+                <a:spcPct val="0"/>
+              </a:spcAft>
+              <a:buClrTx/>
+              <a:buSzTx/>
+              <a:buFontTx/>
+              <a:buNone/>
+              <a:tabLst/>
+            </a:pPr>
+            <a:endParaRPr kumimoji="0" lang="en-US" altLang="en-US" sz="1800" b="0" i="0" u="none" strike="noStrike" cap="none" normalizeH="0" baseline="0" dirty="0">
+              <a:ln>
+                <a:noFill/>
+              </a:ln>
+              <a:solidFill>
+                <a:schemeClr val="tx1"/>
+              </a:solidFill>
+              <a:effectLst/>
+              <a:latin typeface="Arial" panose="020B0604020202020204" pitchFamily="34" charset="0"/>
+            </a:endParaRPr>
+          </a:p>
+        </p:txBody>
+      </p:sp>
+    </p:spTree>
+    <p:extLst>
+      <p:ext uri="{BB962C8B-B14F-4D97-AF65-F5344CB8AC3E}">
+        <p14:creationId xmlns:p14="http://schemas.microsoft.com/office/powerpoint/2010/main" val="882385891"/>
+      </p:ext>
+    </p:extLst>
+  </p:cSld>
+  <p:clrMapOvr>
+    <a:masterClrMapping/>
+  </p:clrMapOvr>
+</p:sld>
+</file>
+
+<file path=ppt/slides/slide9.xml><?xml version="1.0" encoding="utf-8"?>
+<p:sld xmlns:a="http://schemas.openxmlformats.org/drawingml/2006/main" xmlns:r="http://schemas.openxmlformats.org/officeDocument/2006/relationships" xmlns:p="http://schemas.openxmlformats.org/presentationml/2006/main">
+  <p:cSld>
+    <p:spTree>
+      <p:nvGrpSpPr>
+        <p:cNvPr id="1" name="">
+          <a:extLst>
+            <a:ext uri="{FF2B5EF4-FFF2-40B4-BE49-F238E27FC236}">
+              <a16:creationId xmlns:a16="http://schemas.microsoft.com/office/drawing/2014/main" id="{D91E6AD4-7807-9E82-0D9D-D94AE076107F}"/>
+            </a:ext>
+          </a:extLst>
+        </p:cNvPr>
+        <p:cNvGrpSpPr/>
+        <p:nvPr/>
+      </p:nvGrpSpPr>
+      <p:grpSpPr>
+        <a:xfrm>
+          <a:off x="0" y="0"/>
+          <a:ext cx="0" cy="0"/>
+          <a:chOff x="0" y="0"/>
+          <a:chExt cx="0" cy="0"/>
+        </a:xfrm>
+      </p:grpSpPr>
+      <p:sp>
+        <p:nvSpPr>
+          <p:cNvPr id="2" name="Title 1">
+            <a:extLst>
+              <a:ext uri="{FF2B5EF4-FFF2-40B4-BE49-F238E27FC236}">
+                <a16:creationId xmlns:a16="http://schemas.microsoft.com/office/drawing/2014/main" id="{B19B313A-52FD-D983-6444-5D9F4DFD2BCF}"/>
+              </a:ext>
+            </a:extLst>
+          </p:cNvPr>
+          <p:cNvSpPr>
+            <a:spLocks noGrp="1"/>
+          </p:cNvSpPr>
+          <p:nvPr>
+            <p:ph type="ctrTitle"/>
+          </p:nvPr>
+        </p:nvSpPr>
+        <p:spPr>
+          <a:xfrm>
+            <a:off x="1386348" y="129135"/>
+            <a:ext cx="9105439" cy="990217"/>
+          </a:xfrm>
+        </p:spPr>
+        <p:txBody>
+          <a:bodyPr>
+            <a:normAutofit fontScale="90000"/>
+          </a:bodyPr>
+          <a:lstStyle/>
+          <a:p>
+            <a:r>
+              <a:rPr lang="en-US" dirty="0">
+                <a:solidFill>
+                  <a:srgbClr val="7030A0"/>
+                </a:solidFill>
+              </a:rPr>
+              <a:t>Affinity Propagation </a:t>
+            </a:r>
+            <a:r>
+              <a:rPr lang="en-US" dirty="0" err="1">
+                <a:solidFill>
+                  <a:srgbClr val="7030A0"/>
+                </a:solidFill>
+              </a:rPr>
+              <a:t>CLustering</a:t>
+            </a:r>
+            <a:endParaRPr lang="en-IN" dirty="0">
+              <a:solidFill>
+                <a:srgbClr val="7030A0"/>
+              </a:solidFill>
+            </a:endParaRPr>
+          </a:p>
+        </p:txBody>
+      </p:sp>
+      <p:sp>
+        <p:nvSpPr>
+          <p:cNvPr id="5" name="TextBox 4">
+            <a:extLst>
+              <a:ext uri="{FF2B5EF4-FFF2-40B4-BE49-F238E27FC236}">
+                <a16:creationId xmlns:a16="http://schemas.microsoft.com/office/drawing/2014/main" id="{E750AD21-74D0-CA99-4512-DEDE41BA0F23}"/>
+              </a:ext>
+            </a:extLst>
+          </p:cNvPr>
+          <p:cNvSpPr txBox="1"/>
+          <p:nvPr/>
+        </p:nvSpPr>
+        <p:spPr>
+          <a:xfrm>
+            <a:off x="861509" y="1358388"/>
+            <a:ext cx="5583536" cy="1754455"/>
+          </a:xfrm>
+          <a:prstGeom prst="rect">
+            <a:avLst/>
+          </a:prstGeom>
+          <a:noFill/>
+        </p:spPr>
+        <p:txBody>
+          <a:bodyPr wrap="square" rtlCol="0">
+            <a:spAutoFit/>
+          </a:bodyPr>
+          <a:lstStyle/>
+          <a:p>
+            <a:pPr marL="342900" indent="-342900">
+              <a:lnSpc>
+                <a:spcPct val="150000"/>
+              </a:lnSpc>
+              <a:buFont typeface="Arial" panose="020B0604020202020204" pitchFamily="34" charset="0"/>
+              <a:buChar char="•"/>
+            </a:pPr>
+            <a:endParaRPr lang="en-US" sz="2500" dirty="0">
+              <a:latin typeface="Times New Roman" panose="02020603050405020304" pitchFamily="18" charset="0"/>
+              <a:cs typeface="Times New Roman" panose="02020603050405020304" pitchFamily="18" charset="0"/>
+            </a:endParaRPr>
+          </a:p>
+          <a:p>
+            <a:pPr marL="342900" indent="-342900">
+              <a:lnSpc>
+                <a:spcPct val="150000"/>
+              </a:lnSpc>
+              <a:buFont typeface="Arial" panose="020B0604020202020204" pitchFamily="34" charset="0"/>
+              <a:buChar char="•"/>
+            </a:pPr>
+            <a:endParaRPr lang="en-US" sz="2500" dirty="0">
+              <a:latin typeface="Times New Roman" panose="02020603050405020304" pitchFamily="18" charset="0"/>
+              <a:cs typeface="Times New Roman" panose="02020603050405020304" pitchFamily="18" charset="0"/>
+            </a:endParaRPr>
+          </a:p>
+          <a:p>
+            <a:pPr>
+              <a:lnSpc>
+                <a:spcPct val="150000"/>
+              </a:lnSpc>
+            </a:pPr>
+            <a:endParaRPr lang="en-IN" sz="2500" dirty="0">
+              <a:latin typeface="Times New Roman" panose="02020603050405020304" pitchFamily="18" charset="0"/>
+              <a:cs typeface="Times New Roman" panose="02020603050405020304" pitchFamily="18" charset="0"/>
+            </a:endParaRPr>
+          </a:p>
+        </p:txBody>
+      </p:sp>
+      <p:pic>
+        <p:nvPicPr>
+          <p:cNvPr id="6" name="Picture 5">
+            <a:extLst>
+              <a:ext uri="{FF2B5EF4-FFF2-40B4-BE49-F238E27FC236}">
+                <a16:creationId xmlns:a16="http://schemas.microsoft.com/office/drawing/2014/main" id="{49C7D259-5801-F9B1-CDFE-A14779768E01}"/>
+              </a:ext>
+            </a:extLst>
+          </p:cNvPr>
+          <p:cNvPicPr>
+            <a:picLocks noChangeAspect="1"/>
+          </p:cNvPicPr>
+          <p:nvPr/>
+        </p:nvPicPr>
+        <p:blipFill>
+          <a:blip r:embed="rId2"/>
+          <a:stretch>
+            <a:fillRect/>
+          </a:stretch>
+        </p:blipFill>
+        <p:spPr>
+          <a:xfrm>
+            <a:off x="3101155" y="1292020"/>
+            <a:ext cx="5429250" cy="4133850"/>
+          </a:xfrm>
+          <a:prstGeom prst="rect">
+            <a:avLst/>
+          </a:prstGeom>
+        </p:spPr>
+      </p:pic>
+    </p:spTree>
+    <p:extLst>
+      <p:ext uri="{BB962C8B-B14F-4D97-AF65-F5344CB8AC3E}">
+        <p14:creationId xmlns:p14="http://schemas.microsoft.com/office/powerpoint/2010/main" val="1453625059"/>
       </p:ext>
     </p:extLst>
   </p:cSld>
